--- a/lecture_content/classSlides/1_mapPattern/mapPattern.pptx
+++ b/lecture_content/classSlides/1_mapPattern/mapPattern.pptx
@@ -5,15 +5,16 @@
     <p:sldMasterId id="2147483648" r:id="rId1"/>
   </p:sldMasterIdLst>
   <p:notesMasterIdLst>
-    <p:notesMasterId r:id="rId5"/>
+    <p:notesMasterId r:id="rId6"/>
   </p:notesMasterIdLst>
   <p:handoutMasterIdLst>
-    <p:handoutMasterId r:id="rId6"/>
+    <p:handoutMasterId r:id="rId7"/>
   </p:handoutMasterIdLst>
   <p:sldIdLst>
     <p:sldId id="256" r:id="rId2"/>
     <p:sldId id="257" r:id="rId3"/>
     <p:sldId id="258" r:id="rId4"/>
+    <p:sldId id="259" r:id="rId5"/>
   </p:sldIdLst>
   <p:sldSz cx="9144000" cy="6858000" type="screen4x3"/>
   <p:notesSz cx="6858000" cy="9144000"/>
@@ -256,7 +257,7 @@
               <a:pPr>
                 <a:defRPr/>
               </a:pPr>
-              <a:t>3/5/14</a:t>
+              <a:t>3/6/14</a:t>
             </a:fld>
             <a:endParaRPr lang="en-US"/>
           </a:p>
@@ -480,7 +481,7 @@
               <a:pPr>
                 <a:defRPr/>
               </a:pPr>
-              <a:t>3/5/14</a:t>
+              <a:t>3/6/14</a:t>
             </a:fld>
             <a:endParaRPr lang="en-US"/>
           </a:p>
@@ -4216,7 +4217,7 @@
           <a:p>
             <a:r>
               <a:rPr lang="en-US" dirty="0" smtClean="0"/>
-              <a:t>TITLE</a:t>
+              <a:t>Map Pattern</a:t>
             </a:r>
             <a:endParaRPr lang="en-US" dirty="0"/>
           </a:p>
@@ -4260,20 +4261,11 @@
               <a:rPr lang="en-US" dirty="0" smtClean="0"/>
               <a:t>510</a:t>
             </a:r>
-            <a:endParaRPr lang="en-US" dirty="0" smtClean="0"/>
           </a:p>
           <a:p>
             <a:r>
               <a:rPr lang="en-US" dirty="0" smtClean="0"/>
-              <a:t>Department </a:t>
-            </a:r>
-            <a:r>
-              <a:rPr lang="en-US" dirty="0" smtClean="0"/>
-              <a:t>of Computer and Information </a:t>
-            </a:r>
-            <a:r>
-              <a:rPr lang="en-US" dirty="0" smtClean="0"/>
-              <a:t>Science</a:t>
+              <a:t>Department of Computer and Information Science</a:t>
             </a:r>
           </a:p>
         </p:txBody>
@@ -4381,7 +4373,7 @@
           <a:p>
             <a:r>
               <a:rPr lang="en-US" dirty="0" smtClean="0"/>
-              <a:t>Overview</a:t>
+              <a:t>Table of Contents</a:t>
             </a:r>
             <a:endParaRPr lang="en-US" dirty="0"/>
           </a:p>
@@ -4617,6 +4609,133 @@
     <p:extLst>
       <p:ext uri="{BB962C8B-B14F-4D97-AF65-F5344CB8AC3E}">
         <p14:creationId xmlns:p14="http://schemas.microsoft.com/office/powerpoint/2010/main" val="2323269314"/>
+      </p:ext>
+    </p:extLst>
+  </p:cSld>
+  <p:clrMapOvr>
+    <a:masterClrMapping/>
+  </p:clrMapOvr>
+</p:sld>
+</file>
+
+<file path=ppt/slides/slide4.xml><?xml version="1.0" encoding="utf-8"?>
+<p:sld xmlns:a="http://schemas.openxmlformats.org/drawingml/2006/main" xmlns:r="http://schemas.openxmlformats.org/officeDocument/2006/relationships" xmlns:p="http://schemas.openxmlformats.org/presentationml/2006/main">
+  <p:cSld>
+    <p:spTree>
+      <p:nvGrpSpPr>
+        <p:cNvPr id="1" name=""/>
+        <p:cNvGrpSpPr/>
+        <p:nvPr/>
+      </p:nvGrpSpPr>
+      <p:grpSpPr>
+        <a:xfrm>
+          <a:off x="0" y="0"/>
+          <a:ext cx="0" cy="0"/>
+          <a:chOff x="0" y="0"/>
+          <a:chExt cx="0" cy="0"/>
+        </a:xfrm>
+      </p:grpSpPr>
+      <p:sp>
+        <p:nvSpPr>
+          <p:cNvPr id="2" name="Title 1"/>
+          <p:cNvSpPr>
+            <a:spLocks noGrp="1"/>
+          </p:cNvSpPr>
+          <p:nvPr>
+            <p:ph type="title"/>
+          </p:nvPr>
+        </p:nvSpPr>
+        <p:spPr/>
+        <p:txBody>
+          <a:bodyPr/>
+          <a:lstStyle/>
+          <a:p>
+            <a:r>
+              <a:rPr lang="en-US" dirty="0" smtClean="0"/>
+              <a:t>Example Implementation</a:t>
+            </a:r>
+            <a:endParaRPr lang="en-US" dirty="0"/>
+          </a:p>
+        </p:txBody>
+      </p:sp>
+      <p:sp>
+        <p:nvSpPr>
+          <p:cNvPr id="3" name="Content Placeholder 2"/>
+          <p:cNvSpPr>
+            <a:spLocks noGrp="1"/>
+          </p:cNvSpPr>
+          <p:nvPr>
+            <p:ph idx="1"/>
+          </p:nvPr>
+        </p:nvSpPr>
+        <p:spPr/>
+        <p:txBody>
+          <a:bodyPr/>
+          <a:lstStyle/>
+          <a:p>
+            <a:endParaRPr lang="en-US"/>
+          </a:p>
+        </p:txBody>
+      </p:sp>
+      <p:sp>
+        <p:nvSpPr>
+          <p:cNvPr id="4" name="Footer Placeholder 3"/>
+          <p:cNvSpPr>
+            <a:spLocks noGrp="1"/>
+          </p:cNvSpPr>
+          <p:nvPr>
+            <p:ph type="ftr" sz="quarter" idx="11"/>
+          </p:nvPr>
+        </p:nvSpPr>
+        <p:spPr/>
+        <p:txBody>
+          <a:bodyPr/>
+          <a:lstStyle/>
+          <a:p>
+            <a:pPr>
+              <a:defRPr/>
+            </a:pPr>
+            <a:r>
+              <a:rPr lang="en-US" smtClean="0"/>
+              <a:t>CIS 410/510: Parallel Computing, University of Oregon, Spring 2014</a:t>
+            </a:r>
+            <a:endParaRPr lang="en-US" dirty="0"/>
+          </a:p>
+        </p:txBody>
+      </p:sp>
+      <p:sp>
+        <p:nvSpPr>
+          <p:cNvPr id="5" name="Slide Number Placeholder 4"/>
+          <p:cNvSpPr>
+            <a:spLocks noGrp="1"/>
+          </p:cNvSpPr>
+          <p:nvPr>
+            <p:ph type="sldNum" sz="quarter" idx="12"/>
+          </p:nvPr>
+        </p:nvSpPr>
+        <p:spPr/>
+        <p:txBody>
+          <a:bodyPr/>
+          <a:lstStyle/>
+          <a:p>
+            <a:pPr>
+              <a:defRPr/>
+            </a:pPr>
+            <a:fld id="{F2F21A90-E327-C84D-81B5-071D4C5C9FC6}" type="slidenum">
+              <a:rPr lang="en-US" smtClean="0"/>
+              <a:pPr>
+                <a:defRPr/>
+              </a:pPr>
+              <a:t>4</a:t>
+            </a:fld>
+            <a:endParaRPr lang="en-US"/>
+          </a:p>
+        </p:txBody>
+      </p:sp>
+    </p:spTree>
+    <p:extLst>
+      <p:ext uri="{BB962C8B-B14F-4D97-AF65-F5344CB8AC3E}">
+        <p14:creationId xmlns:p14="http://schemas.microsoft.com/office/powerpoint/2010/main" val="3264597891"/>
       </p:ext>
     </p:extLst>
   </p:cSld>

--- a/lecture_content/classSlides/1_mapPattern/mapPattern.pptx
+++ b/lecture_content/classSlides/1_mapPattern/mapPattern.pptx
@@ -5,16 +5,40 @@
     <p:sldMasterId id="2147483648" r:id="rId1"/>
   </p:sldMasterIdLst>
   <p:notesMasterIdLst>
-    <p:notesMasterId r:id="rId6"/>
+    <p:notesMasterId r:id="rId30"/>
   </p:notesMasterIdLst>
   <p:handoutMasterIdLst>
-    <p:handoutMasterId r:id="rId7"/>
+    <p:handoutMasterId r:id="rId31"/>
   </p:handoutMasterIdLst>
   <p:sldIdLst>
     <p:sldId id="256" r:id="rId2"/>
     <p:sldId id="257" r:id="rId3"/>
-    <p:sldId id="258" r:id="rId4"/>
-    <p:sldId id="259" r:id="rId5"/>
+    <p:sldId id="260" r:id="rId4"/>
+    <p:sldId id="258" r:id="rId5"/>
+    <p:sldId id="270" r:id="rId6"/>
+    <p:sldId id="271" r:id="rId7"/>
+    <p:sldId id="272" r:id="rId8"/>
+    <p:sldId id="276" r:id="rId9"/>
+    <p:sldId id="277" r:id="rId10"/>
+    <p:sldId id="273" r:id="rId11"/>
+    <p:sldId id="274" r:id="rId12"/>
+    <p:sldId id="275" r:id="rId13"/>
+    <p:sldId id="278" r:id="rId14"/>
+    <p:sldId id="279" r:id="rId15"/>
+    <p:sldId id="280" r:id="rId16"/>
+    <p:sldId id="281" r:id="rId17"/>
+    <p:sldId id="284" r:id="rId18"/>
+    <p:sldId id="283" r:id="rId19"/>
+    <p:sldId id="261" r:id="rId20"/>
+    <p:sldId id="262" r:id="rId21"/>
+    <p:sldId id="263" r:id="rId22"/>
+    <p:sldId id="264" r:id="rId23"/>
+    <p:sldId id="265" r:id="rId24"/>
+    <p:sldId id="266" r:id="rId25"/>
+    <p:sldId id="267" r:id="rId26"/>
+    <p:sldId id="268" r:id="rId27"/>
+    <p:sldId id="269" r:id="rId28"/>
+    <p:sldId id="259" r:id="rId29"/>
   </p:sldIdLst>
   <p:sldSz cx="9144000" cy="6858000" type="screen4x3"/>
   <p:notesSz cx="6858000" cy="9144000"/>
@@ -257,7 +281,7 @@
               <a:pPr>
                 <a:defRPr/>
               </a:pPr>
-              <a:t>3/6/14</a:t>
+              <a:t>3/8/2014</a:t>
             </a:fld>
             <a:endParaRPr lang="en-US"/>
           </a:p>
@@ -481,7 +505,7 @@
               <a:pPr>
                 <a:defRPr/>
               </a:pPr>
-              <a:t>3/6/14</a:t>
+              <a:t>3/8/2014</a:t>
             </a:fld>
             <a:endParaRPr lang="en-US"/>
           </a:p>
@@ -3476,14 +3500,14 @@
             <a:noFill/>
           </a:ln>
           <a:extLst>
-            <a:ext uri="{909E8E84-426E-40dd-AFC4-6F175D3DCCD1}">
+            <a:ext uri="{909E8E84-426E-40DD-AFC4-6F175D3DCCD1}">
               <a14:hiddenFill xmlns:a14="http://schemas.microsoft.com/office/drawing/2010/main">
                 <a:solidFill>
                   <a:srgbClr val="FFFFFF"/>
                 </a:solidFill>
               </a14:hiddenFill>
             </a:ext>
-            <a:ext uri="{91240B29-F687-4f45-9708-019B960494DF}">
+            <a:ext uri="{91240B29-F687-4F45-9708-019B960494DF}">
               <a14:hiddenLine xmlns:a14="http://schemas.microsoft.com/office/drawing/2010/main" w="9525">
                 <a:solidFill>
                   <a:srgbClr val="000000"/>
@@ -3494,7 +3518,7 @@
               </a14:hiddenLine>
             </a:ext>
             <a:ext uri="{FAA26D3D-D897-4be2-8F04-BA451C77F1D7}">
-              <ma14:placeholderFlag xmlns:ma14="http://schemas.microsoft.com/office/mac/drawingml/2011/main" val="1"/>
+              <ma14:placeholderFlag xmlns:ma14="http://schemas.microsoft.com/office/mac/drawingml/2011/main" xmlns="" val="1"/>
             </a:ext>
           </a:extLst>
         </p:spPr>
@@ -3538,14 +3562,14 @@
             <a:noFill/>
           </a:ln>
           <a:extLst>
-            <a:ext uri="{909E8E84-426E-40dd-AFC4-6F175D3DCCD1}">
+            <a:ext uri="{909E8E84-426E-40DD-AFC4-6F175D3DCCD1}">
               <a14:hiddenFill xmlns:a14="http://schemas.microsoft.com/office/drawing/2010/main">
                 <a:solidFill>
                   <a:srgbClr val="FFFFFF"/>
                 </a:solidFill>
               </a14:hiddenFill>
             </a:ext>
-            <a:ext uri="{91240B29-F687-4f45-9708-019B960494DF}">
+            <a:ext uri="{91240B29-F687-4F45-9708-019B960494DF}">
               <a14:hiddenLine xmlns:a14="http://schemas.microsoft.com/office/drawing/2010/main" w="9525">
                 <a:solidFill>
                   <a:srgbClr val="000000"/>
@@ -3556,7 +3580,7 @@
               </a14:hiddenLine>
             </a:ext>
             <a:ext uri="{FAA26D3D-D897-4be2-8F04-BA451C77F1D7}">
-              <ma14:placeholderFlag xmlns:ma14="http://schemas.microsoft.com/office/mac/drawingml/2011/main" val="1"/>
+              <ma14:placeholderFlag xmlns:ma14="http://schemas.microsoft.com/office/mac/drawingml/2011/main" xmlns="" val="1"/>
             </a:ext>
           </a:extLst>
         </p:spPr>
@@ -3748,14 +3772,14 @@
             <a:noFill/>
           </a:ln>
           <a:extLst>
-            <a:ext uri="{909E8E84-426E-40dd-AFC4-6F175D3DCCD1}">
+            <a:ext uri="{909E8E84-426E-40DD-AFC4-6F175D3DCCD1}">
               <a14:hiddenFill xmlns:a14="http://schemas.microsoft.com/office/drawing/2010/main">
                 <a:solidFill>
                   <a:srgbClr val="FFFFFF"/>
                 </a:solidFill>
               </a14:hiddenFill>
             </a:ext>
-            <a:ext uri="{91240B29-F687-4f45-9708-019B960494DF}">
+            <a:ext uri="{91240B29-F687-4F45-9708-019B960494DF}">
               <a14:hiddenLine xmlns:a14="http://schemas.microsoft.com/office/drawing/2010/main" w="9525">
                 <a:solidFill>
                   <a:srgbClr val="000000"/>
@@ -4304,14 +4328,14 @@
             <a:noFill/>
           </a:ln>
           <a:extLst>
-            <a:ext uri="{909E8E84-426E-40dd-AFC4-6F175D3DCCD1}">
+            <a:ext uri="{909E8E84-426E-40DD-AFC4-6F175D3DCCD1}">
               <a14:hiddenFill xmlns:a14="http://schemas.microsoft.com/office/drawing/2010/main">
                 <a:solidFill>
                   <a:srgbClr val="FFFFFF"/>
                 </a:solidFill>
               </a14:hiddenFill>
             </a:ext>
-            <a:ext uri="{91240B29-F687-4f45-9708-019B960494DF}">
+            <a:ext uri="{91240B29-F687-4F45-9708-019B960494DF}">
               <a14:hiddenLine xmlns:a14="http://schemas.microsoft.com/office/drawing/2010/main" w="9525">
                 <a:solidFill>
                   <a:srgbClr val="000000"/>
@@ -4332,10 +4356,2713 @@
   <p:timing>
     <p:tnLst>
       <p:par>
-        <p:cTn xmlns:p14="http://schemas.microsoft.com/office/powerpoint/2010/main" id="1" dur="indefinite" restart="never" nodeType="tmRoot"/>
+        <p:cTn id="1" dur="indefinite" restart="never" nodeType="tmRoot"/>
       </p:par>
     </p:tnLst>
   </p:timing>
+</p:sld>
+</file>
+
+<file path=ppt/slides/slide10.xml><?xml version="1.0" encoding="utf-8"?>
+<p:sld xmlns:a="http://schemas.openxmlformats.org/drawingml/2006/main" xmlns:r="http://schemas.openxmlformats.org/officeDocument/2006/relationships" xmlns:p="http://schemas.openxmlformats.org/presentationml/2006/main">
+  <p:cSld>
+    <p:spTree>
+      <p:nvGrpSpPr>
+        <p:cNvPr id="1" name=""/>
+        <p:cNvGrpSpPr/>
+        <p:nvPr/>
+      </p:nvGrpSpPr>
+      <p:grpSpPr>
+        <a:xfrm>
+          <a:off x="0" y="0"/>
+          <a:ext cx="0" cy="0"/>
+          <a:chOff x="0" y="0"/>
+          <a:chExt cx="0" cy="0"/>
+        </a:xfrm>
+      </p:grpSpPr>
+      <p:sp>
+        <p:nvSpPr>
+          <p:cNvPr id="2" name="Title 1"/>
+          <p:cNvSpPr>
+            <a:spLocks noGrp="1"/>
+          </p:cNvSpPr>
+          <p:nvPr>
+            <p:ph type="title"/>
+          </p:nvPr>
+        </p:nvSpPr>
+        <p:spPr/>
+        <p:txBody>
+          <a:bodyPr/>
+          <a:lstStyle/>
+          <a:p>
+            <a:r>
+              <a:rPr lang="en-US" dirty="0" smtClean="0"/>
+              <a:t>Sequential Map</a:t>
+            </a:r>
+            <a:endParaRPr lang="en-US" dirty="0"/>
+          </a:p>
+        </p:txBody>
+      </p:sp>
+      <p:pic>
+        <p:nvPicPr>
+          <p:cNvPr id="6" name="Content Placeholder 5"/>
+          <p:cNvPicPr>
+            <a:picLocks noGrp="1" noChangeAspect="1"/>
+          </p:cNvPicPr>
+          <p:nvPr>
+            <p:ph sz="half" idx="1"/>
+          </p:nvPr>
+        </p:nvPicPr>
+        <p:blipFill>
+          <a:blip r:embed="rId2">
+            <a:extLst>
+              <a:ext uri="{28A0092B-C50C-407E-A947-70E740481C1C}">
+                <a14:useLocalDpi xmlns:a14="http://schemas.microsoft.com/office/drawing/2010/main" val="0"/>
+              </a:ext>
+            </a:extLst>
+          </a:blip>
+          <a:stretch>
+            <a:fillRect/>
+          </a:stretch>
+        </p:blipFill>
+        <p:spPr>
+          <a:xfrm>
+            <a:off x="5029200" y="1524000"/>
+            <a:ext cx="3525980" cy="4525963"/>
+          </a:xfrm>
+        </p:spPr>
+      </p:pic>
+      <p:sp>
+        <p:nvSpPr>
+          <p:cNvPr id="7" name="Content Placeholder 6"/>
+          <p:cNvSpPr>
+            <a:spLocks noGrp="1"/>
+          </p:cNvSpPr>
+          <p:nvPr>
+            <p:ph sz="half" idx="2"/>
+          </p:nvPr>
+        </p:nvSpPr>
+        <p:spPr>
+          <a:xfrm>
+            <a:off x="304800" y="1524000"/>
+            <a:ext cx="4495800" cy="4525963"/>
+          </a:xfrm>
+        </p:spPr>
+        <p:txBody>
+          <a:bodyPr anchor="ctr">
+            <a:normAutofit/>
+          </a:bodyPr>
+          <a:lstStyle/>
+          <a:p>
+            <a:pPr marL="0" indent="0">
+              <a:buNone/>
+            </a:pPr>
+            <a:r>
+              <a:rPr lang="en-US" sz="2000" dirty="0" smtClean="0">
+                <a:latin typeface="Courier New" panose="02070309020205020404" pitchFamily="49" charset="0"/>
+                <a:cs typeface="Courier New" panose="02070309020205020404" pitchFamily="49" charset="0"/>
+              </a:rPr>
+              <a:t>for(</a:t>
+            </a:r>
+            <a:r>
+              <a:rPr lang="en-US" sz="2000" dirty="0" err="1" smtClean="0">
+                <a:latin typeface="Courier New" panose="02070309020205020404" pitchFamily="49" charset="0"/>
+                <a:cs typeface="Courier New" panose="02070309020205020404" pitchFamily="49" charset="0"/>
+              </a:rPr>
+              <a:t>int</a:t>
+            </a:r>
+            <a:r>
+              <a:rPr lang="en-US" sz="2000" dirty="0" smtClean="0">
+                <a:latin typeface="Courier New" panose="02070309020205020404" pitchFamily="49" charset="0"/>
+                <a:cs typeface="Courier New" panose="02070309020205020404" pitchFamily="49" charset="0"/>
+              </a:rPr>
+              <a:t> n=0;</a:t>
+            </a:r>
+          </a:p>
+          <a:p>
+            <a:pPr marL="0" indent="0">
+              <a:buNone/>
+            </a:pPr>
+            <a:r>
+              <a:rPr lang="en-US" sz="2000" dirty="0" smtClean="0">
+                <a:latin typeface="Courier New" panose="02070309020205020404" pitchFamily="49" charset="0"/>
+                <a:cs typeface="Courier New" panose="02070309020205020404" pitchFamily="49" charset="0"/>
+              </a:rPr>
+              <a:t>	 n&lt; </a:t>
+            </a:r>
+            <a:r>
+              <a:rPr lang="en-US" sz="2000" dirty="0" err="1" smtClean="0">
+                <a:latin typeface="Courier New" panose="02070309020205020404" pitchFamily="49" charset="0"/>
+                <a:cs typeface="Courier New" panose="02070309020205020404" pitchFamily="49" charset="0"/>
+              </a:rPr>
+              <a:t>array.length</a:t>
+            </a:r>
+            <a:r>
+              <a:rPr lang="en-US" sz="2000" dirty="0" smtClean="0">
+                <a:latin typeface="Courier New" panose="02070309020205020404" pitchFamily="49" charset="0"/>
+                <a:cs typeface="Courier New" panose="02070309020205020404" pitchFamily="49" charset="0"/>
+              </a:rPr>
+              <a:t>;</a:t>
+            </a:r>
+          </a:p>
+          <a:p>
+            <a:pPr marL="0" indent="0">
+              <a:buNone/>
+            </a:pPr>
+            <a:r>
+              <a:rPr lang="en-US" sz="2000" dirty="0">
+                <a:latin typeface="Courier New" panose="02070309020205020404" pitchFamily="49" charset="0"/>
+                <a:cs typeface="Courier New" panose="02070309020205020404" pitchFamily="49" charset="0"/>
+              </a:rPr>
+              <a:t>	 </a:t>
+            </a:r>
+            <a:r>
+              <a:rPr lang="en-US" sz="2000" dirty="0" smtClean="0">
+                <a:latin typeface="Courier New" panose="02070309020205020404" pitchFamily="49" charset="0"/>
+                <a:cs typeface="Courier New" panose="02070309020205020404" pitchFamily="49" charset="0"/>
+              </a:rPr>
+              <a:t>++n){</a:t>
+            </a:r>
+          </a:p>
+          <a:p>
+            <a:pPr marL="0" indent="0">
+              <a:buNone/>
+            </a:pPr>
+            <a:r>
+              <a:rPr lang="en-US" sz="2000" dirty="0">
+                <a:latin typeface="Courier New" panose="02070309020205020404" pitchFamily="49" charset="0"/>
+                <a:cs typeface="Courier New" panose="02070309020205020404" pitchFamily="49" charset="0"/>
+              </a:rPr>
+              <a:t>	</a:t>
+            </a:r>
+            <a:r>
+              <a:rPr lang="en-US" sz="2000" dirty="0" smtClean="0">
+                <a:latin typeface="Courier New" panose="02070309020205020404" pitchFamily="49" charset="0"/>
+                <a:cs typeface="Courier New" panose="02070309020205020404" pitchFamily="49" charset="0"/>
+              </a:rPr>
+              <a:t>		process(array[n]);</a:t>
+            </a:r>
+          </a:p>
+          <a:p>
+            <a:pPr marL="0" indent="0">
+              <a:buNone/>
+            </a:pPr>
+            <a:r>
+              <a:rPr lang="en-US" sz="2000" dirty="0">
+                <a:latin typeface="Courier New" panose="02070309020205020404" pitchFamily="49" charset="0"/>
+                <a:cs typeface="Courier New" panose="02070309020205020404" pitchFamily="49" charset="0"/>
+              </a:rPr>
+              <a:t>}</a:t>
+            </a:r>
+          </a:p>
+        </p:txBody>
+      </p:sp>
+      <p:sp>
+        <p:nvSpPr>
+          <p:cNvPr id="4" name="Footer Placeholder 3"/>
+          <p:cNvSpPr>
+            <a:spLocks noGrp="1"/>
+          </p:cNvSpPr>
+          <p:nvPr>
+            <p:ph type="ftr" sz="quarter" idx="11"/>
+          </p:nvPr>
+        </p:nvSpPr>
+        <p:spPr/>
+        <p:txBody>
+          <a:bodyPr/>
+          <a:lstStyle/>
+          <a:p>
+            <a:pPr>
+              <a:defRPr/>
+            </a:pPr>
+            <a:r>
+              <a:rPr lang="en-US" smtClean="0"/>
+              <a:t>CIS 410/510: Parallel Computing, University of Oregon, Spring 2014</a:t>
+            </a:r>
+            <a:endParaRPr lang="en-US" dirty="0"/>
+          </a:p>
+        </p:txBody>
+      </p:sp>
+      <p:sp>
+        <p:nvSpPr>
+          <p:cNvPr id="5" name="Slide Number Placeholder 4"/>
+          <p:cNvSpPr>
+            <a:spLocks noGrp="1"/>
+          </p:cNvSpPr>
+          <p:nvPr>
+            <p:ph type="sldNum" sz="quarter" idx="12"/>
+          </p:nvPr>
+        </p:nvSpPr>
+        <p:spPr/>
+        <p:txBody>
+          <a:bodyPr/>
+          <a:lstStyle/>
+          <a:p>
+            <a:pPr>
+              <a:defRPr/>
+            </a:pPr>
+            <a:fld id="{F2F21A90-E327-C84D-81B5-071D4C5C9FC6}" type="slidenum">
+              <a:rPr lang="en-US" smtClean="0"/>
+              <a:pPr>
+                <a:defRPr/>
+              </a:pPr>
+              <a:t>10</a:t>
+            </a:fld>
+            <a:endParaRPr lang="en-US"/>
+          </a:p>
+        </p:txBody>
+      </p:sp>
+    </p:spTree>
+    <p:extLst>
+      <p:ext uri="{BB962C8B-B14F-4D97-AF65-F5344CB8AC3E}">
+        <p14:creationId xmlns:p14="http://schemas.microsoft.com/office/powerpoint/2010/main" val="933380221"/>
+      </p:ext>
+    </p:extLst>
+  </p:cSld>
+  <p:clrMapOvr>
+    <a:masterClrMapping/>
+  </p:clrMapOvr>
+  <p:timing>
+    <p:tnLst>
+      <p:par>
+        <p:cTn id="1" dur="indefinite" restart="never" nodeType="tmRoot"/>
+      </p:par>
+    </p:tnLst>
+  </p:timing>
+</p:sld>
+</file>
+
+<file path=ppt/slides/slide11.xml><?xml version="1.0" encoding="utf-8"?>
+<p:sld xmlns:a="http://schemas.openxmlformats.org/drawingml/2006/main" xmlns:r="http://schemas.openxmlformats.org/officeDocument/2006/relationships" xmlns:p="http://schemas.openxmlformats.org/presentationml/2006/main">
+  <p:cSld>
+    <p:spTree>
+      <p:nvGrpSpPr>
+        <p:cNvPr id="1" name=""/>
+        <p:cNvGrpSpPr/>
+        <p:nvPr/>
+      </p:nvGrpSpPr>
+      <p:grpSpPr>
+        <a:xfrm>
+          <a:off x="0" y="0"/>
+          <a:ext cx="0" cy="0"/>
+          <a:chOff x="0" y="0"/>
+          <a:chExt cx="0" cy="0"/>
+        </a:xfrm>
+      </p:grpSpPr>
+      <p:sp>
+        <p:nvSpPr>
+          <p:cNvPr id="2" name="Title 1"/>
+          <p:cNvSpPr>
+            <a:spLocks noGrp="1"/>
+          </p:cNvSpPr>
+          <p:nvPr>
+            <p:ph type="title"/>
+          </p:nvPr>
+        </p:nvSpPr>
+        <p:spPr/>
+        <p:txBody>
+          <a:bodyPr/>
+          <a:lstStyle/>
+          <a:p>
+            <a:r>
+              <a:rPr lang="en-US" dirty="0" smtClean="0"/>
+              <a:t>Parallel Map</a:t>
+            </a:r>
+            <a:endParaRPr lang="en-US" dirty="0"/>
+          </a:p>
+        </p:txBody>
+      </p:sp>
+      <p:sp>
+        <p:nvSpPr>
+          <p:cNvPr id="6" name="Content Placeholder 5"/>
+          <p:cNvSpPr>
+            <a:spLocks noGrp="1"/>
+          </p:cNvSpPr>
+          <p:nvPr>
+            <p:ph sz="half" idx="1"/>
+          </p:nvPr>
+        </p:nvSpPr>
+        <p:spPr>
+          <a:xfrm>
+            <a:off x="152400" y="1600200"/>
+            <a:ext cx="4876800" cy="4525963"/>
+          </a:xfrm>
+        </p:spPr>
+        <p:txBody>
+          <a:bodyPr anchor="ctr">
+            <a:normAutofit/>
+          </a:bodyPr>
+          <a:lstStyle/>
+          <a:p>
+            <a:pPr marL="0" indent="0">
+              <a:buNone/>
+            </a:pPr>
+            <a:r>
+              <a:rPr lang="en-US" sz="2000" dirty="0" err="1" smtClean="0">
+                <a:latin typeface="Courier New" panose="02070309020205020404" pitchFamily="49" charset="0"/>
+                <a:cs typeface="Courier New" panose="02070309020205020404" pitchFamily="49" charset="0"/>
+              </a:rPr>
+              <a:t>parallel_for_each</a:t>
+            </a:r>
+            <a:r>
+              <a:rPr lang="en-US" sz="2000" dirty="0" smtClean="0">
+                <a:latin typeface="Courier New" panose="02070309020205020404" pitchFamily="49" charset="0"/>
+                <a:cs typeface="Courier New" panose="02070309020205020404" pitchFamily="49" charset="0"/>
+              </a:rPr>
+              <a:t>(x in array){</a:t>
+            </a:r>
+          </a:p>
+          <a:p>
+            <a:pPr marL="0" indent="0">
+              <a:buNone/>
+            </a:pPr>
+            <a:r>
+              <a:rPr lang="en-US" sz="2000" dirty="0">
+                <a:latin typeface="Courier New" panose="02070309020205020404" pitchFamily="49" charset="0"/>
+                <a:cs typeface="Courier New" panose="02070309020205020404" pitchFamily="49" charset="0"/>
+              </a:rPr>
+              <a:t>	</a:t>
+            </a:r>
+            <a:r>
+              <a:rPr lang="en-US" sz="2000" dirty="0" smtClean="0">
+                <a:latin typeface="Courier New" panose="02070309020205020404" pitchFamily="49" charset="0"/>
+                <a:cs typeface="Courier New" panose="02070309020205020404" pitchFamily="49" charset="0"/>
+              </a:rPr>
+              <a:t>process(x);</a:t>
+            </a:r>
+          </a:p>
+          <a:p>
+            <a:pPr marL="0" indent="0">
+              <a:buNone/>
+            </a:pPr>
+            <a:r>
+              <a:rPr lang="en-US" sz="2000" dirty="0">
+                <a:latin typeface="Courier New" panose="02070309020205020404" pitchFamily="49" charset="0"/>
+                <a:cs typeface="Courier New" panose="02070309020205020404" pitchFamily="49" charset="0"/>
+              </a:rPr>
+              <a:t>}</a:t>
+            </a:r>
+            <a:endParaRPr lang="en-US" sz="2000" dirty="0" smtClean="0">
+              <a:latin typeface="Courier New" panose="02070309020205020404" pitchFamily="49" charset="0"/>
+              <a:cs typeface="Courier New" panose="02070309020205020404" pitchFamily="49" charset="0"/>
+            </a:endParaRPr>
+          </a:p>
+        </p:txBody>
+      </p:sp>
+      <p:pic>
+        <p:nvPicPr>
+          <p:cNvPr id="8" name="Content Placeholder 7"/>
+          <p:cNvPicPr>
+            <a:picLocks noGrp="1" noChangeAspect="1"/>
+          </p:cNvPicPr>
+          <p:nvPr>
+            <p:ph sz="half" idx="2"/>
+          </p:nvPr>
+        </p:nvPicPr>
+        <p:blipFill>
+          <a:blip r:embed="rId2">
+            <a:extLst>
+              <a:ext uri="{28A0092B-C50C-407E-A947-70E740481C1C}">
+                <a14:useLocalDpi xmlns:a14="http://schemas.microsoft.com/office/drawing/2010/main" val="0"/>
+              </a:ext>
+            </a:extLst>
+          </a:blip>
+          <a:stretch>
+            <a:fillRect/>
+          </a:stretch>
+        </p:blipFill>
+        <p:spPr>
+          <a:xfrm>
+            <a:off x="4953000" y="2362200"/>
+            <a:ext cx="4038600" cy="2893236"/>
+          </a:xfrm>
+        </p:spPr>
+      </p:pic>
+      <p:sp>
+        <p:nvSpPr>
+          <p:cNvPr id="4" name="Footer Placeholder 3"/>
+          <p:cNvSpPr>
+            <a:spLocks noGrp="1"/>
+          </p:cNvSpPr>
+          <p:nvPr>
+            <p:ph type="ftr" sz="quarter" idx="11"/>
+          </p:nvPr>
+        </p:nvSpPr>
+        <p:spPr/>
+        <p:txBody>
+          <a:bodyPr/>
+          <a:lstStyle/>
+          <a:p>
+            <a:pPr>
+              <a:defRPr/>
+            </a:pPr>
+            <a:r>
+              <a:rPr lang="en-US" smtClean="0"/>
+              <a:t>CIS 410/510: Parallel Computing, University of Oregon, Spring 2014</a:t>
+            </a:r>
+            <a:endParaRPr lang="en-US" dirty="0"/>
+          </a:p>
+        </p:txBody>
+      </p:sp>
+      <p:sp>
+        <p:nvSpPr>
+          <p:cNvPr id="5" name="Slide Number Placeholder 4"/>
+          <p:cNvSpPr>
+            <a:spLocks noGrp="1"/>
+          </p:cNvSpPr>
+          <p:nvPr>
+            <p:ph type="sldNum" sz="quarter" idx="12"/>
+          </p:nvPr>
+        </p:nvSpPr>
+        <p:spPr/>
+        <p:txBody>
+          <a:bodyPr/>
+          <a:lstStyle/>
+          <a:p>
+            <a:pPr>
+              <a:defRPr/>
+            </a:pPr>
+            <a:fld id="{F2F21A90-E327-C84D-81B5-071D4C5C9FC6}" type="slidenum">
+              <a:rPr lang="en-US" smtClean="0"/>
+              <a:pPr>
+                <a:defRPr/>
+              </a:pPr>
+              <a:t>11</a:t>
+            </a:fld>
+            <a:endParaRPr lang="en-US"/>
+          </a:p>
+        </p:txBody>
+      </p:sp>
+    </p:spTree>
+    <p:extLst>
+      <p:ext uri="{BB962C8B-B14F-4D97-AF65-F5344CB8AC3E}">
+        <p14:creationId xmlns:p14="http://schemas.microsoft.com/office/powerpoint/2010/main" val="933380221"/>
+      </p:ext>
+    </p:extLst>
+  </p:cSld>
+  <p:clrMapOvr>
+    <a:masterClrMapping/>
+  </p:clrMapOvr>
+</p:sld>
+</file>
+
+<file path=ppt/slides/slide12.xml><?xml version="1.0" encoding="utf-8"?>
+<p:sld xmlns:a="http://schemas.openxmlformats.org/drawingml/2006/main" xmlns:r="http://schemas.openxmlformats.org/officeDocument/2006/relationships" xmlns:p="http://schemas.openxmlformats.org/presentationml/2006/main">
+  <p:cSld>
+    <p:spTree>
+      <p:nvGrpSpPr>
+        <p:cNvPr id="1" name=""/>
+        <p:cNvGrpSpPr/>
+        <p:nvPr/>
+      </p:nvGrpSpPr>
+      <p:grpSpPr>
+        <a:xfrm>
+          <a:off x="0" y="0"/>
+          <a:ext cx="0" cy="0"/>
+          <a:chOff x="0" y="0"/>
+          <a:chExt cx="0" cy="0"/>
+        </a:xfrm>
+      </p:grpSpPr>
+      <p:sp>
+        <p:nvSpPr>
+          <p:cNvPr id="2" name="Title 1"/>
+          <p:cNvSpPr>
+            <a:spLocks noGrp="1"/>
+          </p:cNvSpPr>
+          <p:nvPr>
+            <p:ph type="title"/>
+          </p:nvPr>
+        </p:nvSpPr>
+        <p:spPr/>
+        <p:txBody>
+          <a:bodyPr/>
+          <a:lstStyle/>
+          <a:p>
+            <a:r>
+              <a:rPr lang="en-US" dirty="0" smtClean="0"/>
+              <a:t>Comparing Maps</a:t>
+            </a:r>
+            <a:endParaRPr lang="en-US" dirty="0"/>
+          </a:p>
+        </p:txBody>
+      </p:sp>
+      <p:pic>
+        <p:nvPicPr>
+          <p:cNvPr id="8" name="Content Placeholder 7"/>
+          <p:cNvPicPr>
+            <a:picLocks noGrp="1" noChangeAspect="1"/>
+          </p:cNvPicPr>
+          <p:nvPr>
+            <p:ph sz="half" idx="1"/>
+          </p:nvPr>
+        </p:nvPicPr>
+        <p:blipFill>
+          <a:blip r:embed="rId2">
+            <a:extLst>
+              <a:ext uri="{28A0092B-C50C-407E-A947-70E740481C1C}">
+                <a14:useLocalDpi xmlns:a14="http://schemas.microsoft.com/office/drawing/2010/main" val="0"/>
+              </a:ext>
+            </a:extLst>
+          </a:blip>
+          <a:stretch>
+            <a:fillRect/>
+          </a:stretch>
+        </p:blipFill>
+        <p:spPr>
+          <a:xfrm>
+            <a:off x="713510" y="1600200"/>
+            <a:ext cx="3525980" cy="4525963"/>
+          </a:xfrm>
+        </p:spPr>
+      </p:pic>
+      <p:pic>
+        <p:nvPicPr>
+          <p:cNvPr id="9" name="Content Placeholder 8"/>
+          <p:cNvPicPr>
+            <a:picLocks noGrp="1" noChangeAspect="1"/>
+          </p:cNvPicPr>
+          <p:nvPr>
+            <p:ph sz="half" idx="2"/>
+          </p:nvPr>
+        </p:nvPicPr>
+        <p:blipFill>
+          <a:blip r:embed="rId3">
+            <a:extLst>
+              <a:ext uri="{28A0092B-C50C-407E-A947-70E740481C1C}">
+                <a14:useLocalDpi xmlns:a14="http://schemas.microsoft.com/office/drawing/2010/main" val="0"/>
+              </a:ext>
+            </a:extLst>
+          </a:blip>
+          <a:stretch>
+            <a:fillRect/>
+          </a:stretch>
+        </p:blipFill>
+        <p:spPr>
+          <a:xfrm>
+            <a:off x="4648200" y="1600200"/>
+            <a:ext cx="3581400" cy="2565699"/>
+          </a:xfrm>
+        </p:spPr>
+      </p:pic>
+      <p:sp>
+        <p:nvSpPr>
+          <p:cNvPr id="4" name="Footer Placeholder 3"/>
+          <p:cNvSpPr>
+            <a:spLocks noGrp="1"/>
+          </p:cNvSpPr>
+          <p:nvPr>
+            <p:ph type="ftr" sz="quarter" idx="11"/>
+          </p:nvPr>
+        </p:nvSpPr>
+        <p:spPr/>
+        <p:txBody>
+          <a:bodyPr/>
+          <a:lstStyle/>
+          <a:p>
+            <a:pPr>
+              <a:defRPr/>
+            </a:pPr>
+            <a:r>
+              <a:rPr lang="en-US" smtClean="0"/>
+              <a:t>CIS 410/510: Parallel Computing, University of Oregon, Spring 2014</a:t>
+            </a:r>
+            <a:endParaRPr lang="en-US" dirty="0"/>
+          </a:p>
+        </p:txBody>
+      </p:sp>
+      <p:sp>
+        <p:nvSpPr>
+          <p:cNvPr id="5" name="Slide Number Placeholder 4"/>
+          <p:cNvSpPr>
+            <a:spLocks noGrp="1"/>
+          </p:cNvSpPr>
+          <p:nvPr>
+            <p:ph type="sldNum" sz="quarter" idx="12"/>
+          </p:nvPr>
+        </p:nvSpPr>
+        <p:spPr/>
+        <p:txBody>
+          <a:bodyPr/>
+          <a:lstStyle/>
+          <a:p>
+            <a:pPr>
+              <a:defRPr/>
+            </a:pPr>
+            <a:fld id="{F2F21A90-E327-C84D-81B5-071D4C5C9FC6}" type="slidenum">
+              <a:rPr lang="en-US" smtClean="0"/>
+              <a:pPr>
+                <a:defRPr/>
+              </a:pPr>
+              <a:t>12</a:t>
+            </a:fld>
+            <a:endParaRPr lang="en-US"/>
+          </a:p>
+        </p:txBody>
+      </p:sp>
+      <p:cxnSp>
+        <p:nvCxnSpPr>
+          <p:cNvPr id="12" name="Straight Arrow Connector 11"/>
+          <p:cNvCxnSpPr/>
+          <p:nvPr/>
+        </p:nvCxnSpPr>
+        <p:spPr>
+          <a:xfrm>
+            <a:off x="533400" y="1600200"/>
+            <a:ext cx="0" cy="4419600"/>
+          </a:xfrm>
+          <a:prstGeom prst="straightConnector1">
+            <a:avLst/>
+          </a:prstGeom>
+          <a:ln w="38100">
+            <a:tailEnd type="arrow"/>
+          </a:ln>
+        </p:spPr>
+        <p:style>
+          <a:lnRef idx="2">
+            <a:schemeClr val="accent1"/>
+          </a:lnRef>
+          <a:fillRef idx="0">
+            <a:schemeClr val="accent1"/>
+          </a:fillRef>
+          <a:effectRef idx="1">
+            <a:schemeClr val="accent1"/>
+          </a:effectRef>
+          <a:fontRef idx="minor">
+            <a:schemeClr val="tx1"/>
+          </a:fontRef>
+        </p:style>
+      </p:cxnSp>
+      <p:sp>
+        <p:nvSpPr>
+          <p:cNvPr id="19" name="TextBox 18"/>
+          <p:cNvSpPr txBox="1"/>
+          <p:nvPr/>
+        </p:nvSpPr>
+        <p:spPr>
+          <a:xfrm rot="16200000">
+            <a:off x="-908566" y="3388668"/>
+            <a:ext cx="2514600" cy="461665"/>
+          </a:xfrm>
+          <a:prstGeom prst="rect">
+            <a:avLst/>
+          </a:prstGeom>
+          <a:noFill/>
+        </p:spPr>
+        <p:txBody>
+          <a:bodyPr wrap="square" rtlCol="0">
+            <a:spAutoFit/>
+          </a:bodyPr>
+          <a:lstStyle/>
+          <a:p>
+            <a:pPr algn="ctr"/>
+            <a:r>
+              <a:rPr lang="en-US" sz="2400" dirty="0" smtClean="0"/>
+              <a:t>TIME</a:t>
+            </a:r>
+            <a:endParaRPr lang="en-US" sz="2400" dirty="0"/>
+          </a:p>
+        </p:txBody>
+      </p:sp>
+      <p:cxnSp>
+        <p:nvCxnSpPr>
+          <p:cNvPr id="20" name="Straight Arrow Connector 19"/>
+          <p:cNvCxnSpPr/>
+          <p:nvPr/>
+        </p:nvCxnSpPr>
+        <p:spPr>
+          <a:xfrm>
+            <a:off x="8305800" y="1621872"/>
+            <a:ext cx="0" cy="4419600"/>
+          </a:xfrm>
+          <a:prstGeom prst="straightConnector1">
+            <a:avLst/>
+          </a:prstGeom>
+          <a:ln w="38100">
+            <a:tailEnd type="arrow"/>
+          </a:ln>
+        </p:spPr>
+        <p:style>
+          <a:lnRef idx="2">
+            <a:schemeClr val="accent1"/>
+          </a:lnRef>
+          <a:fillRef idx="0">
+            <a:schemeClr val="accent1"/>
+          </a:fillRef>
+          <a:effectRef idx="1">
+            <a:schemeClr val="accent1"/>
+          </a:effectRef>
+          <a:fontRef idx="minor">
+            <a:schemeClr val="tx1"/>
+          </a:fontRef>
+        </p:style>
+      </p:cxnSp>
+      <p:sp>
+        <p:nvSpPr>
+          <p:cNvPr id="21" name="TextBox 20"/>
+          <p:cNvSpPr txBox="1"/>
+          <p:nvPr/>
+        </p:nvSpPr>
+        <p:spPr>
+          <a:xfrm rot="5400000">
+            <a:off x="7338809" y="3388669"/>
+            <a:ext cx="2514600" cy="461665"/>
+          </a:xfrm>
+          <a:prstGeom prst="rect">
+            <a:avLst/>
+          </a:prstGeom>
+          <a:noFill/>
+        </p:spPr>
+        <p:txBody>
+          <a:bodyPr wrap="square" rtlCol="0">
+            <a:spAutoFit/>
+          </a:bodyPr>
+          <a:lstStyle/>
+          <a:p>
+            <a:pPr algn="ctr"/>
+            <a:r>
+              <a:rPr lang="en-US" sz="2400" dirty="0" smtClean="0"/>
+              <a:t>TIME</a:t>
+            </a:r>
+            <a:endParaRPr lang="en-US" sz="2400" dirty="0"/>
+          </a:p>
+        </p:txBody>
+      </p:sp>
+    </p:spTree>
+    <p:extLst>
+      <p:ext uri="{BB962C8B-B14F-4D97-AF65-F5344CB8AC3E}">
+        <p14:creationId xmlns:p14="http://schemas.microsoft.com/office/powerpoint/2010/main" val="933380221"/>
+      </p:ext>
+    </p:extLst>
+  </p:cSld>
+  <p:clrMapOvr>
+    <a:masterClrMapping/>
+  </p:clrMapOvr>
+</p:sld>
+</file>
+
+<file path=ppt/slides/slide13.xml><?xml version="1.0" encoding="utf-8"?>
+<p:sld xmlns:a="http://schemas.openxmlformats.org/drawingml/2006/main" xmlns:r="http://schemas.openxmlformats.org/officeDocument/2006/relationships" xmlns:p="http://schemas.openxmlformats.org/presentationml/2006/main">
+  <p:cSld>
+    <p:spTree>
+      <p:nvGrpSpPr>
+        <p:cNvPr id="1" name=""/>
+        <p:cNvGrpSpPr/>
+        <p:nvPr/>
+      </p:nvGrpSpPr>
+      <p:grpSpPr>
+        <a:xfrm>
+          <a:off x="0" y="0"/>
+          <a:ext cx="0" cy="0"/>
+          <a:chOff x="0" y="0"/>
+          <a:chExt cx="0" cy="0"/>
+        </a:xfrm>
+      </p:grpSpPr>
+      <p:sp>
+        <p:nvSpPr>
+          <p:cNvPr id="2" name="Title 1"/>
+          <p:cNvSpPr>
+            <a:spLocks noGrp="1"/>
+          </p:cNvSpPr>
+          <p:nvPr>
+            <p:ph type="title"/>
+          </p:nvPr>
+        </p:nvSpPr>
+        <p:spPr/>
+        <p:txBody>
+          <a:bodyPr/>
+          <a:lstStyle/>
+          <a:p>
+            <a:r>
+              <a:rPr lang="en-US" dirty="0" smtClean="0"/>
+              <a:t>Independence</a:t>
+            </a:r>
+            <a:endParaRPr lang="en-US" dirty="0"/>
+          </a:p>
+        </p:txBody>
+      </p:sp>
+      <p:sp>
+        <p:nvSpPr>
+          <p:cNvPr id="3" name="Content Placeholder 2"/>
+          <p:cNvSpPr>
+            <a:spLocks noGrp="1"/>
+          </p:cNvSpPr>
+          <p:nvPr>
+            <p:ph idx="1"/>
+          </p:nvPr>
+        </p:nvSpPr>
+        <p:spPr/>
+        <p:txBody>
+          <a:bodyPr/>
+          <a:lstStyle/>
+          <a:p>
+            <a:r>
+              <a:rPr lang="en-US" dirty="0" smtClean="0"/>
+              <a:t>The key to Map is independence</a:t>
+            </a:r>
+          </a:p>
+          <a:p>
+            <a:endParaRPr lang="en-US" dirty="0"/>
+          </a:p>
+          <a:p>
+            <a:endParaRPr lang="en-US" dirty="0" smtClean="0"/>
+          </a:p>
+          <a:p>
+            <a:pPr marL="0" indent="0">
+              <a:buNone/>
+            </a:pPr>
+            <a:endParaRPr lang="en-US" dirty="0" smtClean="0"/>
+          </a:p>
+          <a:p>
+            <a:r>
+              <a:rPr lang="en-US" dirty="0" smtClean="0"/>
+              <a:t>Modifying shared state breaks perfect independence</a:t>
+            </a:r>
+          </a:p>
+          <a:p>
+            <a:r>
+              <a:rPr lang="en-US" dirty="0" smtClean="0"/>
+              <a:t>Accidentally violating independence may result in non-determinism, data-races, undefined behavior, </a:t>
+            </a:r>
+            <a:r>
+              <a:rPr lang="en-US" dirty="0" err="1" smtClean="0"/>
+              <a:t>segfaults</a:t>
+            </a:r>
+            <a:r>
+              <a:rPr lang="en-US" dirty="0" smtClean="0"/>
+              <a:t>, etc.</a:t>
+            </a:r>
+            <a:endParaRPr lang="en-US" dirty="0" smtClean="0"/>
+          </a:p>
+          <a:p>
+            <a:endParaRPr lang="en-US" dirty="0" smtClean="0"/>
+          </a:p>
+        </p:txBody>
+      </p:sp>
+      <p:sp>
+        <p:nvSpPr>
+          <p:cNvPr id="4" name="Footer Placeholder 3"/>
+          <p:cNvSpPr>
+            <a:spLocks noGrp="1"/>
+          </p:cNvSpPr>
+          <p:nvPr>
+            <p:ph type="ftr" sz="quarter" idx="11"/>
+          </p:nvPr>
+        </p:nvSpPr>
+        <p:spPr/>
+        <p:txBody>
+          <a:bodyPr/>
+          <a:lstStyle/>
+          <a:p>
+            <a:pPr>
+              <a:defRPr/>
+            </a:pPr>
+            <a:r>
+              <a:rPr lang="en-US" smtClean="0"/>
+              <a:t>CIS 410/510: Parallel Computing, University of Oregon, Spring 2014</a:t>
+            </a:r>
+            <a:endParaRPr lang="en-US" dirty="0"/>
+          </a:p>
+        </p:txBody>
+      </p:sp>
+      <p:sp>
+        <p:nvSpPr>
+          <p:cNvPr id="5" name="Slide Number Placeholder 4"/>
+          <p:cNvSpPr>
+            <a:spLocks noGrp="1"/>
+          </p:cNvSpPr>
+          <p:nvPr>
+            <p:ph type="sldNum" sz="quarter" idx="12"/>
+          </p:nvPr>
+        </p:nvSpPr>
+        <p:spPr/>
+        <p:txBody>
+          <a:bodyPr/>
+          <a:lstStyle/>
+          <a:p>
+            <a:pPr>
+              <a:defRPr/>
+            </a:pPr>
+            <a:fld id="{F2F21A90-E327-C84D-81B5-071D4C5C9FC6}" type="slidenum">
+              <a:rPr lang="en-US" smtClean="0"/>
+              <a:pPr>
+                <a:defRPr/>
+              </a:pPr>
+              <a:t>13</a:t>
+            </a:fld>
+            <a:endParaRPr lang="en-US"/>
+          </a:p>
+        </p:txBody>
+      </p:sp>
+      <p:grpSp>
+        <p:nvGrpSpPr>
+          <p:cNvPr id="6" name="Group 5"/>
+          <p:cNvGrpSpPr/>
+          <p:nvPr/>
+        </p:nvGrpSpPr>
+        <p:grpSpPr>
+          <a:xfrm>
+            <a:off x="473485" y="1600200"/>
+            <a:ext cx="8153400" cy="1371600"/>
+            <a:chOff x="532804" y="2771565"/>
+            <a:chExt cx="8153400" cy="1371600"/>
+          </a:xfrm>
+        </p:grpSpPr>
+        <p:sp>
+          <p:nvSpPr>
+            <p:cNvPr id="7" name="Rounded Rectangle 6"/>
+            <p:cNvSpPr/>
+            <p:nvPr/>
+          </p:nvSpPr>
+          <p:spPr>
+            <a:xfrm>
+              <a:off x="532804" y="2771567"/>
+              <a:ext cx="8153400" cy="1371598"/>
+            </a:xfrm>
+            <a:prstGeom prst="roundRect">
+              <a:avLst/>
+            </a:prstGeom>
+            <a:solidFill>
+              <a:srgbClr val="C00000">
+                <a:alpha val="15000"/>
+              </a:srgbClr>
+            </a:solidFill>
+          </p:spPr>
+          <p:style>
+            <a:lnRef idx="1">
+              <a:schemeClr val="accent1"/>
+            </a:lnRef>
+            <a:fillRef idx="3">
+              <a:schemeClr val="accent1"/>
+            </a:fillRef>
+            <a:effectRef idx="2">
+              <a:schemeClr val="accent1"/>
+            </a:effectRef>
+            <a:fontRef idx="minor">
+              <a:schemeClr val="lt1"/>
+            </a:fontRef>
+          </p:style>
+          <p:txBody>
+            <a:bodyPr rtlCol="0" anchor="ctr"/>
+            <a:lstStyle/>
+            <a:p>
+              <a:pPr algn="ctr"/>
+              <a:endParaRPr lang="en-US"/>
+            </a:p>
+          </p:txBody>
+        </p:sp>
+        <p:sp>
+          <p:nvSpPr>
+            <p:cNvPr id="8" name="TextBox 7"/>
+            <p:cNvSpPr txBox="1"/>
+            <p:nvPr/>
+          </p:nvSpPr>
+          <p:spPr>
+            <a:xfrm>
+              <a:off x="532805" y="3371024"/>
+              <a:ext cx="8153396" cy="707886"/>
+            </a:xfrm>
+            <a:prstGeom prst="rect">
+              <a:avLst/>
+            </a:prstGeom>
+            <a:noFill/>
+          </p:spPr>
+          <p:txBody>
+            <a:bodyPr wrap="square" rtlCol="0">
+              <a:spAutoFit/>
+            </a:bodyPr>
+            <a:lstStyle/>
+            <a:p>
+              <a:r>
+                <a:rPr lang="en-US" sz="2000" dirty="0" smtClean="0"/>
+                <a:t>Map function should be “pure” (or “pure-</a:t>
+              </a:r>
+              <a:r>
+                <a:rPr lang="en-US" sz="2000" dirty="0" err="1" smtClean="0"/>
+                <a:t>ish</a:t>
+              </a:r>
+              <a:r>
+                <a:rPr lang="en-US" sz="2000" dirty="0" smtClean="0"/>
+                <a:t>”) and should not modify shared states</a:t>
+              </a:r>
+              <a:endParaRPr lang="en-US" sz="2000" dirty="0"/>
+            </a:p>
+          </p:txBody>
+        </p:sp>
+        <p:sp>
+          <p:nvSpPr>
+            <p:cNvPr id="9" name="Rounded Rectangle 8"/>
+            <p:cNvSpPr/>
+            <p:nvPr/>
+          </p:nvSpPr>
+          <p:spPr>
+            <a:xfrm>
+              <a:off x="532804" y="2771565"/>
+              <a:ext cx="8153397" cy="574020"/>
+            </a:xfrm>
+            <a:prstGeom prst="roundRect">
+              <a:avLst/>
+            </a:prstGeom>
+            <a:solidFill>
+              <a:srgbClr val="C00000"/>
+            </a:solidFill>
+          </p:spPr>
+          <p:style>
+            <a:lnRef idx="1">
+              <a:schemeClr val="accent1"/>
+            </a:lnRef>
+            <a:fillRef idx="3">
+              <a:schemeClr val="accent1"/>
+            </a:fillRef>
+            <a:effectRef idx="2">
+              <a:schemeClr val="accent1"/>
+            </a:effectRef>
+            <a:fontRef idx="minor">
+              <a:schemeClr val="lt1"/>
+            </a:fontRef>
+          </p:style>
+          <p:txBody>
+            <a:bodyPr rtlCol="0" anchor="ctr"/>
+            <a:lstStyle/>
+            <a:p>
+              <a:pPr algn="ctr"/>
+              <a:endParaRPr lang="en-US"/>
+            </a:p>
+          </p:txBody>
+        </p:sp>
+        <p:sp>
+          <p:nvSpPr>
+            <p:cNvPr id="10" name="TextBox 9"/>
+            <p:cNvSpPr txBox="1"/>
+            <p:nvPr/>
+          </p:nvSpPr>
+          <p:spPr>
+            <a:xfrm>
+              <a:off x="675844" y="2819400"/>
+              <a:ext cx="7972713" cy="461665"/>
+            </a:xfrm>
+            <a:prstGeom prst="rect">
+              <a:avLst/>
+            </a:prstGeom>
+            <a:noFill/>
+          </p:spPr>
+          <p:txBody>
+            <a:bodyPr wrap="square" rtlCol="0">
+              <a:spAutoFit/>
+            </a:bodyPr>
+            <a:lstStyle/>
+            <a:p>
+              <a:r>
+                <a:rPr lang="en-US" sz="2400" dirty="0" smtClean="0">
+                  <a:solidFill>
+                    <a:schemeClr val="bg1"/>
+                  </a:solidFill>
+                </a:rPr>
+                <a:t>Warning: No shared state!</a:t>
+              </a:r>
+              <a:endParaRPr lang="en-US" sz="2400" dirty="0">
+                <a:solidFill>
+                  <a:schemeClr val="bg1"/>
+                </a:solidFill>
+              </a:endParaRPr>
+            </a:p>
+          </p:txBody>
+        </p:sp>
+      </p:grpSp>
+    </p:spTree>
+    <p:extLst>
+      <p:ext uri="{BB962C8B-B14F-4D97-AF65-F5344CB8AC3E}">
+        <p14:creationId xmlns:p14="http://schemas.microsoft.com/office/powerpoint/2010/main" val="2179522593"/>
+      </p:ext>
+    </p:extLst>
+  </p:cSld>
+  <p:clrMapOvr>
+    <a:masterClrMapping/>
+  </p:clrMapOvr>
+</p:sld>
+</file>
+
+<file path=ppt/slides/slide14.xml><?xml version="1.0" encoding="utf-8"?>
+<p:sld xmlns:a="http://schemas.openxmlformats.org/drawingml/2006/main" xmlns:r="http://schemas.openxmlformats.org/officeDocument/2006/relationships" xmlns:p="http://schemas.openxmlformats.org/presentationml/2006/main">
+  <p:cSld>
+    <p:spTree>
+      <p:nvGrpSpPr>
+        <p:cNvPr id="1" name=""/>
+        <p:cNvGrpSpPr/>
+        <p:nvPr/>
+      </p:nvGrpSpPr>
+      <p:grpSpPr>
+        <a:xfrm>
+          <a:off x="0" y="0"/>
+          <a:ext cx="0" cy="0"/>
+          <a:chOff x="0" y="0"/>
+          <a:chExt cx="0" cy="0"/>
+        </a:xfrm>
+      </p:grpSpPr>
+      <p:sp>
+        <p:nvSpPr>
+          <p:cNvPr id="2" name="Title 1"/>
+          <p:cNvSpPr>
+            <a:spLocks noGrp="1"/>
+          </p:cNvSpPr>
+          <p:nvPr>
+            <p:ph type="title"/>
+          </p:nvPr>
+        </p:nvSpPr>
+        <p:spPr/>
+        <p:txBody>
+          <a:bodyPr/>
+          <a:lstStyle/>
+          <a:p>
+            <a:r>
+              <a:rPr lang="en-US" dirty="0" smtClean="0"/>
+              <a:t>Implementation and API</a:t>
+            </a:r>
+            <a:endParaRPr lang="en-US" dirty="0"/>
+          </a:p>
+        </p:txBody>
+      </p:sp>
+      <p:sp>
+        <p:nvSpPr>
+          <p:cNvPr id="3" name="Content Placeholder 2"/>
+          <p:cNvSpPr>
+            <a:spLocks noGrp="1"/>
+          </p:cNvSpPr>
+          <p:nvPr>
+            <p:ph idx="1"/>
+          </p:nvPr>
+        </p:nvSpPr>
+        <p:spPr>
+          <a:xfrm>
+            <a:off x="238125" y="896553"/>
+            <a:ext cx="8905875" cy="3751647"/>
+          </a:xfrm>
+        </p:spPr>
+        <p:txBody>
+          <a:bodyPr>
+            <a:normAutofit fontScale="92500"/>
+          </a:bodyPr>
+          <a:lstStyle/>
+          <a:p>
+            <a:r>
+              <a:rPr lang="en-US" dirty="0" smtClean="0"/>
+              <a:t>In </a:t>
+            </a:r>
+            <a:r>
+              <a:rPr lang="en-US" dirty="0" err="1" smtClean="0"/>
+              <a:t>OpenMP</a:t>
+            </a:r>
+            <a:r>
+              <a:rPr lang="en-US" dirty="0" smtClean="0"/>
+              <a:t> and </a:t>
+            </a:r>
+            <a:r>
+              <a:rPr lang="en-US" dirty="0" err="1" smtClean="0"/>
+              <a:t>CilkPlus</a:t>
+            </a:r>
+            <a:r>
+              <a:rPr lang="en-US" dirty="0" smtClean="0"/>
+              <a:t> we have a </a:t>
+            </a:r>
+            <a:r>
+              <a:rPr lang="en-US" dirty="0" smtClean="0">
+                <a:latin typeface="Courier New" panose="02070309020205020404" pitchFamily="49" charset="0"/>
+                <a:cs typeface="Courier New" panose="02070309020205020404" pitchFamily="49" charset="0"/>
+              </a:rPr>
+              <a:t>parallel</a:t>
+            </a:r>
+            <a:r>
+              <a:rPr lang="en-US" dirty="0" smtClean="0"/>
+              <a:t> </a:t>
+            </a:r>
+            <a:r>
+              <a:rPr lang="en-US" dirty="0" smtClean="0">
+                <a:latin typeface="Courier New" panose="02070309020205020404" pitchFamily="49" charset="0"/>
+                <a:cs typeface="Courier New" panose="02070309020205020404" pitchFamily="49" charset="0"/>
+              </a:rPr>
+              <a:t>for</a:t>
+            </a:r>
+            <a:r>
+              <a:rPr lang="en-US" dirty="0" smtClean="0">
+                <a:latin typeface="Times New Roman" panose="02020603050405020304" pitchFamily="18" charset="0"/>
+                <a:cs typeface="Times New Roman" panose="02020603050405020304" pitchFamily="18" charset="0"/>
+              </a:rPr>
+              <a:t> language construct</a:t>
+            </a:r>
+          </a:p>
+          <a:p>
+            <a:r>
+              <a:rPr lang="en-US" dirty="0" smtClean="0">
+                <a:latin typeface="Times New Roman" panose="02020603050405020304" pitchFamily="18" charset="0"/>
+                <a:cs typeface="Times New Roman" panose="02020603050405020304" pitchFamily="18" charset="0"/>
+              </a:rPr>
+              <a:t>Map is a mode of use of </a:t>
+            </a:r>
+            <a:r>
+              <a:rPr lang="en-US" dirty="0">
+                <a:latin typeface="Courier New" panose="02070309020205020404" pitchFamily="49" charset="0"/>
+                <a:cs typeface="Courier New" panose="02070309020205020404" pitchFamily="49" charset="0"/>
+              </a:rPr>
+              <a:t>parallel</a:t>
+            </a:r>
+            <a:r>
+              <a:rPr lang="en-US" dirty="0"/>
+              <a:t> </a:t>
+            </a:r>
+            <a:r>
+              <a:rPr lang="en-US" dirty="0" smtClean="0">
+                <a:latin typeface="Courier New" panose="02070309020205020404" pitchFamily="49" charset="0"/>
+                <a:cs typeface="Courier New" panose="02070309020205020404" pitchFamily="49" charset="0"/>
+              </a:rPr>
+              <a:t>for</a:t>
+            </a:r>
+          </a:p>
+          <a:p>
+            <a:r>
+              <a:rPr lang="en-US" dirty="0" smtClean="0">
+                <a:latin typeface="Times New Roman" panose="02020603050405020304" pitchFamily="18" charset="0"/>
+                <a:cs typeface="Times New Roman" panose="02020603050405020304" pitchFamily="18" charset="0"/>
+              </a:rPr>
+              <a:t>TBB </a:t>
+            </a:r>
+            <a:r>
+              <a:rPr lang="en-US" dirty="0" smtClean="0">
+                <a:latin typeface="Times New Roman" panose="02020603050405020304" pitchFamily="18" charset="0"/>
+                <a:cs typeface="Times New Roman" panose="02020603050405020304" pitchFamily="18" charset="0"/>
+              </a:rPr>
+              <a:t>uses </a:t>
+            </a:r>
+            <a:r>
+              <a:rPr lang="en-US" b="1" dirty="0" smtClean="0">
+                <a:latin typeface="Times New Roman" panose="02020603050405020304" pitchFamily="18" charset="0"/>
+                <a:cs typeface="Times New Roman" panose="02020603050405020304" pitchFamily="18" charset="0"/>
+              </a:rPr>
+              <a:t>higher order functions</a:t>
+            </a:r>
+            <a:r>
+              <a:rPr lang="en-US" dirty="0" smtClean="0">
+                <a:latin typeface="Times New Roman" panose="02020603050405020304" pitchFamily="18" charset="0"/>
+                <a:cs typeface="Times New Roman" panose="02020603050405020304" pitchFamily="18" charset="0"/>
+              </a:rPr>
+              <a:t> with lambda expressions/”</a:t>
+            </a:r>
+            <a:r>
+              <a:rPr lang="en-US" dirty="0" err="1" smtClean="0">
+                <a:latin typeface="Times New Roman" panose="02020603050405020304" pitchFamily="18" charset="0"/>
+                <a:cs typeface="Times New Roman" panose="02020603050405020304" pitchFamily="18" charset="0"/>
+              </a:rPr>
+              <a:t>funtors</a:t>
+            </a:r>
+            <a:r>
+              <a:rPr lang="en-US" dirty="0" smtClean="0">
+                <a:latin typeface="Times New Roman" panose="02020603050405020304" pitchFamily="18" charset="0"/>
+                <a:cs typeface="Times New Roman" panose="02020603050405020304" pitchFamily="18" charset="0"/>
+              </a:rPr>
+              <a:t>”</a:t>
+            </a:r>
+          </a:p>
+          <a:p>
+            <a:r>
+              <a:rPr lang="en-US" dirty="0" smtClean="0">
+                <a:latin typeface="Times New Roman" panose="02020603050405020304" pitchFamily="18" charset="0"/>
+                <a:cs typeface="Times New Roman" panose="02020603050405020304" pitchFamily="18" charset="0"/>
+              </a:rPr>
+              <a:t>Some languages (</a:t>
+            </a:r>
+            <a:r>
+              <a:rPr lang="en-US" dirty="0" err="1" smtClean="0">
+                <a:latin typeface="Times New Roman" panose="02020603050405020304" pitchFamily="18" charset="0"/>
+                <a:cs typeface="Times New Roman" panose="02020603050405020304" pitchFamily="18" charset="0"/>
+              </a:rPr>
+              <a:t>CilkPlus</a:t>
+            </a:r>
+            <a:r>
+              <a:rPr lang="en-US" dirty="0" smtClean="0">
+                <a:latin typeface="Times New Roman" panose="02020603050405020304" pitchFamily="18" charset="0"/>
+                <a:cs typeface="Times New Roman" panose="02020603050405020304" pitchFamily="18" charset="0"/>
+              </a:rPr>
+              <a:t>, </a:t>
+            </a:r>
+            <a:r>
+              <a:rPr lang="en-US" dirty="0" err="1" smtClean="0">
+                <a:latin typeface="Times New Roman" panose="02020603050405020304" pitchFamily="18" charset="0"/>
+                <a:cs typeface="Times New Roman" panose="02020603050405020304" pitchFamily="18" charset="0"/>
+              </a:rPr>
+              <a:t>Matlab</a:t>
+            </a:r>
+            <a:r>
+              <a:rPr lang="en-US" dirty="0" smtClean="0">
+                <a:latin typeface="Times New Roman" panose="02020603050405020304" pitchFamily="18" charset="0"/>
+                <a:cs typeface="Times New Roman" panose="02020603050405020304" pitchFamily="18" charset="0"/>
+              </a:rPr>
+              <a:t>, Fortran) provide </a:t>
+            </a:r>
+            <a:r>
+              <a:rPr lang="en-US" b="1" dirty="0" smtClean="0">
+                <a:latin typeface="Times New Roman" panose="02020603050405020304" pitchFamily="18" charset="0"/>
+                <a:cs typeface="Times New Roman" panose="02020603050405020304" pitchFamily="18" charset="0"/>
+              </a:rPr>
+              <a:t>array notation</a:t>
+            </a:r>
+            <a:r>
+              <a:rPr lang="en-US" dirty="0" smtClean="0">
+                <a:latin typeface="Times New Roman" panose="02020603050405020304" pitchFamily="18" charset="0"/>
+                <a:cs typeface="Times New Roman" panose="02020603050405020304" pitchFamily="18" charset="0"/>
+              </a:rPr>
+              <a:t> which makes some maps more concise</a:t>
+            </a:r>
+            <a:endParaRPr lang="en-US" dirty="0" smtClean="0">
+              <a:latin typeface="Times New Roman" panose="02020603050405020304" pitchFamily="18" charset="0"/>
+              <a:cs typeface="Times New Roman" panose="02020603050405020304" pitchFamily="18" charset="0"/>
+            </a:endParaRPr>
+          </a:p>
+        </p:txBody>
+      </p:sp>
+      <p:sp>
+        <p:nvSpPr>
+          <p:cNvPr id="4" name="Footer Placeholder 3"/>
+          <p:cNvSpPr>
+            <a:spLocks noGrp="1"/>
+          </p:cNvSpPr>
+          <p:nvPr>
+            <p:ph type="ftr" sz="quarter" idx="11"/>
+          </p:nvPr>
+        </p:nvSpPr>
+        <p:spPr/>
+        <p:txBody>
+          <a:bodyPr/>
+          <a:lstStyle/>
+          <a:p>
+            <a:pPr>
+              <a:defRPr/>
+            </a:pPr>
+            <a:r>
+              <a:rPr lang="en-US" smtClean="0"/>
+              <a:t>CIS 410/510: Parallel Computing, University of Oregon, Spring 2014</a:t>
+            </a:r>
+            <a:endParaRPr lang="en-US" dirty="0"/>
+          </a:p>
+        </p:txBody>
+      </p:sp>
+      <p:sp>
+        <p:nvSpPr>
+          <p:cNvPr id="5" name="Slide Number Placeholder 4"/>
+          <p:cNvSpPr>
+            <a:spLocks noGrp="1"/>
+          </p:cNvSpPr>
+          <p:nvPr>
+            <p:ph type="sldNum" sz="quarter" idx="12"/>
+          </p:nvPr>
+        </p:nvSpPr>
+        <p:spPr/>
+        <p:txBody>
+          <a:bodyPr/>
+          <a:lstStyle/>
+          <a:p>
+            <a:pPr>
+              <a:defRPr/>
+            </a:pPr>
+            <a:fld id="{F2F21A90-E327-C84D-81B5-071D4C5C9FC6}" type="slidenum">
+              <a:rPr lang="en-US" smtClean="0"/>
+              <a:pPr>
+                <a:defRPr/>
+              </a:pPr>
+              <a:t>14</a:t>
+            </a:fld>
+            <a:endParaRPr lang="en-US"/>
+          </a:p>
+        </p:txBody>
+      </p:sp>
+      <p:grpSp>
+        <p:nvGrpSpPr>
+          <p:cNvPr id="6" name="Group 5"/>
+          <p:cNvGrpSpPr/>
+          <p:nvPr/>
+        </p:nvGrpSpPr>
+        <p:grpSpPr>
+          <a:xfrm>
+            <a:off x="483273" y="4790459"/>
+            <a:ext cx="8153400" cy="1307345"/>
+            <a:chOff x="532804" y="2771565"/>
+            <a:chExt cx="8153400" cy="1307345"/>
+          </a:xfrm>
+        </p:grpSpPr>
+        <p:sp>
+          <p:nvSpPr>
+            <p:cNvPr id="7" name="Rounded Rectangle 6"/>
+            <p:cNvSpPr/>
+            <p:nvPr/>
+          </p:nvSpPr>
+          <p:spPr>
+            <a:xfrm>
+              <a:off x="532804" y="2771567"/>
+              <a:ext cx="8153400" cy="1307343"/>
+            </a:xfrm>
+            <a:prstGeom prst="roundRect">
+              <a:avLst/>
+            </a:prstGeom>
+            <a:solidFill>
+              <a:srgbClr val="27632E">
+                <a:alpha val="15000"/>
+              </a:srgbClr>
+            </a:solidFill>
+          </p:spPr>
+          <p:style>
+            <a:lnRef idx="1">
+              <a:schemeClr val="accent1"/>
+            </a:lnRef>
+            <a:fillRef idx="3">
+              <a:schemeClr val="accent1"/>
+            </a:fillRef>
+            <a:effectRef idx="2">
+              <a:schemeClr val="accent1"/>
+            </a:effectRef>
+            <a:fontRef idx="minor">
+              <a:schemeClr val="lt1"/>
+            </a:fontRef>
+          </p:style>
+          <p:txBody>
+            <a:bodyPr rtlCol="0" anchor="ctr"/>
+            <a:lstStyle/>
+            <a:p>
+              <a:pPr algn="ctr"/>
+              <a:endParaRPr lang="en-US"/>
+            </a:p>
+          </p:txBody>
+        </p:sp>
+        <p:sp>
+          <p:nvSpPr>
+            <p:cNvPr id="8" name="TextBox 7"/>
+            <p:cNvSpPr txBox="1"/>
+            <p:nvPr/>
+          </p:nvSpPr>
+          <p:spPr>
+            <a:xfrm>
+              <a:off x="532805" y="3371024"/>
+              <a:ext cx="8153396" cy="707886"/>
+            </a:xfrm>
+            <a:prstGeom prst="rect">
+              <a:avLst/>
+            </a:prstGeom>
+            <a:noFill/>
+          </p:spPr>
+          <p:txBody>
+            <a:bodyPr wrap="square" rtlCol="0">
+              <a:spAutoFit/>
+            </a:bodyPr>
+            <a:lstStyle/>
+            <a:p>
+              <a:r>
+                <a:rPr lang="en-US" sz="2000" dirty="0" smtClean="0">
+                  <a:latin typeface="Courier New" panose="02070309020205020404" pitchFamily="49" charset="0"/>
+                  <a:cs typeface="Courier New" panose="02070309020205020404" pitchFamily="49" charset="0"/>
+                </a:rPr>
+                <a:t>a[:] = a[:]*5;</a:t>
+              </a:r>
+            </a:p>
+            <a:p>
+              <a:r>
+                <a:rPr lang="en-US" sz="2000" dirty="0" smtClean="0">
+                  <a:latin typeface="+mn-lt"/>
+                  <a:cs typeface="Courier New" panose="02070309020205020404" pitchFamily="49" charset="0"/>
+                </a:rPr>
+                <a:t>is </a:t>
+              </a:r>
+              <a:r>
+                <a:rPr lang="en-US" sz="2000" dirty="0" err="1" smtClean="0">
+                  <a:latin typeface="+mn-lt"/>
+                  <a:cs typeface="Courier New" panose="02070309020205020404" pitchFamily="49" charset="0"/>
+                </a:rPr>
+                <a:t>CilkPlus</a:t>
+              </a:r>
+              <a:r>
+                <a:rPr lang="en-US" sz="2000" dirty="0" smtClean="0">
+                  <a:latin typeface="+mn-lt"/>
+                  <a:cs typeface="Courier New" panose="02070309020205020404" pitchFamily="49" charset="0"/>
+                </a:rPr>
+                <a:t> array notation for “multiply every element in </a:t>
+              </a:r>
+              <a:r>
+                <a:rPr lang="en-US" sz="2000" dirty="0" smtClean="0">
+                  <a:latin typeface="Courier New" panose="02070309020205020404" pitchFamily="49" charset="0"/>
+                  <a:cs typeface="Courier New" panose="02070309020205020404" pitchFamily="49" charset="0"/>
+                </a:rPr>
+                <a:t>a</a:t>
+              </a:r>
+              <a:r>
+                <a:rPr lang="en-US" sz="2000" dirty="0" smtClean="0">
+                  <a:latin typeface="+mn-lt"/>
+                  <a:cs typeface="Courier New" panose="02070309020205020404" pitchFamily="49" charset="0"/>
+                </a:rPr>
+                <a:t> by 5”</a:t>
+              </a:r>
+              <a:endParaRPr lang="en-US" sz="2000" dirty="0">
+                <a:latin typeface="+mn-lt"/>
+                <a:cs typeface="Courier New" panose="02070309020205020404" pitchFamily="49" charset="0"/>
+              </a:endParaRPr>
+            </a:p>
+          </p:txBody>
+        </p:sp>
+        <p:sp>
+          <p:nvSpPr>
+            <p:cNvPr id="9" name="Rounded Rectangle 8"/>
+            <p:cNvSpPr/>
+            <p:nvPr/>
+          </p:nvSpPr>
+          <p:spPr>
+            <a:xfrm>
+              <a:off x="532804" y="2771565"/>
+              <a:ext cx="8153397" cy="574020"/>
+            </a:xfrm>
+            <a:prstGeom prst="roundRect">
+              <a:avLst/>
+            </a:prstGeom>
+            <a:solidFill>
+              <a:srgbClr val="27632E"/>
+            </a:solidFill>
+          </p:spPr>
+          <p:style>
+            <a:lnRef idx="1">
+              <a:schemeClr val="accent1"/>
+            </a:lnRef>
+            <a:fillRef idx="3">
+              <a:schemeClr val="accent1"/>
+            </a:fillRef>
+            <a:effectRef idx="2">
+              <a:schemeClr val="accent1"/>
+            </a:effectRef>
+            <a:fontRef idx="minor">
+              <a:schemeClr val="lt1"/>
+            </a:fontRef>
+          </p:style>
+          <p:txBody>
+            <a:bodyPr rtlCol="0" anchor="ctr"/>
+            <a:lstStyle/>
+            <a:p>
+              <a:pPr algn="ctr"/>
+              <a:endParaRPr lang="en-US"/>
+            </a:p>
+          </p:txBody>
+        </p:sp>
+        <p:sp>
+          <p:nvSpPr>
+            <p:cNvPr id="10" name="TextBox 9"/>
+            <p:cNvSpPr txBox="1"/>
+            <p:nvPr/>
+          </p:nvSpPr>
+          <p:spPr>
+            <a:xfrm>
+              <a:off x="675844" y="2819400"/>
+              <a:ext cx="7972713" cy="461665"/>
+            </a:xfrm>
+            <a:prstGeom prst="rect">
+              <a:avLst/>
+            </a:prstGeom>
+            <a:noFill/>
+          </p:spPr>
+          <p:txBody>
+            <a:bodyPr wrap="square" rtlCol="0">
+              <a:spAutoFit/>
+            </a:bodyPr>
+            <a:lstStyle/>
+            <a:p>
+              <a:r>
+                <a:rPr lang="en-US" sz="2400" dirty="0" smtClean="0">
+                  <a:solidFill>
+                    <a:schemeClr val="bg1"/>
+                  </a:solidFill>
+                </a:rPr>
+                <a:t>Array Notation</a:t>
+              </a:r>
+              <a:endParaRPr lang="en-US" sz="2400" dirty="0">
+                <a:solidFill>
+                  <a:schemeClr val="bg1"/>
+                </a:solidFill>
+              </a:endParaRPr>
+            </a:p>
+          </p:txBody>
+        </p:sp>
+      </p:grpSp>
+    </p:spTree>
+    <p:extLst>
+      <p:ext uri="{BB962C8B-B14F-4D97-AF65-F5344CB8AC3E}">
+        <p14:creationId xmlns:p14="http://schemas.microsoft.com/office/powerpoint/2010/main" val="2185490845"/>
+      </p:ext>
+    </p:extLst>
+  </p:cSld>
+  <p:clrMapOvr>
+    <a:masterClrMapping/>
+  </p:clrMapOvr>
+</p:sld>
+</file>
+
+<file path=ppt/slides/slide15.xml><?xml version="1.0" encoding="utf-8"?>
+<p:sld xmlns:a="http://schemas.openxmlformats.org/drawingml/2006/main" xmlns:r="http://schemas.openxmlformats.org/officeDocument/2006/relationships" xmlns:p="http://schemas.openxmlformats.org/presentationml/2006/main">
+  <p:cSld>
+    <p:spTree>
+      <p:nvGrpSpPr>
+        <p:cNvPr id="1" name=""/>
+        <p:cNvGrpSpPr/>
+        <p:nvPr/>
+      </p:nvGrpSpPr>
+      <p:grpSpPr>
+        <a:xfrm>
+          <a:off x="0" y="0"/>
+          <a:ext cx="0" cy="0"/>
+          <a:chOff x="0" y="0"/>
+          <a:chExt cx="0" cy="0"/>
+        </a:xfrm>
+      </p:grpSpPr>
+      <p:sp>
+        <p:nvSpPr>
+          <p:cNvPr id="2" name="Title 1"/>
+          <p:cNvSpPr>
+            <a:spLocks noGrp="1"/>
+          </p:cNvSpPr>
+          <p:nvPr>
+            <p:ph type="title"/>
+          </p:nvPr>
+        </p:nvSpPr>
+        <p:spPr/>
+        <p:txBody>
+          <a:bodyPr/>
+          <a:lstStyle/>
+          <a:p>
+            <a:r>
+              <a:rPr lang="en-US" dirty="0" smtClean="0"/>
+              <a:t>Generalization?</a:t>
+            </a:r>
+            <a:endParaRPr lang="en-US" dirty="0"/>
+          </a:p>
+        </p:txBody>
+      </p:sp>
+      <p:sp>
+        <p:nvSpPr>
+          <p:cNvPr id="4" name="Footer Placeholder 3"/>
+          <p:cNvSpPr>
+            <a:spLocks noGrp="1"/>
+          </p:cNvSpPr>
+          <p:nvPr>
+            <p:ph type="ftr" sz="quarter" idx="11"/>
+          </p:nvPr>
+        </p:nvSpPr>
+        <p:spPr/>
+        <p:txBody>
+          <a:bodyPr/>
+          <a:lstStyle/>
+          <a:p>
+            <a:pPr>
+              <a:defRPr/>
+            </a:pPr>
+            <a:r>
+              <a:rPr lang="en-US" smtClean="0"/>
+              <a:t>CIS 410/510: Parallel Computing, University of Oregon, Spring 2014</a:t>
+            </a:r>
+            <a:endParaRPr lang="en-US" dirty="0"/>
+          </a:p>
+        </p:txBody>
+      </p:sp>
+      <p:sp>
+        <p:nvSpPr>
+          <p:cNvPr id="5" name="Slide Number Placeholder 4"/>
+          <p:cNvSpPr>
+            <a:spLocks noGrp="1"/>
+          </p:cNvSpPr>
+          <p:nvPr>
+            <p:ph type="sldNum" sz="quarter" idx="12"/>
+          </p:nvPr>
+        </p:nvSpPr>
+        <p:spPr/>
+        <p:txBody>
+          <a:bodyPr/>
+          <a:lstStyle/>
+          <a:p>
+            <a:pPr>
+              <a:defRPr/>
+            </a:pPr>
+            <a:fld id="{F2F21A90-E327-C84D-81B5-071D4C5C9FC6}" type="slidenum">
+              <a:rPr lang="en-US" smtClean="0"/>
+              <a:pPr>
+                <a:defRPr/>
+              </a:pPr>
+              <a:t>15</a:t>
+            </a:fld>
+            <a:endParaRPr lang="en-US"/>
+          </a:p>
+        </p:txBody>
+      </p:sp>
+      <p:grpSp>
+        <p:nvGrpSpPr>
+          <p:cNvPr id="6" name="Group 5"/>
+          <p:cNvGrpSpPr/>
+          <p:nvPr/>
+        </p:nvGrpSpPr>
+        <p:grpSpPr>
+          <a:xfrm>
+            <a:off x="532804" y="2771565"/>
+            <a:ext cx="8153400" cy="1190834"/>
+            <a:chOff x="532804" y="2771565"/>
+            <a:chExt cx="8153400" cy="1190834"/>
+          </a:xfrm>
+        </p:grpSpPr>
+        <p:sp>
+          <p:nvSpPr>
+            <p:cNvPr id="7" name="Rounded Rectangle 6"/>
+            <p:cNvSpPr/>
+            <p:nvPr/>
+          </p:nvSpPr>
+          <p:spPr>
+            <a:xfrm>
+              <a:off x="532804" y="2771566"/>
+              <a:ext cx="8153400" cy="1190833"/>
+            </a:xfrm>
+            <a:prstGeom prst="roundRect">
+              <a:avLst/>
+            </a:prstGeom>
+            <a:solidFill>
+              <a:srgbClr val="27632E">
+                <a:alpha val="15000"/>
+              </a:srgbClr>
+            </a:solidFill>
+          </p:spPr>
+          <p:style>
+            <a:lnRef idx="1">
+              <a:schemeClr val="accent1"/>
+            </a:lnRef>
+            <a:fillRef idx="3">
+              <a:schemeClr val="accent1"/>
+            </a:fillRef>
+            <a:effectRef idx="2">
+              <a:schemeClr val="accent1"/>
+            </a:effectRef>
+            <a:fontRef idx="minor">
+              <a:schemeClr val="lt1"/>
+            </a:fontRef>
+          </p:style>
+          <p:txBody>
+            <a:bodyPr rtlCol="0" anchor="ctr"/>
+            <a:lstStyle/>
+            <a:p>
+              <a:pPr algn="ctr"/>
+              <a:endParaRPr lang="en-US"/>
+            </a:p>
+          </p:txBody>
+        </p:sp>
+        <p:sp>
+          <p:nvSpPr>
+            <p:cNvPr id="8" name="TextBox 7"/>
+            <p:cNvSpPr txBox="1"/>
+            <p:nvPr/>
+          </p:nvSpPr>
+          <p:spPr>
+            <a:xfrm>
+              <a:off x="532805" y="3371024"/>
+              <a:ext cx="8153396" cy="400110"/>
+            </a:xfrm>
+            <a:prstGeom prst="rect">
+              <a:avLst/>
+            </a:prstGeom>
+            <a:noFill/>
+          </p:spPr>
+          <p:txBody>
+            <a:bodyPr wrap="square" rtlCol="0">
+              <a:spAutoFit/>
+            </a:bodyPr>
+            <a:lstStyle/>
+            <a:p>
+              <a:r>
+                <a:rPr lang="en-US" sz="2000" dirty="0" smtClean="0"/>
+                <a:t>So far we have only dealt with mapping over a single collection</a:t>
+              </a:r>
+              <a:endParaRPr lang="en-US" sz="2000" dirty="0"/>
+            </a:p>
+          </p:txBody>
+        </p:sp>
+        <p:sp>
+          <p:nvSpPr>
+            <p:cNvPr id="9" name="Rounded Rectangle 8"/>
+            <p:cNvSpPr/>
+            <p:nvPr/>
+          </p:nvSpPr>
+          <p:spPr>
+            <a:xfrm>
+              <a:off x="532804" y="2771565"/>
+              <a:ext cx="8153397" cy="574020"/>
+            </a:xfrm>
+            <a:prstGeom prst="roundRect">
+              <a:avLst/>
+            </a:prstGeom>
+            <a:solidFill>
+              <a:srgbClr val="27632E"/>
+            </a:solidFill>
+          </p:spPr>
+          <p:style>
+            <a:lnRef idx="1">
+              <a:schemeClr val="accent1"/>
+            </a:lnRef>
+            <a:fillRef idx="3">
+              <a:schemeClr val="accent1"/>
+            </a:fillRef>
+            <a:effectRef idx="2">
+              <a:schemeClr val="accent1"/>
+            </a:effectRef>
+            <a:fontRef idx="minor">
+              <a:schemeClr val="lt1"/>
+            </a:fontRef>
+          </p:style>
+          <p:txBody>
+            <a:bodyPr rtlCol="0" anchor="ctr"/>
+            <a:lstStyle/>
+            <a:p>
+              <a:pPr algn="ctr"/>
+              <a:endParaRPr lang="en-US"/>
+            </a:p>
+          </p:txBody>
+        </p:sp>
+        <p:sp>
+          <p:nvSpPr>
+            <p:cNvPr id="10" name="TextBox 9"/>
+            <p:cNvSpPr txBox="1"/>
+            <p:nvPr/>
+          </p:nvSpPr>
+          <p:spPr>
+            <a:xfrm>
+              <a:off x="675844" y="2819400"/>
+              <a:ext cx="7972713" cy="461665"/>
+            </a:xfrm>
+            <a:prstGeom prst="rect">
+              <a:avLst/>
+            </a:prstGeom>
+            <a:noFill/>
+          </p:spPr>
+          <p:txBody>
+            <a:bodyPr wrap="square" rtlCol="0">
+              <a:spAutoFit/>
+            </a:bodyPr>
+            <a:lstStyle/>
+            <a:p>
+              <a:r>
+                <a:rPr lang="en-US" sz="2400" dirty="0" smtClean="0">
+                  <a:solidFill>
+                    <a:schemeClr val="bg1"/>
+                  </a:solidFill>
+                </a:rPr>
+                <a:t>Unary Maps</a:t>
+              </a:r>
+              <a:endParaRPr lang="en-US" sz="2400" dirty="0">
+                <a:solidFill>
+                  <a:schemeClr val="bg1"/>
+                </a:solidFill>
+              </a:endParaRPr>
+            </a:p>
+          </p:txBody>
+        </p:sp>
+      </p:grpSp>
+    </p:spTree>
+    <p:extLst>
+      <p:ext uri="{BB962C8B-B14F-4D97-AF65-F5344CB8AC3E}">
+        <p14:creationId xmlns:p14="http://schemas.microsoft.com/office/powerpoint/2010/main" val="3101390395"/>
+      </p:ext>
+    </p:extLst>
+  </p:cSld>
+  <p:clrMapOvr>
+    <a:masterClrMapping/>
+  </p:clrMapOvr>
+</p:sld>
+</file>
+
+<file path=ppt/slides/slide16.xml><?xml version="1.0" encoding="utf-8"?>
+<p:sld xmlns:a="http://schemas.openxmlformats.org/drawingml/2006/main" xmlns:r="http://schemas.openxmlformats.org/officeDocument/2006/relationships" xmlns:p="http://schemas.openxmlformats.org/presentationml/2006/main">
+  <p:cSld>
+    <p:spTree>
+      <p:nvGrpSpPr>
+        <p:cNvPr id="1" name=""/>
+        <p:cNvGrpSpPr/>
+        <p:nvPr/>
+      </p:nvGrpSpPr>
+      <p:grpSpPr>
+        <a:xfrm>
+          <a:off x="0" y="0"/>
+          <a:ext cx="0" cy="0"/>
+          <a:chOff x="0" y="0"/>
+          <a:chExt cx="0" cy="0"/>
+        </a:xfrm>
+      </p:grpSpPr>
+      <p:sp>
+        <p:nvSpPr>
+          <p:cNvPr id="2" name="Title 1"/>
+          <p:cNvSpPr>
+            <a:spLocks noGrp="1"/>
+          </p:cNvSpPr>
+          <p:nvPr>
+            <p:ph type="title"/>
+          </p:nvPr>
+        </p:nvSpPr>
+        <p:spPr/>
+        <p:txBody>
+          <a:bodyPr/>
+          <a:lstStyle/>
+          <a:p>
+            <a:r>
+              <a:rPr lang="en-US" dirty="0" smtClean="0"/>
+              <a:t>1 to 1 Map</a:t>
+            </a:r>
+            <a:endParaRPr lang="en-US" dirty="0"/>
+          </a:p>
+        </p:txBody>
+      </p:sp>
+      <p:sp>
+        <p:nvSpPr>
+          <p:cNvPr id="4" name="Footer Placeholder 3"/>
+          <p:cNvSpPr>
+            <a:spLocks noGrp="1"/>
+          </p:cNvSpPr>
+          <p:nvPr>
+            <p:ph type="ftr" sz="quarter" idx="11"/>
+          </p:nvPr>
+        </p:nvSpPr>
+        <p:spPr/>
+        <p:txBody>
+          <a:bodyPr/>
+          <a:lstStyle/>
+          <a:p>
+            <a:pPr>
+              <a:defRPr/>
+            </a:pPr>
+            <a:r>
+              <a:rPr lang="en-US" smtClean="0"/>
+              <a:t>CIS 410/510: Parallel Computing, University of Oregon, Spring 2014</a:t>
+            </a:r>
+            <a:endParaRPr lang="en-US" dirty="0"/>
+          </a:p>
+        </p:txBody>
+      </p:sp>
+      <p:sp>
+        <p:nvSpPr>
+          <p:cNvPr id="5" name="Slide Number Placeholder 4"/>
+          <p:cNvSpPr>
+            <a:spLocks noGrp="1"/>
+          </p:cNvSpPr>
+          <p:nvPr>
+            <p:ph type="sldNum" sz="quarter" idx="12"/>
+          </p:nvPr>
+        </p:nvSpPr>
+        <p:spPr/>
+        <p:txBody>
+          <a:bodyPr/>
+          <a:lstStyle/>
+          <a:p>
+            <a:pPr>
+              <a:defRPr/>
+            </a:pPr>
+            <a:fld id="{F2F21A90-E327-C84D-81B5-071D4C5C9FC6}" type="slidenum">
+              <a:rPr lang="en-US" smtClean="0"/>
+              <a:pPr>
+                <a:defRPr/>
+              </a:pPr>
+              <a:t>16</a:t>
+            </a:fld>
+            <a:endParaRPr lang="en-US"/>
+          </a:p>
+        </p:txBody>
+      </p:sp>
+      <p:pic>
+        <p:nvPicPr>
+          <p:cNvPr id="6" name="Picture 5"/>
+          <p:cNvPicPr>
+            <a:picLocks noChangeAspect="1"/>
+          </p:cNvPicPr>
+          <p:nvPr/>
+        </p:nvPicPr>
+        <p:blipFill>
+          <a:blip r:embed="rId2">
+            <a:extLst>
+              <a:ext uri="{28A0092B-C50C-407E-A947-70E740481C1C}">
+                <a14:useLocalDpi xmlns:a14="http://schemas.microsoft.com/office/drawing/2010/main" val="0"/>
+              </a:ext>
+            </a:extLst>
+          </a:blip>
+          <a:stretch>
+            <a:fillRect/>
+          </a:stretch>
+        </p:blipFill>
+        <p:spPr>
+          <a:xfrm>
+            <a:off x="914400" y="762000"/>
+            <a:ext cx="7315200" cy="5486400"/>
+          </a:xfrm>
+          <a:prstGeom prst="rect">
+            <a:avLst/>
+          </a:prstGeom>
+        </p:spPr>
+      </p:pic>
+    </p:spTree>
+    <p:extLst>
+      <p:ext uri="{BB962C8B-B14F-4D97-AF65-F5344CB8AC3E}">
+        <p14:creationId xmlns:p14="http://schemas.microsoft.com/office/powerpoint/2010/main" val="3101390395"/>
+      </p:ext>
+    </p:extLst>
+  </p:cSld>
+  <p:clrMapOvr>
+    <a:masterClrMapping/>
+  </p:clrMapOvr>
+</p:sld>
+</file>
+
+<file path=ppt/slides/slide17.xml><?xml version="1.0" encoding="utf-8"?>
+<p:sld xmlns:a="http://schemas.openxmlformats.org/drawingml/2006/main" xmlns:r="http://schemas.openxmlformats.org/officeDocument/2006/relationships" xmlns:p="http://schemas.openxmlformats.org/presentationml/2006/main">
+  <p:cSld>
+    <p:spTree>
+      <p:nvGrpSpPr>
+        <p:cNvPr id="1" name=""/>
+        <p:cNvGrpSpPr/>
+        <p:nvPr/>
+      </p:nvGrpSpPr>
+      <p:grpSpPr>
+        <a:xfrm>
+          <a:off x="0" y="0"/>
+          <a:ext cx="0" cy="0"/>
+          <a:chOff x="0" y="0"/>
+          <a:chExt cx="0" cy="0"/>
+        </a:xfrm>
+      </p:grpSpPr>
+      <p:sp>
+        <p:nvSpPr>
+          <p:cNvPr id="2" name="Title 1"/>
+          <p:cNvSpPr>
+            <a:spLocks noGrp="1"/>
+          </p:cNvSpPr>
+          <p:nvPr>
+            <p:ph type="title"/>
+          </p:nvPr>
+        </p:nvSpPr>
+        <p:spPr/>
+        <p:txBody>
+          <a:bodyPr/>
+          <a:lstStyle/>
+          <a:p>
+            <a:r>
+              <a:rPr lang="en-US" dirty="0" smtClean="0"/>
+              <a:t>Generalization?</a:t>
+            </a:r>
+            <a:endParaRPr lang="en-US" dirty="0"/>
+          </a:p>
+        </p:txBody>
+      </p:sp>
+      <p:sp>
+        <p:nvSpPr>
+          <p:cNvPr id="4" name="Footer Placeholder 3"/>
+          <p:cNvSpPr>
+            <a:spLocks noGrp="1"/>
+          </p:cNvSpPr>
+          <p:nvPr>
+            <p:ph type="ftr" sz="quarter" idx="11"/>
+          </p:nvPr>
+        </p:nvSpPr>
+        <p:spPr/>
+        <p:txBody>
+          <a:bodyPr/>
+          <a:lstStyle/>
+          <a:p>
+            <a:pPr>
+              <a:defRPr/>
+            </a:pPr>
+            <a:r>
+              <a:rPr lang="en-US" smtClean="0"/>
+              <a:t>CIS 410/510: Parallel Computing, University of Oregon, Spring 2014</a:t>
+            </a:r>
+            <a:endParaRPr lang="en-US" dirty="0"/>
+          </a:p>
+        </p:txBody>
+      </p:sp>
+      <p:sp>
+        <p:nvSpPr>
+          <p:cNvPr id="5" name="Slide Number Placeholder 4"/>
+          <p:cNvSpPr>
+            <a:spLocks noGrp="1"/>
+          </p:cNvSpPr>
+          <p:nvPr>
+            <p:ph type="sldNum" sz="quarter" idx="12"/>
+          </p:nvPr>
+        </p:nvSpPr>
+        <p:spPr/>
+        <p:txBody>
+          <a:bodyPr/>
+          <a:lstStyle/>
+          <a:p>
+            <a:pPr>
+              <a:defRPr/>
+            </a:pPr>
+            <a:fld id="{F2F21A90-E327-C84D-81B5-071D4C5C9FC6}" type="slidenum">
+              <a:rPr lang="en-US" smtClean="0"/>
+              <a:pPr>
+                <a:defRPr/>
+              </a:pPr>
+              <a:t>17</a:t>
+            </a:fld>
+            <a:endParaRPr lang="en-US"/>
+          </a:p>
+        </p:txBody>
+      </p:sp>
+      <p:grpSp>
+        <p:nvGrpSpPr>
+          <p:cNvPr id="6" name="Group 5"/>
+          <p:cNvGrpSpPr/>
+          <p:nvPr/>
+        </p:nvGrpSpPr>
+        <p:grpSpPr>
+          <a:xfrm>
+            <a:off x="532804" y="2771565"/>
+            <a:ext cx="8153400" cy="1190834"/>
+            <a:chOff x="532804" y="2771565"/>
+            <a:chExt cx="8153400" cy="1190834"/>
+          </a:xfrm>
+        </p:grpSpPr>
+        <p:sp>
+          <p:nvSpPr>
+            <p:cNvPr id="7" name="Rounded Rectangle 6"/>
+            <p:cNvSpPr/>
+            <p:nvPr/>
+          </p:nvSpPr>
+          <p:spPr>
+            <a:xfrm>
+              <a:off x="532804" y="2771566"/>
+              <a:ext cx="8153400" cy="1190833"/>
+            </a:xfrm>
+            <a:prstGeom prst="roundRect">
+              <a:avLst/>
+            </a:prstGeom>
+            <a:solidFill>
+              <a:srgbClr val="27632E">
+                <a:alpha val="15000"/>
+              </a:srgbClr>
+            </a:solidFill>
+          </p:spPr>
+          <p:style>
+            <a:lnRef idx="1">
+              <a:schemeClr val="accent1"/>
+            </a:lnRef>
+            <a:fillRef idx="3">
+              <a:schemeClr val="accent1"/>
+            </a:fillRef>
+            <a:effectRef idx="2">
+              <a:schemeClr val="accent1"/>
+            </a:effectRef>
+            <a:fontRef idx="minor">
+              <a:schemeClr val="lt1"/>
+            </a:fontRef>
+          </p:style>
+          <p:txBody>
+            <a:bodyPr rtlCol="0" anchor="ctr"/>
+            <a:lstStyle/>
+            <a:p>
+              <a:pPr algn="ctr"/>
+              <a:endParaRPr lang="en-US"/>
+            </a:p>
+          </p:txBody>
+        </p:sp>
+        <p:sp>
+          <p:nvSpPr>
+            <p:cNvPr id="8" name="TextBox 7"/>
+            <p:cNvSpPr txBox="1"/>
+            <p:nvPr/>
+          </p:nvSpPr>
+          <p:spPr>
+            <a:xfrm>
+              <a:off x="532805" y="3371024"/>
+              <a:ext cx="8153396" cy="400110"/>
+            </a:xfrm>
+            <a:prstGeom prst="rect">
+              <a:avLst/>
+            </a:prstGeom>
+            <a:noFill/>
+          </p:spPr>
+          <p:txBody>
+            <a:bodyPr wrap="square" rtlCol="0">
+              <a:spAutoFit/>
+            </a:bodyPr>
+            <a:lstStyle/>
+            <a:p>
+              <a:r>
+                <a:rPr lang="en-US" sz="2000" dirty="0" smtClean="0"/>
+                <a:t>So far we have only dealt with mapping over a single collection</a:t>
+              </a:r>
+              <a:endParaRPr lang="en-US" sz="2000" dirty="0"/>
+            </a:p>
+          </p:txBody>
+        </p:sp>
+        <p:sp>
+          <p:nvSpPr>
+            <p:cNvPr id="9" name="Rounded Rectangle 8"/>
+            <p:cNvSpPr/>
+            <p:nvPr/>
+          </p:nvSpPr>
+          <p:spPr>
+            <a:xfrm>
+              <a:off x="532804" y="2771565"/>
+              <a:ext cx="8153397" cy="574020"/>
+            </a:xfrm>
+            <a:prstGeom prst="roundRect">
+              <a:avLst/>
+            </a:prstGeom>
+            <a:solidFill>
+              <a:srgbClr val="27632E"/>
+            </a:solidFill>
+          </p:spPr>
+          <p:style>
+            <a:lnRef idx="1">
+              <a:schemeClr val="accent1"/>
+            </a:lnRef>
+            <a:fillRef idx="3">
+              <a:schemeClr val="accent1"/>
+            </a:fillRef>
+            <a:effectRef idx="2">
+              <a:schemeClr val="accent1"/>
+            </a:effectRef>
+            <a:fontRef idx="minor">
+              <a:schemeClr val="lt1"/>
+            </a:fontRef>
+          </p:style>
+          <p:txBody>
+            <a:bodyPr rtlCol="0" anchor="ctr"/>
+            <a:lstStyle/>
+            <a:p>
+              <a:pPr algn="ctr"/>
+              <a:endParaRPr lang="en-US"/>
+            </a:p>
+          </p:txBody>
+        </p:sp>
+        <p:sp>
+          <p:nvSpPr>
+            <p:cNvPr id="10" name="TextBox 9"/>
+            <p:cNvSpPr txBox="1"/>
+            <p:nvPr/>
+          </p:nvSpPr>
+          <p:spPr>
+            <a:xfrm>
+              <a:off x="675844" y="2819400"/>
+              <a:ext cx="7972713" cy="461665"/>
+            </a:xfrm>
+            <a:prstGeom prst="rect">
+              <a:avLst/>
+            </a:prstGeom>
+            <a:noFill/>
+          </p:spPr>
+          <p:txBody>
+            <a:bodyPr wrap="square" rtlCol="0">
+              <a:spAutoFit/>
+            </a:bodyPr>
+            <a:lstStyle/>
+            <a:p>
+              <a:r>
+                <a:rPr lang="en-US" sz="2400" dirty="0" smtClean="0">
+                  <a:solidFill>
+                    <a:schemeClr val="bg1"/>
+                  </a:solidFill>
+                </a:rPr>
+                <a:t>Unary Maps</a:t>
+              </a:r>
+              <a:endParaRPr lang="en-US" sz="2400" dirty="0">
+                <a:solidFill>
+                  <a:schemeClr val="bg1"/>
+                </a:solidFill>
+              </a:endParaRPr>
+            </a:p>
+          </p:txBody>
+        </p:sp>
+      </p:grpSp>
+      <p:sp>
+        <p:nvSpPr>
+          <p:cNvPr id="3" name="TextBox 2"/>
+          <p:cNvSpPr txBox="1"/>
+          <p:nvPr/>
+        </p:nvSpPr>
+        <p:spPr>
+          <a:xfrm>
+            <a:off x="675844" y="4114800"/>
+            <a:ext cx="7858556" cy="369332"/>
+          </a:xfrm>
+          <a:prstGeom prst="rect">
+            <a:avLst/>
+          </a:prstGeom>
+          <a:noFill/>
+        </p:spPr>
+        <p:txBody>
+          <a:bodyPr wrap="square" rtlCol="0">
+            <a:spAutoFit/>
+          </a:bodyPr>
+          <a:lstStyle/>
+          <a:p>
+            <a:r>
+              <a:rPr lang="en-US" dirty="0" smtClean="0"/>
+              <a:t>Functional programming languages call this </a:t>
+            </a:r>
+            <a:r>
+              <a:rPr lang="en-US" dirty="0" err="1" smtClean="0">
+                <a:latin typeface="Courier New" panose="02070309020205020404" pitchFamily="49" charset="0"/>
+                <a:cs typeface="Courier New" panose="02070309020205020404" pitchFamily="49" charset="0"/>
+              </a:rPr>
+              <a:t>zipWith</a:t>
+            </a:r>
+            <a:r>
+              <a:rPr lang="en-US" dirty="0">
+                <a:latin typeface="Times New Roman" panose="02020603050405020304" pitchFamily="18" charset="0"/>
+                <a:cs typeface="Times New Roman" panose="02020603050405020304" pitchFamily="18" charset="0"/>
+              </a:rPr>
+              <a:t> </a:t>
+            </a:r>
+            <a:r>
+              <a:rPr lang="en-US" dirty="0" smtClean="0">
+                <a:latin typeface="+mn-lt"/>
+                <a:cs typeface="Times New Roman" panose="02020603050405020304" pitchFamily="18" charset="0"/>
+              </a:rPr>
+              <a:t>or sometimes </a:t>
+            </a:r>
+            <a:r>
+              <a:rPr lang="en-US" dirty="0" smtClean="0">
+                <a:latin typeface="Courier New" panose="02070309020205020404" pitchFamily="49" charset="0"/>
+                <a:cs typeface="Courier New" panose="02070309020205020404" pitchFamily="49" charset="0"/>
+              </a:rPr>
+              <a:t>map2</a:t>
+            </a:r>
+            <a:endParaRPr lang="en-US" dirty="0"/>
+          </a:p>
+        </p:txBody>
+      </p:sp>
+    </p:spTree>
+    <p:extLst>
+      <p:ext uri="{BB962C8B-B14F-4D97-AF65-F5344CB8AC3E}">
+        <p14:creationId xmlns:p14="http://schemas.microsoft.com/office/powerpoint/2010/main" val="4220140147"/>
+      </p:ext>
+    </p:extLst>
+  </p:cSld>
+  <p:clrMapOvr>
+    <a:masterClrMapping/>
+  </p:clrMapOvr>
+</p:sld>
+</file>
+
+<file path=ppt/slides/slide18.xml><?xml version="1.0" encoding="utf-8"?>
+<p:sld xmlns:a="http://schemas.openxmlformats.org/drawingml/2006/main" xmlns:r="http://schemas.openxmlformats.org/officeDocument/2006/relationships" xmlns:p="http://schemas.openxmlformats.org/presentationml/2006/main">
+  <p:cSld>
+    <p:spTree>
+      <p:nvGrpSpPr>
+        <p:cNvPr id="1" name=""/>
+        <p:cNvGrpSpPr/>
+        <p:nvPr/>
+      </p:nvGrpSpPr>
+      <p:grpSpPr>
+        <a:xfrm>
+          <a:off x="0" y="0"/>
+          <a:ext cx="0" cy="0"/>
+          <a:chOff x="0" y="0"/>
+          <a:chExt cx="0" cy="0"/>
+        </a:xfrm>
+      </p:grpSpPr>
+      <p:sp>
+        <p:nvSpPr>
+          <p:cNvPr id="2" name="Title 1"/>
+          <p:cNvSpPr>
+            <a:spLocks noGrp="1"/>
+          </p:cNvSpPr>
+          <p:nvPr>
+            <p:ph type="title"/>
+          </p:nvPr>
+        </p:nvSpPr>
+        <p:spPr/>
+        <p:txBody>
+          <a:bodyPr/>
+          <a:lstStyle/>
+          <a:p>
+            <a:r>
+              <a:rPr lang="en-US" dirty="0" smtClean="0"/>
+              <a:t>Slide Title</a:t>
+            </a:r>
+            <a:endParaRPr lang="en-US" dirty="0"/>
+          </a:p>
+        </p:txBody>
+      </p:sp>
+      <p:pic>
+        <p:nvPicPr>
+          <p:cNvPr id="6" name="Content Placeholder 5"/>
+          <p:cNvPicPr>
+            <a:picLocks noGrp="1" noChangeAspect="1"/>
+          </p:cNvPicPr>
+          <p:nvPr>
+            <p:ph idx="1"/>
+          </p:nvPr>
+        </p:nvPicPr>
+        <p:blipFill>
+          <a:blip r:embed="rId2">
+            <a:extLst>
+              <a:ext uri="{28A0092B-C50C-407E-A947-70E740481C1C}">
+                <a14:useLocalDpi xmlns:a14="http://schemas.microsoft.com/office/drawing/2010/main" val="0"/>
+              </a:ext>
+            </a:extLst>
+          </a:blip>
+          <a:stretch>
+            <a:fillRect/>
+          </a:stretch>
+        </p:blipFill>
+        <p:spPr>
+          <a:xfrm>
+            <a:off x="1037697" y="896938"/>
+            <a:ext cx="7115704" cy="5336778"/>
+          </a:xfrm>
+        </p:spPr>
+      </p:pic>
+      <p:sp>
+        <p:nvSpPr>
+          <p:cNvPr id="4" name="Footer Placeholder 3"/>
+          <p:cNvSpPr>
+            <a:spLocks noGrp="1"/>
+          </p:cNvSpPr>
+          <p:nvPr>
+            <p:ph type="ftr" sz="quarter" idx="11"/>
+          </p:nvPr>
+        </p:nvSpPr>
+        <p:spPr/>
+        <p:txBody>
+          <a:bodyPr/>
+          <a:lstStyle/>
+          <a:p>
+            <a:pPr>
+              <a:defRPr/>
+            </a:pPr>
+            <a:r>
+              <a:rPr lang="en-US" smtClean="0"/>
+              <a:t>CIS 410/510: Parallel Computing, University of Oregon, Spring 2014</a:t>
+            </a:r>
+            <a:endParaRPr lang="en-US" dirty="0"/>
+          </a:p>
+        </p:txBody>
+      </p:sp>
+      <p:sp>
+        <p:nvSpPr>
+          <p:cNvPr id="5" name="Slide Number Placeholder 4"/>
+          <p:cNvSpPr>
+            <a:spLocks noGrp="1"/>
+          </p:cNvSpPr>
+          <p:nvPr>
+            <p:ph type="sldNum" sz="quarter" idx="12"/>
+          </p:nvPr>
+        </p:nvSpPr>
+        <p:spPr/>
+        <p:txBody>
+          <a:bodyPr/>
+          <a:lstStyle/>
+          <a:p>
+            <a:pPr>
+              <a:defRPr/>
+            </a:pPr>
+            <a:fld id="{F2F21A90-E327-C84D-81B5-071D4C5C9FC6}" type="slidenum">
+              <a:rPr lang="en-US" smtClean="0"/>
+              <a:pPr>
+                <a:defRPr/>
+              </a:pPr>
+              <a:t>18</a:t>
+            </a:fld>
+            <a:endParaRPr lang="en-US"/>
+          </a:p>
+        </p:txBody>
+      </p:sp>
+    </p:spTree>
+    <p:extLst>
+      <p:ext uri="{BB962C8B-B14F-4D97-AF65-F5344CB8AC3E}">
+        <p14:creationId xmlns:p14="http://schemas.microsoft.com/office/powerpoint/2010/main" val="3101390395"/>
+      </p:ext>
+    </p:extLst>
+  </p:cSld>
+  <p:clrMapOvr>
+    <a:masterClrMapping/>
+  </p:clrMapOvr>
+</p:sld>
+</file>
+
+<file path=ppt/slides/slide19.xml><?xml version="1.0" encoding="utf-8"?>
+<p:sld xmlns:a="http://schemas.openxmlformats.org/drawingml/2006/main" xmlns:r="http://schemas.openxmlformats.org/officeDocument/2006/relationships" xmlns:p="http://schemas.openxmlformats.org/presentationml/2006/main">
+  <p:cSld>
+    <p:spTree>
+      <p:nvGrpSpPr>
+        <p:cNvPr id="1" name=""/>
+        <p:cNvGrpSpPr/>
+        <p:nvPr/>
+      </p:nvGrpSpPr>
+      <p:grpSpPr>
+        <a:xfrm>
+          <a:off x="0" y="0"/>
+          <a:ext cx="0" cy="0"/>
+          <a:chOff x="0" y="0"/>
+          <a:chExt cx="0" cy="0"/>
+        </a:xfrm>
+      </p:grpSpPr>
+      <p:sp>
+        <p:nvSpPr>
+          <p:cNvPr id="2" name="Title 1"/>
+          <p:cNvSpPr>
+            <a:spLocks noGrp="1"/>
+          </p:cNvSpPr>
+          <p:nvPr>
+            <p:ph type="title"/>
+          </p:nvPr>
+        </p:nvSpPr>
+        <p:spPr/>
+        <p:txBody>
+          <a:bodyPr/>
+          <a:lstStyle/>
+          <a:p>
+            <a:r>
+              <a:rPr lang="en-US" dirty="0" smtClean="0"/>
+              <a:t>Table of Contents</a:t>
+            </a:r>
+            <a:endParaRPr lang="en-US" dirty="0"/>
+          </a:p>
+        </p:txBody>
+      </p:sp>
+      <p:sp>
+        <p:nvSpPr>
+          <p:cNvPr id="3" name="Content Placeholder 2"/>
+          <p:cNvSpPr>
+            <a:spLocks noGrp="1"/>
+          </p:cNvSpPr>
+          <p:nvPr>
+            <p:ph idx="1"/>
+          </p:nvPr>
+        </p:nvSpPr>
+        <p:spPr/>
+        <p:txBody>
+          <a:bodyPr/>
+          <a:lstStyle/>
+          <a:p>
+            <a:r>
+              <a:rPr lang="en-US" dirty="0" smtClean="0"/>
+              <a:t>Map</a:t>
+            </a:r>
+          </a:p>
+          <a:p>
+            <a:r>
+              <a:rPr lang="en-US" dirty="0" smtClean="0">
+                <a:solidFill>
+                  <a:srgbClr val="FF0000"/>
+                </a:solidFill>
+              </a:rPr>
+              <a:t>Scaled Vector Addition (SAXPY) Example</a:t>
+            </a:r>
+          </a:p>
+          <a:p>
+            <a:pPr lvl="1"/>
+            <a:r>
+              <a:rPr lang="en-US" dirty="0" smtClean="0"/>
+              <a:t>Problem Description</a:t>
+            </a:r>
+          </a:p>
+          <a:p>
+            <a:pPr lvl="1"/>
+            <a:r>
+              <a:rPr lang="en-US" dirty="0" smtClean="0"/>
+              <a:t>SAXPY Implementations</a:t>
+            </a:r>
+          </a:p>
+          <a:p>
+            <a:r>
+              <a:rPr lang="en-US" dirty="0" smtClean="0"/>
+              <a:t>Optimizations</a:t>
+            </a:r>
+          </a:p>
+          <a:p>
+            <a:pPr lvl="1"/>
+            <a:r>
+              <a:rPr lang="en-US" dirty="0" smtClean="0"/>
+              <a:t>Sequences of Maps</a:t>
+            </a:r>
+          </a:p>
+          <a:p>
+            <a:pPr lvl="1"/>
+            <a:r>
+              <a:rPr lang="en-US" dirty="0" smtClean="0"/>
+              <a:t>Code Fusion</a:t>
+            </a:r>
+          </a:p>
+          <a:p>
+            <a:pPr lvl="1"/>
+            <a:r>
+              <a:rPr lang="en-US" dirty="0" smtClean="0"/>
+              <a:t>Cache Fusion</a:t>
+            </a:r>
+          </a:p>
+          <a:p>
+            <a:r>
+              <a:rPr lang="en-US" dirty="0" smtClean="0"/>
+              <a:t>Related Patterns</a:t>
+            </a:r>
+            <a:endParaRPr lang="en-US" dirty="0"/>
+          </a:p>
+        </p:txBody>
+      </p:sp>
+      <p:sp>
+        <p:nvSpPr>
+          <p:cNvPr id="4" name="Footer Placeholder 3"/>
+          <p:cNvSpPr>
+            <a:spLocks noGrp="1"/>
+          </p:cNvSpPr>
+          <p:nvPr>
+            <p:ph type="ftr" sz="quarter" idx="11"/>
+          </p:nvPr>
+        </p:nvSpPr>
+        <p:spPr/>
+        <p:txBody>
+          <a:bodyPr/>
+          <a:lstStyle/>
+          <a:p>
+            <a:pPr>
+              <a:defRPr/>
+            </a:pPr>
+            <a:r>
+              <a:rPr lang="en-US" smtClean="0"/>
+              <a:t>CIS 410/510: Parallel Computing, University of Oregon, Spring 2014</a:t>
+            </a:r>
+            <a:endParaRPr lang="en-US" dirty="0"/>
+          </a:p>
+        </p:txBody>
+      </p:sp>
+      <p:sp>
+        <p:nvSpPr>
+          <p:cNvPr id="5" name="Slide Number Placeholder 4"/>
+          <p:cNvSpPr>
+            <a:spLocks noGrp="1"/>
+          </p:cNvSpPr>
+          <p:nvPr>
+            <p:ph type="sldNum" sz="quarter" idx="12"/>
+          </p:nvPr>
+        </p:nvSpPr>
+        <p:spPr/>
+        <p:txBody>
+          <a:bodyPr/>
+          <a:lstStyle/>
+          <a:p>
+            <a:pPr>
+              <a:defRPr/>
+            </a:pPr>
+            <a:fld id="{F2F21A90-E327-C84D-81B5-071D4C5C9FC6}" type="slidenum">
+              <a:rPr lang="en-US" smtClean="0"/>
+              <a:pPr>
+                <a:defRPr/>
+              </a:pPr>
+              <a:t>19</a:t>
+            </a:fld>
+            <a:endParaRPr lang="en-US"/>
+          </a:p>
+        </p:txBody>
+      </p:sp>
+    </p:spTree>
+    <p:extLst>
+      <p:ext uri="{BB962C8B-B14F-4D97-AF65-F5344CB8AC3E}">
+        <p14:creationId xmlns:p14="http://schemas.microsoft.com/office/powerpoint/2010/main" val="880862496"/>
+      </p:ext>
+    </p:extLst>
+  </p:cSld>
+  <p:clrMapOvr>
+    <a:masterClrMapping/>
+  </p:clrMapOvr>
 </p:sld>
 </file>
 
@@ -4396,19 +7123,61 @@
           <a:p>
             <a:r>
               <a:rPr lang="en-US" dirty="0" smtClean="0"/>
-              <a:t>Click to add text</a:t>
-            </a:r>
-          </a:p>
-          <a:p>
-            <a:r>
-              <a:rPr lang="en-US" dirty="0" smtClean="0"/>
-              <a:t>Click to add text</a:t>
-            </a:r>
-          </a:p>
-          <a:p>
-            <a:pPr marL="0" indent="0">
-              <a:buNone/>
-            </a:pPr>
+              <a:t>Map</a:t>
+            </a:r>
+          </a:p>
+          <a:p>
+            <a:r>
+              <a:rPr lang="en-US" dirty="0" smtClean="0"/>
+              <a:t>Scaled Vector Addition (SAXPY) Example</a:t>
+            </a:r>
+          </a:p>
+          <a:p>
+            <a:pPr lvl="1"/>
+            <a:r>
+              <a:rPr lang="en-US" dirty="0" smtClean="0"/>
+              <a:t>Problem Description</a:t>
+            </a:r>
+          </a:p>
+          <a:p>
+            <a:pPr lvl="1"/>
+            <a:r>
+              <a:rPr lang="en-US" dirty="0" smtClean="0"/>
+              <a:t>SAXPY Implementations</a:t>
+            </a:r>
+          </a:p>
+          <a:p>
+            <a:r>
+              <a:rPr lang="en-US" dirty="0" smtClean="0"/>
+              <a:t>Optimizations</a:t>
+            </a:r>
+          </a:p>
+          <a:p>
+            <a:pPr lvl="1"/>
+            <a:r>
+              <a:rPr lang="en-US" dirty="0" smtClean="0"/>
+              <a:t>Sequences of Maps</a:t>
+            </a:r>
+          </a:p>
+          <a:p>
+            <a:pPr lvl="1"/>
+            <a:r>
+              <a:rPr lang="en-US" dirty="0" smtClean="0"/>
+              <a:t>Code Fusion</a:t>
+            </a:r>
+          </a:p>
+          <a:p>
+            <a:pPr lvl="1"/>
+            <a:r>
+              <a:rPr lang="en-US" dirty="0" smtClean="0"/>
+              <a:t>Cache Fusion</a:t>
+            </a:r>
+          </a:p>
+          <a:p>
+            <a:r>
+              <a:rPr lang="en-US" dirty="0" smtClean="0"/>
+              <a:t>Related Patterns</a:t>
+            </a:r>
             <a:endParaRPr lang="en-US" dirty="0"/>
           </a:p>
         </p:txBody>
@@ -4472,6 +7241,1590 @@
     <p:extLst>
       <p:ext uri="{BB962C8B-B14F-4D97-AF65-F5344CB8AC3E}">
         <p14:creationId xmlns:p14="http://schemas.microsoft.com/office/powerpoint/2010/main" val="1839393811"/>
+      </p:ext>
+    </p:extLst>
+  </p:cSld>
+  <p:clrMapOvr>
+    <a:masterClrMapping/>
+  </p:clrMapOvr>
+</p:sld>
+</file>
+
+<file path=ppt/slides/slide20.xml><?xml version="1.0" encoding="utf-8"?>
+<p:sld xmlns:a="http://schemas.openxmlformats.org/drawingml/2006/main" xmlns:r="http://schemas.openxmlformats.org/officeDocument/2006/relationships" xmlns:p="http://schemas.openxmlformats.org/presentationml/2006/main">
+  <p:cSld>
+    <p:spTree>
+      <p:nvGrpSpPr>
+        <p:cNvPr id="1" name=""/>
+        <p:cNvGrpSpPr/>
+        <p:nvPr/>
+      </p:nvGrpSpPr>
+      <p:grpSpPr>
+        <a:xfrm>
+          <a:off x="0" y="0"/>
+          <a:ext cx="0" cy="0"/>
+          <a:chOff x="0" y="0"/>
+          <a:chExt cx="0" cy="0"/>
+        </a:xfrm>
+      </p:grpSpPr>
+      <p:sp>
+        <p:nvSpPr>
+          <p:cNvPr id="2" name="Title 1"/>
+          <p:cNvSpPr>
+            <a:spLocks noGrp="1"/>
+          </p:cNvSpPr>
+          <p:nvPr>
+            <p:ph type="title"/>
+          </p:nvPr>
+        </p:nvSpPr>
+        <p:spPr/>
+        <p:txBody>
+          <a:bodyPr/>
+          <a:lstStyle/>
+          <a:p>
+            <a:r>
+              <a:rPr lang="en-US" dirty="0" smtClean="0"/>
+              <a:t>Table of Contents</a:t>
+            </a:r>
+            <a:endParaRPr lang="en-US" dirty="0"/>
+          </a:p>
+        </p:txBody>
+      </p:sp>
+      <p:sp>
+        <p:nvSpPr>
+          <p:cNvPr id="3" name="Content Placeholder 2"/>
+          <p:cNvSpPr>
+            <a:spLocks noGrp="1"/>
+          </p:cNvSpPr>
+          <p:nvPr>
+            <p:ph idx="1"/>
+          </p:nvPr>
+        </p:nvSpPr>
+        <p:spPr/>
+        <p:txBody>
+          <a:bodyPr/>
+          <a:lstStyle/>
+          <a:p>
+            <a:r>
+              <a:rPr lang="en-US" dirty="0" smtClean="0"/>
+              <a:t>Map</a:t>
+            </a:r>
+          </a:p>
+          <a:p>
+            <a:r>
+              <a:rPr lang="en-US" dirty="0" smtClean="0"/>
+              <a:t>Scaled Vector Addition (SAXPY) Example</a:t>
+            </a:r>
+          </a:p>
+          <a:p>
+            <a:pPr lvl="1"/>
+            <a:r>
+              <a:rPr lang="en-US" dirty="0" smtClean="0">
+                <a:solidFill>
+                  <a:srgbClr val="FF0000"/>
+                </a:solidFill>
+              </a:rPr>
+              <a:t>Problem Description</a:t>
+            </a:r>
+          </a:p>
+          <a:p>
+            <a:pPr lvl="1"/>
+            <a:r>
+              <a:rPr lang="en-US" dirty="0" smtClean="0"/>
+              <a:t>SAXPY Implementations</a:t>
+            </a:r>
+          </a:p>
+          <a:p>
+            <a:r>
+              <a:rPr lang="en-US" dirty="0" smtClean="0"/>
+              <a:t>Optimizations</a:t>
+            </a:r>
+          </a:p>
+          <a:p>
+            <a:pPr lvl="1"/>
+            <a:r>
+              <a:rPr lang="en-US" dirty="0" smtClean="0"/>
+              <a:t>Sequences of Maps</a:t>
+            </a:r>
+          </a:p>
+          <a:p>
+            <a:pPr lvl="1"/>
+            <a:r>
+              <a:rPr lang="en-US" dirty="0" smtClean="0"/>
+              <a:t>Code Fusion</a:t>
+            </a:r>
+          </a:p>
+          <a:p>
+            <a:pPr lvl="1"/>
+            <a:r>
+              <a:rPr lang="en-US" dirty="0" smtClean="0"/>
+              <a:t>Cache Fusion</a:t>
+            </a:r>
+          </a:p>
+          <a:p>
+            <a:r>
+              <a:rPr lang="en-US" dirty="0" smtClean="0"/>
+              <a:t>Related Patterns</a:t>
+            </a:r>
+            <a:endParaRPr lang="en-US" dirty="0"/>
+          </a:p>
+        </p:txBody>
+      </p:sp>
+      <p:sp>
+        <p:nvSpPr>
+          <p:cNvPr id="4" name="Footer Placeholder 3"/>
+          <p:cNvSpPr>
+            <a:spLocks noGrp="1"/>
+          </p:cNvSpPr>
+          <p:nvPr>
+            <p:ph type="ftr" sz="quarter" idx="11"/>
+          </p:nvPr>
+        </p:nvSpPr>
+        <p:spPr/>
+        <p:txBody>
+          <a:bodyPr/>
+          <a:lstStyle/>
+          <a:p>
+            <a:pPr>
+              <a:defRPr/>
+            </a:pPr>
+            <a:r>
+              <a:rPr lang="en-US" smtClean="0"/>
+              <a:t>CIS 410/510: Parallel Computing, University of Oregon, Spring 2014</a:t>
+            </a:r>
+            <a:endParaRPr lang="en-US" dirty="0"/>
+          </a:p>
+        </p:txBody>
+      </p:sp>
+      <p:sp>
+        <p:nvSpPr>
+          <p:cNvPr id="5" name="Slide Number Placeholder 4"/>
+          <p:cNvSpPr>
+            <a:spLocks noGrp="1"/>
+          </p:cNvSpPr>
+          <p:nvPr>
+            <p:ph type="sldNum" sz="quarter" idx="12"/>
+          </p:nvPr>
+        </p:nvSpPr>
+        <p:spPr/>
+        <p:txBody>
+          <a:bodyPr/>
+          <a:lstStyle/>
+          <a:p>
+            <a:pPr>
+              <a:defRPr/>
+            </a:pPr>
+            <a:fld id="{F2F21A90-E327-C84D-81B5-071D4C5C9FC6}" type="slidenum">
+              <a:rPr lang="en-US" smtClean="0"/>
+              <a:pPr>
+                <a:defRPr/>
+              </a:pPr>
+              <a:t>20</a:t>
+            </a:fld>
+            <a:endParaRPr lang="en-US"/>
+          </a:p>
+        </p:txBody>
+      </p:sp>
+    </p:spTree>
+    <p:extLst>
+      <p:ext uri="{BB962C8B-B14F-4D97-AF65-F5344CB8AC3E}">
+        <p14:creationId xmlns:p14="http://schemas.microsoft.com/office/powerpoint/2010/main" val="880862496"/>
+      </p:ext>
+    </p:extLst>
+  </p:cSld>
+  <p:clrMapOvr>
+    <a:masterClrMapping/>
+  </p:clrMapOvr>
+</p:sld>
+</file>
+
+<file path=ppt/slides/slide21.xml><?xml version="1.0" encoding="utf-8"?>
+<p:sld xmlns:a="http://schemas.openxmlformats.org/drawingml/2006/main" xmlns:r="http://schemas.openxmlformats.org/officeDocument/2006/relationships" xmlns:p="http://schemas.openxmlformats.org/presentationml/2006/main">
+  <p:cSld>
+    <p:spTree>
+      <p:nvGrpSpPr>
+        <p:cNvPr id="1" name=""/>
+        <p:cNvGrpSpPr/>
+        <p:nvPr/>
+      </p:nvGrpSpPr>
+      <p:grpSpPr>
+        <a:xfrm>
+          <a:off x="0" y="0"/>
+          <a:ext cx="0" cy="0"/>
+          <a:chOff x="0" y="0"/>
+          <a:chExt cx="0" cy="0"/>
+        </a:xfrm>
+      </p:grpSpPr>
+      <p:sp>
+        <p:nvSpPr>
+          <p:cNvPr id="2" name="Title 1"/>
+          <p:cNvSpPr>
+            <a:spLocks noGrp="1"/>
+          </p:cNvSpPr>
+          <p:nvPr>
+            <p:ph type="title"/>
+          </p:nvPr>
+        </p:nvSpPr>
+        <p:spPr/>
+        <p:txBody>
+          <a:bodyPr/>
+          <a:lstStyle/>
+          <a:p>
+            <a:r>
+              <a:rPr lang="en-US" dirty="0" smtClean="0"/>
+              <a:t>Table of Contents</a:t>
+            </a:r>
+            <a:endParaRPr lang="en-US" dirty="0"/>
+          </a:p>
+        </p:txBody>
+      </p:sp>
+      <p:sp>
+        <p:nvSpPr>
+          <p:cNvPr id="3" name="Content Placeholder 2"/>
+          <p:cNvSpPr>
+            <a:spLocks noGrp="1"/>
+          </p:cNvSpPr>
+          <p:nvPr>
+            <p:ph idx="1"/>
+          </p:nvPr>
+        </p:nvSpPr>
+        <p:spPr/>
+        <p:txBody>
+          <a:bodyPr/>
+          <a:lstStyle/>
+          <a:p>
+            <a:r>
+              <a:rPr lang="en-US" dirty="0" smtClean="0"/>
+              <a:t>Map</a:t>
+            </a:r>
+          </a:p>
+          <a:p>
+            <a:r>
+              <a:rPr lang="en-US" dirty="0" smtClean="0"/>
+              <a:t>Scaled Vector Addition (SAXPY) Example</a:t>
+            </a:r>
+          </a:p>
+          <a:p>
+            <a:pPr lvl="1"/>
+            <a:r>
+              <a:rPr lang="en-US" dirty="0" smtClean="0"/>
+              <a:t>Problem Description</a:t>
+            </a:r>
+          </a:p>
+          <a:p>
+            <a:pPr lvl="1"/>
+            <a:r>
+              <a:rPr lang="en-US" dirty="0" smtClean="0">
+                <a:solidFill>
+                  <a:srgbClr val="FF0000"/>
+                </a:solidFill>
+              </a:rPr>
+              <a:t>SAXPY Implementations</a:t>
+            </a:r>
+          </a:p>
+          <a:p>
+            <a:r>
+              <a:rPr lang="en-US" dirty="0" smtClean="0"/>
+              <a:t>Optimizations</a:t>
+            </a:r>
+          </a:p>
+          <a:p>
+            <a:pPr lvl="1"/>
+            <a:r>
+              <a:rPr lang="en-US" dirty="0" smtClean="0"/>
+              <a:t>Sequences of Maps</a:t>
+            </a:r>
+          </a:p>
+          <a:p>
+            <a:pPr lvl="1"/>
+            <a:r>
+              <a:rPr lang="en-US" dirty="0" smtClean="0"/>
+              <a:t>Code Fusion</a:t>
+            </a:r>
+          </a:p>
+          <a:p>
+            <a:pPr lvl="1"/>
+            <a:r>
+              <a:rPr lang="en-US" dirty="0" smtClean="0"/>
+              <a:t>Cache Fusion</a:t>
+            </a:r>
+          </a:p>
+          <a:p>
+            <a:r>
+              <a:rPr lang="en-US" dirty="0" smtClean="0"/>
+              <a:t>Related Patterns</a:t>
+            </a:r>
+            <a:endParaRPr lang="en-US" dirty="0"/>
+          </a:p>
+        </p:txBody>
+      </p:sp>
+      <p:sp>
+        <p:nvSpPr>
+          <p:cNvPr id="4" name="Footer Placeholder 3"/>
+          <p:cNvSpPr>
+            <a:spLocks noGrp="1"/>
+          </p:cNvSpPr>
+          <p:nvPr>
+            <p:ph type="ftr" sz="quarter" idx="11"/>
+          </p:nvPr>
+        </p:nvSpPr>
+        <p:spPr/>
+        <p:txBody>
+          <a:bodyPr/>
+          <a:lstStyle/>
+          <a:p>
+            <a:pPr>
+              <a:defRPr/>
+            </a:pPr>
+            <a:r>
+              <a:rPr lang="en-US" smtClean="0"/>
+              <a:t>CIS 410/510: Parallel Computing, University of Oregon, Spring 2014</a:t>
+            </a:r>
+            <a:endParaRPr lang="en-US" dirty="0"/>
+          </a:p>
+        </p:txBody>
+      </p:sp>
+      <p:sp>
+        <p:nvSpPr>
+          <p:cNvPr id="5" name="Slide Number Placeholder 4"/>
+          <p:cNvSpPr>
+            <a:spLocks noGrp="1"/>
+          </p:cNvSpPr>
+          <p:nvPr>
+            <p:ph type="sldNum" sz="quarter" idx="12"/>
+          </p:nvPr>
+        </p:nvSpPr>
+        <p:spPr/>
+        <p:txBody>
+          <a:bodyPr/>
+          <a:lstStyle/>
+          <a:p>
+            <a:pPr>
+              <a:defRPr/>
+            </a:pPr>
+            <a:fld id="{F2F21A90-E327-C84D-81B5-071D4C5C9FC6}" type="slidenum">
+              <a:rPr lang="en-US" smtClean="0"/>
+              <a:pPr>
+                <a:defRPr/>
+              </a:pPr>
+              <a:t>21</a:t>
+            </a:fld>
+            <a:endParaRPr lang="en-US"/>
+          </a:p>
+        </p:txBody>
+      </p:sp>
+    </p:spTree>
+    <p:extLst>
+      <p:ext uri="{BB962C8B-B14F-4D97-AF65-F5344CB8AC3E}">
+        <p14:creationId xmlns:p14="http://schemas.microsoft.com/office/powerpoint/2010/main" val="880862496"/>
+      </p:ext>
+    </p:extLst>
+  </p:cSld>
+  <p:clrMapOvr>
+    <a:masterClrMapping/>
+  </p:clrMapOvr>
+</p:sld>
+</file>
+
+<file path=ppt/slides/slide22.xml><?xml version="1.0" encoding="utf-8"?>
+<p:sld xmlns:a="http://schemas.openxmlformats.org/drawingml/2006/main" xmlns:r="http://schemas.openxmlformats.org/officeDocument/2006/relationships" xmlns:p="http://schemas.openxmlformats.org/presentationml/2006/main">
+  <p:cSld>
+    <p:spTree>
+      <p:nvGrpSpPr>
+        <p:cNvPr id="1" name=""/>
+        <p:cNvGrpSpPr/>
+        <p:nvPr/>
+      </p:nvGrpSpPr>
+      <p:grpSpPr>
+        <a:xfrm>
+          <a:off x="0" y="0"/>
+          <a:ext cx="0" cy="0"/>
+          <a:chOff x="0" y="0"/>
+          <a:chExt cx="0" cy="0"/>
+        </a:xfrm>
+      </p:grpSpPr>
+      <p:sp>
+        <p:nvSpPr>
+          <p:cNvPr id="2" name="Title 1"/>
+          <p:cNvSpPr>
+            <a:spLocks noGrp="1"/>
+          </p:cNvSpPr>
+          <p:nvPr>
+            <p:ph type="title"/>
+          </p:nvPr>
+        </p:nvSpPr>
+        <p:spPr/>
+        <p:txBody>
+          <a:bodyPr/>
+          <a:lstStyle/>
+          <a:p>
+            <a:r>
+              <a:rPr lang="en-US" dirty="0" smtClean="0"/>
+              <a:t>Table of Contents</a:t>
+            </a:r>
+            <a:endParaRPr lang="en-US" dirty="0"/>
+          </a:p>
+        </p:txBody>
+      </p:sp>
+      <p:sp>
+        <p:nvSpPr>
+          <p:cNvPr id="3" name="Content Placeholder 2"/>
+          <p:cNvSpPr>
+            <a:spLocks noGrp="1"/>
+          </p:cNvSpPr>
+          <p:nvPr>
+            <p:ph idx="1"/>
+          </p:nvPr>
+        </p:nvSpPr>
+        <p:spPr/>
+        <p:txBody>
+          <a:bodyPr/>
+          <a:lstStyle/>
+          <a:p>
+            <a:r>
+              <a:rPr lang="en-US" dirty="0" smtClean="0"/>
+              <a:t>Map</a:t>
+            </a:r>
+          </a:p>
+          <a:p>
+            <a:r>
+              <a:rPr lang="en-US" dirty="0" smtClean="0"/>
+              <a:t>Scaled Vector Addition (SAXPY) Example</a:t>
+            </a:r>
+          </a:p>
+          <a:p>
+            <a:pPr lvl="1"/>
+            <a:r>
+              <a:rPr lang="en-US" dirty="0" smtClean="0"/>
+              <a:t>Problem Description</a:t>
+            </a:r>
+          </a:p>
+          <a:p>
+            <a:pPr lvl="1"/>
+            <a:r>
+              <a:rPr lang="en-US" dirty="0" smtClean="0"/>
+              <a:t>SAXPY Implementations</a:t>
+            </a:r>
+          </a:p>
+          <a:p>
+            <a:r>
+              <a:rPr lang="en-US" dirty="0" smtClean="0">
+                <a:solidFill>
+                  <a:srgbClr val="FF0000"/>
+                </a:solidFill>
+              </a:rPr>
+              <a:t>Optimizations</a:t>
+            </a:r>
+          </a:p>
+          <a:p>
+            <a:pPr lvl="1"/>
+            <a:r>
+              <a:rPr lang="en-US" dirty="0" smtClean="0"/>
+              <a:t>Sequences of Maps</a:t>
+            </a:r>
+          </a:p>
+          <a:p>
+            <a:pPr lvl="1"/>
+            <a:r>
+              <a:rPr lang="en-US" dirty="0" smtClean="0"/>
+              <a:t>Code Fusion</a:t>
+            </a:r>
+          </a:p>
+          <a:p>
+            <a:pPr lvl="1"/>
+            <a:r>
+              <a:rPr lang="en-US" dirty="0" smtClean="0"/>
+              <a:t>Cache Fusion</a:t>
+            </a:r>
+          </a:p>
+          <a:p>
+            <a:r>
+              <a:rPr lang="en-US" dirty="0" smtClean="0"/>
+              <a:t>Related Patterns</a:t>
+            </a:r>
+            <a:endParaRPr lang="en-US" dirty="0"/>
+          </a:p>
+        </p:txBody>
+      </p:sp>
+      <p:sp>
+        <p:nvSpPr>
+          <p:cNvPr id="4" name="Footer Placeholder 3"/>
+          <p:cNvSpPr>
+            <a:spLocks noGrp="1"/>
+          </p:cNvSpPr>
+          <p:nvPr>
+            <p:ph type="ftr" sz="quarter" idx="11"/>
+          </p:nvPr>
+        </p:nvSpPr>
+        <p:spPr/>
+        <p:txBody>
+          <a:bodyPr/>
+          <a:lstStyle/>
+          <a:p>
+            <a:pPr>
+              <a:defRPr/>
+            </a:pPr>
+            <a:r>
+              <a:rPr lang="en-US" smtClean="0"/>
+              <a:t>CIS 410/510: Parallel Computing, University of Oregon, Spring 2014</a:t>
+            </a:r>
+            <a:endParaRPr lang="en-US" dirty="0"/>
+          </a:p>
+        </p:txBody>
+      </p:sp>
+      <p:sp>
+        <p:nvSpPr>
+          <p:cNvPr id="5" name="Slide Number Placeholder 4"/>
+          <p:cNvSpPr>
+            <a:spLocks noGrp="1"/>
+          </p:cNvSpPr>
+          <p:nvPr>
+            <p:ph type="sldNum" sz="quarter" idx="12"/>
+          </p:nvPr>
+        </p:nvSpPr>
+        <p:spPr/>
+        <p:txBody>
+          <a:bodyPr/>
+          <a:lstStyle/>
+          <a:p>
+            <a:pPr>
+              <a:defRPr/>
+            </a:pPr>
+            <a:fld id="{F2F21A90-E327-C84D-81B5-071D4C5C9FC6}" type="slidenum">
+              <a:rPr lang="en-US" smtClean="0"/>
+              <a:pPr>
+                <a:defRPr/>
+              </a:pPr>
+              <a:t>22</a:t>
+            </a:fld>
+            <a:endParaRPr lang="en-US"/>
+          </a:p>
+        </p:txBody>
+      </p:sp>
+    </p:spTree>
+    <p:extLst>
+      <p:ext uri="{BB962C8B-B14F-4D97-AF65-F5344CB8AC3E}">
+        <p14:creationId xmlns:p14="http://schemas.microsoft.com/office/powerpoint/2010/main" val="880862496"/>
+      </p:ext>
+    </p:extLst>
+  </p:cSld>
+  <p:clrMapOvr>
+    <a:masterClrMapping/>
+  </p:clrMapOvr>
+</p:sld>
+</file>
+
+<file path=ppt/slides/slide23.xml><?xml version="1.0" encoding="utf-8"?>
+<p:sld xmlns:a="http://schemas.openxmlformats.org/drawingml/2006/main" xmlns:r="http://schemas.openxmlformats.org/officeDocument/2006/relationships" xmlns:p="http://schemas.openxmlformats.org/presentationml/2006/main">
+  <p:cSld>
+    <p:spTree>
+      <p:nvGrpSpPr>
+        <p:cNvPr id="1" name=""/>
+        <p:cNvGrpSpPr/>
+        <p:nvPr/>
+      </p:nvGrpSpPr>
+      <p:grpSpPr>
+        <a:xfrm>
+          <a:off x="0" y="0"/>
+          <a:ext cx="0" cy="0"/>
+          <a:chOff x="0" y="0"/>
+          <a:chExt cx="0" cy="0"/>
+        </a:xfrm>
+      </p:grpSpPr>
+      <p:sp>
+        <p:nvSpPr>
+          <p:cNvPr id="2" name="Title 1"/>
+          <p:cNvSpPr>
+            <a:spLocks noGrp="1"/>
+          </p:cNvSpPr>
+          <p:nvPr>
+            <p:ph type="title"/>
+          </p:nvPr>
+        </p:nvSpPr>
+        <p:spPr/>
+        <p:txBody>
+          <a:bodyPr/>
+          <a:lstStyle/>
+          <a:p>
+            <a:r>
+              <a:rPr lang="en-US" dirty="0" smtClean="0"/>
+              <a:t>Table of Contents</a:t>
+            </a:r>
+            <a:endParaRPr lang="en-US" dirty="0"/>
+          </a:p>
+        </p:txBody>
+      </p:sp>
+      <p:sp>
+        <p:nvSpPr>
+          <p:cNvPr id="3" name="Content Placeholder 2"/>
+          <p:cNvSpPr>
+            <a:spLocks noGrp="1"/>
+          </p:cNvSpPr>
+          <p:nvPr>
+            <p:ph idx="1"/>
+          </p:nvPr>
+        </p:nvSpPr>
+        <p:spPr/>
+        <p:txBody>
+          <a:bodyPr/>
+          <a:lstStyle/>
+          <a:p>
+            <a:r>
+              <a:rPr lang="en-US" dirty="0" smtClean="0"/>
+              <a:t>Map</a:t>
+            </a:r>
+          </a:p>
+          <a:p>
+            <a:r>
+              <a:rPr lang="en-US" dirty="0" smtClean="0"/>
+              <a:t>Scaled Vector Addition (SAXPY) Example</a:t>
+            </a:r>
+          </a:p>
+          <a:p>
+            <a:pPr lvl="1"/>
+            <a:r>
+              <a:rPr lang="en-US" dirty="0" smtClean="0"/>
+              <a:t>Problem Description</a:t>
+            </a:r>
+          </a:p>
+          <a:p>
+            <a:pPr lvl="1"/>
+            <a:r>
+              <a:rPr lang="en-US" dirty="0" smtClean="0"/>
+              <a:t>SAXPY Implementations</a:t>
+            </a:r>
+          </a:p>
+          <a:p>
+            <a:r>
+              <a:rPr lang="en-US" dirty="0" smtClean="0"/>
+              <a:t>Optimizations</a:t>
+            </a:r>
+          </a:p>
+          <a:p>
+            <a:pPr lvl="1"/>
+            <a:r>
+              <a:rPr lang="en-US" dirty="0" smtClean="0">
+                <a:solidFill>
+                  <a:srgbClr val="FF0000"/>
+                </a:solidFill>
+              </a:rPr>
+              <a:t>Sequences of Maps</a:t>
+            </a:r>
+          </a:p>
+          <a:p>
+            <a:pPr lvl="1"/>
+            <a:r>
+              <a:rPr lang="en-US" dirty="0" smtClean="0"/>
+              <a:t>Code Fusion</a:t>
+            </a:r>
+          </a:p>
+          <a:p>
+            <a:pPr lvl="1"/>
+            <a:r>
+              <a:rPr lang="en-US" dirty="0" smtClean="0"/>
+              <a:t>Cache Fusion</a:t>
+            </a:r>
+          </a:p>
+          <a:p>
+            <a:r>
+              <a:rPr lang="en-US" dirty="0" smtClean="0"/>
+              <a:t>Related Patterns</a:t>
+            </a:r>
+            <a:endParaRPr lang="en-US" dirty="0"/>
+          </a:p>
+        </p:txBody>
+      </p:sp>
+      <p:sp>
+        <p:nvSpPr>
+          <p:cNvPr id="4" name="Footer Placeholder 3"/>
+          <p:cNvSpPr>
+            <a:spLocks noGrp="1"/>
+          </p:cNvSpPr>
+          <p:nvPr>
+            <p:ph type="ftr" sz="quarter" idx="11"/>
+          </p:nvPr>
+        </p:nvSpPr>
+        <p:spPr/>
+        <p:txBody>
+          <a:bodyPr/>
+          <a:lstStyle/>
+          <a:p>
+            <a:pPr>
+              <a:defRPr/>
+            </a:pPr>
+            <a:r>
+              <a:rPr lang="en-US" smtClean="0"/>
+              <a:t>CIS 410/510: Parallel Computing, University of Oregon, Spring 2014</a:t>
+            </a:r>
+            <a:endParaRPr lang="en-US" dirty="0"/>
+          </a:p>
+        </p:txBody>
+      </p:sp>
+      <p:sp>
+        <p:nvSpPr>
+          <p:cNvPr id="5" name="Slide Number Placeholder 4"/>
+          <p:cNvSpPr>
+            <a:spLocks noGrp="1"/>
+          </p:cNvSpPr>
+          <p:nvPr>
+            <p:ph type="sldNum" sz="quarter" idx="12"/>
+          </p:nvPr>
+        </p:nvSpPr>
+        <p:spPr/>
+        <p:txBody>
+          <a:bodyPr/>
+          <a:lstStyle/>
+          <a:p>
+            <a:pPr>
+              <a:defRPr/>
+            </a:pPr>
+            <a:fld id="{F2F21A90-E327-C84D-81B5-071D4C5C9FC6}" type="slidenum">
+              <a:rPr lang="en-US" smtClean="0"/>
+              <a:pPr>
+                <a:defRPr/>
+              </a:pPr>
+              <a:t>23</a:t>
+            </a:fld>
+            <a:endParaRPr lang="en-US"/>
+          </a:p>
+        </p:txBody>
+      </p:sp>
+    </p:spTree>
+    <p:extLst>
+      <p:ext uri="{BB962C8B-B14F-4D97-AF65-F5344CB8AC3E}">
+        <p14:creationId xmlns:p14="http://schemas.microsoft.com/office/powerpoint/2010/main" val="880862496"/>
+      </p:ext>
+    </p:extLst>
+  </p:cSld>
+  <p:clrMapOvr>
+    <a:masterClrMapping/>
+  </p:clrMapOvr>
+</p:sld>
+</file>
+
+<file path=ppt/slides/slide24.xml><?xml version="1.0" encoding="utf-8"?>
+<p:sld xmlns:a="http://schemas.openxmlformats.org/drawingml/2006/main" xmlns:r="http://schemas.openxmlformats.org/officeDocument/2006/relationships" xmlns:p="http://schemas.openxmlformats.org/presentationml/2006/main">
+  <p:cSld>
+    <p:spTree>
+      <p:nvGrpSpPr>
+        <p:cNvPr id="1" name=""/>
+        <p:cNvGrpSpPr/>
+        <p:nvPr/>
+      </p:nvGrpSpPr>
+      <p:grpSpPr>
+        <a:xfrm>
+          <a:off x="0" y="0"/>
+          <a:ext cx="0" cy="0"/>
+          <a:chOff x="0" y="0"/>
+          <a:chExt cx="0" cy="0"/>
+        </a:xfrm>
+      </p:grpSpPr>
+      <p:sp>
+        <p:nvSpPr>
+          <p:cNvPr id="2" name="Title 1"/>
+          <p:cNvSpPr>
+            <a:spLocks noGrp="1"/>
+          </p:cNvSpPr>
+          <p:nvPr>
+            <p:ph type="title"/>
+          </p:nvPr>
+        </p:nvSpPr>
+        <p:spPr/>
+        <p:txBody>
+          <a:bodyPr/>
+          <a:lstStyle/>
+          <a:p>
+            <a:r>
+              <a:rPr lang="en-US" dirty="0" smtClean="0"/>
+              <a:t>Table of Contents</a:t>
+            </a:r>
+            <a:endParaRPr lang="en-US" dirty="0"/>
+          </a:p>
+        </p:txBody>
+      </p:sp>
+      <p:sp>
+        <p:nvSpPr>
+          <p:cNvPr id="3" name="Content Placeholder 2"/>
+          <p:cNvSpPr>
+            <a:spLocks noGrp="1"/>
+          </p:cNvSpPr>
+          <p:nvPr>
+            <p:ph idx="1"/>
+          </p:nvPr>
+        </p:nvSpPr>
+        <p:spPr/>
+        <p:txBody>
+          <a:bodyPr/>
+          <a:lstStyle/>
+          <a:p>
+            <a:r>
+              <a:rPr lang="en-US" dirty="0" smtClean="0"/>
+              <a:t>Map</a:t>
+            </a:r>
+          </a:p>
+          <a:p>
+            <a:r>
+              <a:rPr lang="en-US" dirty="0" smtClean="0"/>
+              <a:t>Scaled Vector Addition (SAXPY) Example</a:t>
+            </a:r>
+          </a:p>
+          <a:p>
+            <a:pPr lvl="1"/>
+            <a:r>
+              <a:rPr lang="en-US" dirty="0" smtClean="0"/>
+              <a:t>Problem Description</a:t>
+            </a:r>
+          </a:p>
+          <a:p>
+            <a:pPr lvl="1"/>
+            <a:r>
+              <a:rPr lang="en-US" dirty="0" smtClean="0"/>
+              <a:t>SAXPY Implementations</a:t>
+            </a:r>
+          </a:p>
+          <a:p>
+            <a:r>
+              <a:rPr lang="en-US" dirty="0" smtClean="0"/>
+              <a:t>Optimizations</a:t>
+            </a:r>
+          </a:p>
+          <a:p>
+            <a:pPr lvl="1"/>
+            <a:r>
+              <a:rPr lang="en-US" dirty="0" smtClean="0"/>
+              <a:t>Sequences of Maps</a:t>
+            </a:r>
+          </a:p>
+          <a:p>
+            <a:pPr lvl="1"/>
+            <a:r>
+              <a:rPr lang="en-US" dirty="0" smtClean="0">
+                <a:solidFill>
+                  <a:srgbClr val="FF0000"/>
+                </a:solidFill>
+              </a:rPr>
+              <a:t>Code Fusion</a:t>
+            </a:r>
+          </a:p>
+          <a:p>
+            <a:pPr lvl="1"/>
+            <a:r>
+              <a:rPr lang="en-US" dirty="0" smtClean="0"/>
+              <a:t>Cache Fusion</a:t>
+            </a:r>
+          </a:p>
+          <a:p>
+            <a:r>
+              <a:rPr lang="en-US" dirty="0" smtClean="0"/>
+              <a:t>Related Patterns</a:t>
+            </a:r>
+            <a:endParaRPr lang="en-US" dirty="0"/>
+          </a:p>
+        </p:txBody>
+      </p:sp>
+      <p:sp>
+        <p:nvSpPr>
+          <p:cNvPr id="4" name="Footer Placeholder 3"/>
+          <p:cNvSpPr>
+            <a:spLocks noGrp="1"/>
+          </p:cNvSpPr>
+          <p:nvPr>
+            <p:ph type="ftr" sz="quarter" idx="11"/>
+          </p:nvPr>
+        </p:nvSpPr>
+        <p:spPr/>
+        <p:txBody>
+          <a:bodyPr/>
+          <a:lstStyle/>
+          <a:p>
+            <a:pPr>
+              <a:defRPr/>
+            </a:pPr>
+            <a:r>
+              <a:rPr lang="en-US" smtClean="0"/>
+              <a:t>CIS 410/510: Parallel Computing, University of Oregon, Spring 2014</a:t>
+            </a:r>
+            <a:endParaRPr lang="en-US" dirty="0"/>
+          </a:p>
+        </p:txBody>
+      </p:sp>
+      <p:sp>
+        <p:nvSpPr>
+          <p:cNvPr id="5" name="Slide Number Placeholder 4"/>
+          <p:cNvSpPr>
+            <a:spLocks noGrp="1"/>
+          </p:cNvSpPr>
+          <p:nvPr>
+            <p:ph type="sldNum" sz="quarter" idx="12"/>
+          </p:nvPr>
+        </p:nvSpPr>
+        <p:spPr/>
+        <p:txBody>
+          <a:bodyPr/>
+          <a:lstStyle/>
+          <a:p>
+            <a:pPr>
+              <a:defRPr/>
+            </a:pPr>
+            <a:fld id="{F2F21A90-E327-C84D-81B5-071D4C5C9FC6}" type="slidenum">
+              <a:rPr lang="en-US" smtClean="0"/>
+              <a:pPr>
+                <a:defRPr/>
+              </a:pPr>
+              <a:t>24</a:t>
+            </a:fld>
+            <a:endParaRPr lang="en-US"/>
+          </a:p>
+        </p:txBody>
+      </p:sp>
+    </p:spTree>
+    <p:extLst>
+      <p:ext uri="{BB962C8B-B14F-4D97-AF65-F5344CB8AC3E}">
+        <p14:creationId xmlns:p14="http://schemas.microsoft.com/office/powerpoint/2010/main" val="880862496"/>
+      </p:ext>
+    </p:extLst>
+  </p:cSld>
+  <p:clrMapOvr>
+    <a:masterClrMapping/>
+  </p:clrMapOvr>
+</p:sld>
+</file>
+
+<file path=ppt/slides/slide25.xml><?xml version="1.0" encoding="utf-8"?>
+<p:sld xmlns:a="http://schemas.openxmlformats.org/drawingml/2006/main" xmlns:r="http://schemas.openxmlformats.org/officeDocument/2006/relationships" xmlns:p="http://schemas.openxmlformats.org/presentationml/2006/main">
+  <p:cSld>
+    <p:spTree>
+      <p:nvGrpSpPr>
+        <p:cNvPr id="1" name=""/>
+        <p:cNvGrpSpPr/>
+        <p:nvPr/>
+      </p:nvGrpSpPr>
+      <p:grpSpPr>
+        <a:xfrm>
+          <a:off x="0" y="0"/>
+          <a:ext cx="0" cy="0"/>
+          <a:chOff x="0" y="0"/>
+          <a:chExt cx="0" cy="0"/>
+        </a:xfrm>
+      </p:grpSpPr>
+      <p:sp>
+        <p:nvSpPr>
+          <p:cNvPr id="2" name="Title 1"/>
+          <p:cNvSpPr>
+            <a:spLocks noGrp="1"/>
+          </p:cNvSpPr>
+          <p:nvPr>
+            <p:ph type="title"/>
+          </p:nvPr>
+        </p:nvSpPr>
+        <p:spPr/>
+        <p:txBody>
+          <a:bodyPr/>
+          <a:lstStyle/>
+          <a:p>
+            <a:r>
+              <a:rPr lang="en-US" dirty="0" smtClean="0"/>
+              <a:t>Table of Contents</a:t>
+            </a:r>
+            <a:endParaRPr lang="en-US" dirty="0"/>
+          </a:p>
+        </p:txBody>
+      </p:sp>
+      <p:sp>
+        <p:nvSpPr>
+          <p:cNvPr id="3" name="Content Placeholder 2"/>
+          <p:cNvSpPr>
+            <a:spLocks noGrp="1"/>
+          </p:cNvSpPr>
+          <p:nvPr>
+            <p:ph idx="1"/>
+          </p:nvPr>
+        </p:nvSpPr>
+        <p:spPr/>
+        <p:txBody>
+          <a:bodyPr/>
+          <a:lstStyle/>
+          <a:p>
+            <a:r>
+              <a:rPr lang="en-US" dirty="0" smtClean="0"/>
+              <a:t>Map</a:t>
+            </a:r>
+          </a:p>
+          <a:p>
+            <a:r>
+              <a:rPr lang="en-US" dirty="0" smtClean="0"/>
+              <a:t>Scaled Vector Addition (SAXPY) Example</a:t>
+            </a:r>
+          </a:p>
+          <a:p>
+            <a:pPr lvl="1"/>
+            <a:r>
+              <a:rPr lang="en-US" dirty="0" smtClean="0"/>
+              <a:t>Problem Description</a:t>
+            </a:r>
+          </a:p>
+          <a:p>
+            <a:pPr lvl="1"/>
+            <a:r>
+              <a:rPr lang="en-US" dirty="0" smtClean="0"/>
+              <a:t>SAXPY Implementations</a:t>
+            </a:r>
+          </a:p>
+          <a:p>
+            <a:r>
+              <a:rPr lang="en-US" dirty="0" smtClean="0"/>
+              <a:t>Optimizations</a:t>
+            </a:r>
+          </a:p>
+          <a:p>
+            <a:pPr lvl="1"/>
+            <a:r>
+              <a:rPr lang="en-US" dirty="0" smtClean="0"/>
+              <a:t>Sequences of Maps</a:t>
+            </a:r>
+          </a:p>
+          <a:p>
+            <a:pPr lvl="1"/>
+            <a:r>
+              <a:rPr lang="en-US" dirty="0" smtClean="0"/>
+              <a:t>Code Fusion</a:t>
+            </a:r>
+          </a:p>
+          <a:p>
+            <a:pPr lvl="1"/>
+            <a:r>
+              <a:rPr lang="en-US" dirty="0" smtClean="0">
+                <a:solidFill>
+                  <a:srgbClr val="FF0000"/>
+                </a:solidFill>
+              </a:rPr>
+              <a:t>Cache Fusion</a:t>
+            </a:r>
+          </a:p>
+          <a:p>
+            <a:r>
+              <a:rPr lang="en-US" dirty="0" smtClean="0"/>
+              <a:t>Related Patterns</a:t>
+            </a:r>
+            <a:endParaRPr lang="en-US" dirty="0"/>
+          </a:p>
+        </p:txBody>
+      </p:sp>
+      <p:sp>
+        <p:nvSpPr>
+          <p:cNvPr id="4" name="Footer Placeholder 3"/>
+          <p:cNvSpPr>
+            <a:spLocks noGrp="1"/>
+          </p:cNvSpPr>
+          <p:nvPr>
+            <p:ph type="ftr" sz="quarter" idx="11"/>
+          </p:nvPr>
+        </p:nvSpPr>
+        <p:spPr/>
+        <p:txBody>
+          <a:bodyPr/>
+          <a:lstStyle/>
+          <a:p>
+            <a:pPr>
+              <a:defRPr/>
+            </a:pPr>
+            <a:r>
+              <a:rPr lang="en-US" smtClean="0"/>
+              <a:t>CIS 410/510: Parallel Computing, University of Oregon, Spring 2014</a:t>
+            </a:r>
+            <a:endParaRPr lang="en-US" dirty="0"/>
+          </a:p>
+        </p:txBody>
+      </p:sp>
+      <p:sp>
+        <p:nvSpPr>
+          <p:cNvPr id="5" name="Slide Number Placeholder 4"/>
+          <p:cNvSpPr>
+            <a:spLocks noGrp="1"/>
+          </p:cNvSpPr>
+          <p:nvPr>
+            <p:ph type="sldNum" sz="quarter" idx="12"/>
+          </p:nvPr>
+        </p:nvSpPr>
+        <p:spPr/>
+        <p:txBody>
+          <a:bodyPr/>
+          <a:lstStyle/>
+          <a:p>
+            <a:pPr>
+              <a:defRPr/>
+            </a:pPr>
+            <a:fld id="{F2F21A90-E327-C84D-81B5-071D4C5C9FC6}" type="slidenum">
+              <a:rPr lang="en-US" smtClean="0"/>
+              <a:pPr>
+                <a:defRPr/>
+              </a:pPr>
+              <a:t>25</a:t>
+            </a:fld>
+            <a:endParaRPr lang="en-US"/>
+          </a:p>
+        </p:txBody>
+      </p:sp>
+    </p:spTree>
+    <p:extLst>
+      <p:ext uri="{BB962C8B-B14F-4D97-AF65-F5344CB8AC3E}">
+        <p14:creationId xmlns:p14="http://schemas.microsoft.com/office/powerpoint/2010/main" val="19100747"/>
+      </p:ext>
+    </p:extLst>
+  </p:cSld>
+  <p:clrMapOvr>
+    <a:masterClrMapping/>
+  </p:clrMapOvr>
+</p:sld>
+</file>
+
+<file path=ppt/slides/slide26.xml><?xml version="1.0" encoding="utf-8"?>
+<p:sld xmlns:a="http://schemas.openxmlformats.org/drawingml/2006/main" xmlns:r="http://schemas.openxmlformats.org/officeDocument/2006/relationships" xmlns:p="http://schemas.openxmlformats.org/presentationml/2006/main">
+  <p:cSld>
+    <p:spTree>
+      <p:nvGrpSpPr>
+        <p:cNvPr id="1" name=""/>
+        <p:cNvGrpSpPr/>
+        <p:nvPr/>
+      </p:nvGrpSpPr>
+      <p:grpSpPr>
+        <a:xfrm>
+          <a:off x="0" y="0"/>
+          <a:ext cx="0" cy="0"/>
+          <a:chOff x="0" y="0"/>
+          <a:chExt cx="0" cy="0"/>
+        </a:xfrm>
+      </p:grpSpPr>
+      <p:sp>
+        <p:nvSpPr>
+          <p:cNvPr id="2" name="Title 1"/>
+          <p:cNvSpPr>
+            <a:spLocks noGrp="1"/>
+          </p:cNvSpPr>
+          <p:nvPr>
+            <p:ph type="title"/>
+          </p:nvPr>
+        </p:nvSpPr>
+        <p:spPr/>
+        <p:txBody>
+          <a:bodyPr/>
+          <a:lstStyle/>
+          <a:p>
+            <a:r>
+              <a:rPr lang="en-US" dirty="0" smtClean="0"/>
+              <a:t>Table of Contents</a:t>
+            </a:r>
+            <a:endParaRPr lang="en-US" dirty="0"/>
+          </a:p>
+        </p:txBody>
+      </p:sp>
+      <p:sp>
+        <p:nvSpPr>
+          <p:cNvPr id="3" name="Content Placeholder 2"/>
+          <p:cNvSpPr>
+            <a:spLocks noGrp="1"/>
+          </p:cNvSpPr>
+          <p:nvPr>
+            <p:ph idx="1"/>
+          </p:nvPr>
+        </p:nvSpPr>
+        <p:spPr/>
+        <p:txBody>
+          <a:bodyPr/>
+          <a:lstStyle/>
+          <a:p>
+            <a:r>
+              <a:rPr lang="en-US" dirty="0" smtClean="0"/>
+              <a:t>Map</a:t>
+            </a:r>
+          </a:p>
+          <a:p>
+            <a:r>
+              <a:rPr lang="en-US" dirty="0" smtClean="0"/>
+              <a:t>Scaled Vector Addition (SAXPY) Example</a:t>
+            </a:r>
+          </a:p>
+          <a:p>
+            <a:pPr lvl="1"/>
+            <a:r>
+              <a:rPr lang="en-US" dirty="0" smtClean="0"/>
+              <a:t>Problem Description</a:t>
+            </a:r>
+          </a:p>
+          <a:p>
+            <a:pPr lvl="1"/>
+            <a:r>
+              <a:rPr lang="en-US" dirty="0" smtClean="0"/>
+              <a:t>SAXPY Implementations</a:t>
+            </a:r>
+          </a:p>
+          <a:p>
+            <a:r>
+              <a:rPr lang="en-US" dirty="0" smtClean="0"/>
+              <a:t>Optimizations</a:t>
+            </a:r>
+          </a:p>
+          <a:p>
+            <a:pPr lvl="1"/>
+            <a:r>
+              <a:rPr lang="en-US" dirty="0" smtClean="0"/>
+              <a:t>Sequences of Maps</a:t>
+            </a:r>
+          </a:p>
+          <a:p>
+            <a:pPr lvl="1"/>
+            <a:r>
+              <a:rPr lang="en-US" dirty="0" smtClean="0"/>
+              <a:t>Code Fusion</a:t>
+            </a:r>
+          </a:p>
+          <a:p>
+            <a:pPr lvl="1"/>
+            <a:r>
+              <a:rPr lang="en-US" dirty="0" smtClean="0"/>
+              <a:t>Cache Fusion</a:t>
+            </a:r>
+          </a:p>
+          <a:p>
+            <a:r>
+              <a:rPr lang="en-US" dirty="0" smtClean="0">
+                <a:solidFill>
+                  <a:srgbClr val="FF0000"/>
+                </a:solidFill>
+              </a:rPr>
+              <a:t>Related Patterns</a:t>
+            </a:r>
+            <a:endParaRPr lang="en-US" dirty="0">
+              <a:solidFill>
+                <a:srgbClr val="FF0000"/>
+              </a:solidFill>
+            </a:endParaRPr>
+          </a:p>
+        </p:txBody>
+      </p:sp>
+      <p:sp>
+        <p:nvSpPr>
+          <p:cNvPr id="4" name="Footer Placeholder 3"/>
+          <p:cNvSpPr>
+            <a:spLocks noGrp="1"/>
+          </p:cNvSpPr>
+          <p:nvPr>
+            <p:ph type="ftr" sz="quarter" idx="11"/>
+          </p:nvPr>
+        </p:nvSpPr>
+        <p:spPr/>
+        <p:txBody>
+          <a:bodyPr/>
+          <a:lstStyle/>
+          <a:p>
+            <a:pPr>
+              <a:defRPr/>
+            </a:pPr>
+            <a:r>
+              <a:rPr lang="en-US" smtClean="0"/>
+              <a:t>CIS 410/510: Parallel Computing, University of Oregon, Spring 2014</a:t>
+            </a:r>
+            <a:endParaRPr lang="en-US" dirty="0"/>
+          </a:p>
+        </p:txBody>
+      </p:sp>
+      <p:sp>
+        <p:nvSpPr>
+          <p:cNvPr id="5" name="Slide Number Placeholder 4"/>
+          <p:cNvSpPr>
+            <a:spLocks noGrp="1"/>
+          </p:cNvSpPr>
+          <p:nvPr>
+            <p:ph type="sldNum" sz="quarter" idx="12"/>
+          </p:nvPr>
+        </p:nvSpPr>
+        <p:spPr/>
+        <p:txBody>
+          <a:bodyPr/>
+          <a:lstStyle/>
+          <a:p>
+            <a:pPr>
+              <a:defRPr/>
+            </a:pPr>
+            <a:fld id="{F2F21A90-E327-C84D-81B5-071D4C5C9FC6}" type="slidenum">
+              <a:rPr lang="en-US" smtClean="0"/>
+              <a:pPr>
+                <a:defRPr/>
+              </a:pPr>
+              <a:t>26</a:t>
+            </a:fld>
+            <a:endParaRPr lang="en-US"/>
+          </a:p>
+        </p:txBody>
+      </p:sp>
+    </p:spTree>
+    <p:extLst>
+      <p:ext uri="{BB962C8B-B14F-4D97-AF65-F5344CB8AC3E}">
+        <p14:creationId xmlns:p14="http://schemas.microsoft.com/office/powerpoint/2010/main" val="19100747"/>
+      </p:ext>
+    </p:extLst>
+  </p:cSld>
+  <p:clrMapOvr>
+    <a:masterClrMapping/>
+  </p:clrMapOvr>
+</p:sld>
+</file>
+
+<file path=ppt/slides/slide27.xml><?xml version="1.0" encoding="utf-8"?>
+<p:sld xmlns:a="http://schemas.openxmlformats.org/drawingml/2006/main" xmlns:r="http://schemas.openxmlformats.org/officeDocument/2006/relationships" xmlns:p="http://schemas.openxmlformats.org/presentationml/2006/main">
+  <p:cSld>
+    <p:spTree>
+      <p:nvGrpSpPr>
+        <p:cNvPr id="1" name=""/>
+        <p:cNvGrpSpPr/>
+        <p:nvPr/>
+      </p:nvGrpSpPr>
+      <p:grpSpPr>
+        <a:xfrm>
+          <a:off x="0" y="0"/>
+          <a:ext cx="0" cy="0"/>
+          <a:chOff x="0" y="0"/>
+          <a:chExt cx="0" cy="0"/>
+        </a:xfrm>
+      </p:grpSpPr>
+      <p:sp>
+        <p:nvSpPr>
+          <p:cNvPr id="2" name="Title 1"/>
+          <p:cNvSpPr>
+            <a:spLocks noGrp="1"/>
+          </p:cNvSpPr>
+          <p:nvPr>
+            <p:ph type="title"/>
+          </p:nvPr>
+        </p:nvSpPr>
+        <p:spPr/>
+        <p:txBody>
+          <a:bodyPr/>
+          <a:lstStyle/>
+          <a:p>
+            <a:r>
+              <a:rPr lang="en-US" dirty="0" smtClean="0"/>
+              <a:t>Slide Title</a:t>
+            </a:r>
+            <a:endParaRPr lang="en-US" dirty="0"/>
+          </a:p>
+        </p:txBody>
+      </p:sp>
+      <p:sp>
+        <p:nvSpPr>
+          <p:cNvPr id="3" name="Content Placeholder 2"/>
+          <p:cNvSpPr>
+            <a:spLocks noGrp="1"/>
+          </p:cNvSpPr>
+          <p:nvPr>
+            <p:ph idx="1"/>
+          </p:nvPr>
+        </p:nvSpPr>
+        <p:spPr/>
+        <p:txBody>
+          <a:bodyPr/>
+          <a:lstStyle/>
+          <a:p>
+            <a:r>
+              <a:rPr lang="en-US" dirty="0" smtClean="0"/>
+              <a:t>Click to </a:t>
+            </a:r>
+            <a:r>
+              <a:rPr lang="en-US" smtClean="0"/>
+              <a:t>add text</a:t>
+            </a:r>
+          </a:p>
+          <a:p>
+            <a:endParaRPr lang="en-US" smtClean="0"/>
+          </a:p>
+        </p:txBody>
+      </p:sp>
+      <p:sp>
+        <p:nvSpPr>
+          <p:cNvPr id="4" name="Footer Placeholder 3"/>
+          <p:cNvSpPr>
+            <a:spLocks noGrp="1"/>
+          </p:cNvSpPr>
+          <p:nvPr>
+            <p:ph type="ftr" sz="quarter" idx="11"/>
+          </p:nvPr>
+        </p:nvSpPr>
+        <p:spPr/>
+        <p:txBody>
+          <a:bodyPr/>
+          <a:lstStyle/>
+          <a:p>
+            <a:pPr>
+              <a:defRPr/>
+            </a:pPr>
+            <a:r>
+              <a:rPr lang="en-US" smtClean="0"/>
+              <a:t>CIS 410/510: Parallel Computing, University of Oregon, Spring 2014</a:t>
+            </a:r>
+            <a:endParaRPr lang="en-US" dirty="0"/>
+          </a:p>
+        </p:txBody>
+      </p:sp>
+      <p:sp>
+        <p:nvSpPr>
+          <p:cNvPr id="5" name="Slide Number Placeholder 4"/>
+          <p:cNvSpPr>
+            <a:spLocks noGrp="1"/>
+          </p:cNvSpPr>
+          <p:nvPr>
+            <p:ph type="sldNum" sz="quarter" idx="12"/>
+          </p:nvPr>
+        </p:nvSpPr>
+        <p:spPr/>
+        <p:txBody>
+          <a:bodyPr/>
+          <a:lstStyle/>
+          <a:p>
+            <a:pPr>
+              <a:defRPr/>
+            </a:pPr>
+            <a:fld id="{F2F21A90-E327-C84D-81B5-071D4C5C9FC6}" type="slidenum">
+              <a:rPr lang="en-US" smtClean="0"/>
+              <a:pPr>
+                <a:defRPr/>
+              </a:pPr>
+              <a:t>27</a:t>
+            </a:fld>
+            <a:endParaRPr lang="en-US"/>
+          </a:p>
+        </p:txBody>
+      </p:sp>
+    </p:spTree>
+    <p:extLst>
+      <p:ext uri="{BB962C8B-B14F-4D97-AF65-F5344CB8AC3E}">
+        <p14:creationId xmlns:p14="http://schemas.microsoft.com/office/powerpoint/2010/main" val="3847285198"/>
+      </p:ext>
+    </p:extLst>
+  </p:cSld>
+  <p:clrMapOvr>
+    <a:masterClrMapping/>
+  </p:clrMapOvr>
+</p:sld>
+</file>
+
+<file path=ppt/slides/slide28.xml><?xml version="1.0" encoding="utf-8"?>
+<p:sld xmlns:a="http://schemas.openxmlformats.org/drawingml/2006/main" xmlns:r="http://schemas.openxmlformats.org/officeDocument/2006/relationships" xmlns:p="http://schemas.openxmlformats.org/presentationml/2006/main">
+  <p:cSld>
+    <p:spTree>
+      <p:nvGrpSpPr>
+        <p:cNvPr id="1" name=""/>
+        <p:cNvGrpSpPr/>
+        <p:nvPr/>
+      </p:nvGrpSpPr>
+      <p:grpSpPr>
+        <a:xfrm>
+          <a:off x="0" y="0"/>
+          <a:ext cx="0" cy="0"/>
+          <a:chOff x="0" y="0"/>
+          <a:chExt cx="0" cy="0"/>
+        </a:xfrm>
+      </p:grpSpPr>
+      <p:sp>
+        <p:nvSpPr>
+          <p:cNvPr id="2" name="Title 1"/>
+          <p:cNvSpPr>
+            <a:spLocks noGrp="1"/>
+          </p:cNvSpPr>
+          <p:nvPr>
+            <p:ph type="title"/>
+          </p:nvPr>
+        </p:nvSpPr>
+        <p:spPr/>
+        <p:txBody>
+          <a:bodyPr/>
+          <a:lstStyle/>
+          <a:p>
+            <a:r>
+              <a:rPr lang="en-US" dirty="0" smtClean="0"/>
+              <a:t>Example Implementation</a:t>
+            </a:r>
+            <a:endParaRPr lang="en-US" dirty="0"/>
+          </a:p>
+        </p:txBody>
+      </p:sp>
+      <p:sp>
+        <p:nvSpPr>
+          <p:cNvPr id="3" name="Content Placeholder 2"/>
+          <p:cNvSpPr>
+            <a:spLocks noGrp="1"/>
+          </p:cNvSpPr>
+          <p:nvPr>
+            <p:ph idx="1"/>
+          </p:nvPr>
+        </p:nvSpPr>
+        <p:spPr/>
+        <p:txBody>
+          <a:bodyPr/>
+          <a:lstStyle/>
+          <a:p>
+            <a:endParaRPr lang="en-US"/>
+          </a:p>
+        </p:txBody>
+      </p:sp>
+      <p:sp>
+        <p:nvSpPr>
+          <p:cNvPr id="4" name="Footer Placeholder 3"/>
+          <p:cNvSpPr>
+            <a:spLocks noGrp="1"/>
+          </p:cNvSpPr>
+          <p:nvPr>
+            <p:ph type="ftr" sz="quarter" idx="11"/>
+          </p:nvPr>
+        </p:nvSpPr>
+        <p:spPr/>
+        <p:txBody>
+          <a:bodyPr/>
+          <a:lstStyle/>
+          <a:p>
+            <a:pPr>
+              <a:defRPr/>
+            </a:pPr>
+            <a:r>
+              <a:rPr lang="en-US" smtClean="0"/>
+              <a:t>CIS 410/510: Parallel Computing, University of Oregon, Spring 2014</a:t>
+            </a:r>
+            <a:endParaRPr lang="en-US" dirty="0"/>
+          </a:p>
+        </p:txBody>
+      </p:sp>
+      <p:sp>
+        <p:nvSpPr>
+          <p:cNvPr id="5" name="Slide Number Placeholder 4"/>
+          <p:cNvSpPr>
+            <a:spLocks noGrp="1"/>
+          </p:cNvSpPr>
+          <p:nvPr>
+            <p:ph type="sldNum" sz="quarter" idx="12"/>
+          </p:nvPr>
+        </p:nvSpPr>
+        <p:spPr/>
+        <p:txBody>
+          <a:bodyPr/>
+          <a:lstStyle/>
+          <a:p>
+            <a:pPr>
+              <a:defRPr/>
+            </a:pPr>
+            <a:fld id="{F2F21A90-E327-C84D-81B5-071D4C5C9FC6}" type="slidenum">
+              <a:rPr lang="en-US" smtClean="0"/>
+              <a:pPr>
+                <a:defRPr/>
+              </a:pPr>
+              <a:t>28</a:t>
+            </a:fld>
+            <a:endParaRPr lang="en-US"/>
+          </a:p>
+        </p:txBody>
+      </p:sp>
+    </p:spTree>
+    <p:extLst>
+      <p:ext uri="{BB962C8B-B14F-4D97-AF65-F5344CB8AC3E}">
+        <p14:creationId xmlns:p14="http://schemas.microsoft.com/office/powerpoint/2010/main" val="3264597891"/>
       </p:ext>
     </p:extLst>
   </p:cSld>
@@ -4515,7 +8868,7 @@
           <a:p>
             <a:r>
               <a:rPr lang="en-US" dirty="0" smtClean="0"/>
-              <a:t>Slide Title</a:t>
+              <a:t>Table of Contents</a:t>
             </a:r>
             <a:endParaRPr lang="en-US" dirty="0"/>
           </a:p>
@@ -4537,16 +8890,67 @@
           <a:lstStyle/>
           <a:p>
             <a:r>
-              <a:rPr lang="en-US" dirty="0" smtClean="0"/>
-              <a:t>Click to </a:t>
-            </a:r>
-            <a:r>
-              <a:rPr lang="en-US" smtClean="0"/>
-              <a:t>add text</a:t>
-            </a:r>
-          </a:p>
-          <a:p>
-            <a:endParaRPr lang="en-US" smtClean="0"/>
+              <a:rPr lang="en-US" dirty="0" smtClean="0">
+                <a:solidFill>
+                  <a:srgbClr val="FF0000"/>
+                </a:solidFill>
+              </a:rPr>
+              <a:t>Map</a:t>
+            </a:r>
+          </a:p>
+          <a:p>
+            <a:r>
+              <a:rPr lang="en-US" dirty="0" smtClean="0"/>
+              <a:t>Scaled Vector Addition (SAXPY) Example</a:t>
+            </a:r>
+          </a:p>
+          <a:p>
+            <a:pPr lvl="1"/>
+            <a:r>
+              <a:rPr lang="en-US" dirty="0" smtClean="0"/>
+              <a:t>Problem Description</a:t>
+            </a:r>
+          </a:p>
+          <a:p>
+            <a:pPr lvl="1"/>
+            <a:r>
+              <a:rPr lang="en-US" dirty="0" smtClean="0"/>
+              <a:t>SAXPY Implementations</a:t>
+            </a:r>
+          </a:p>
+          <a:p>
+            <a:r>
+              <a:rPr lang="en-US" dirty="0" smtClean="0"/>
+              <a:t>Optimizations</a:t>
+            </a:r>
+          </a:p>
+          <a:p>
+            <a:pPr lvl="1"/>
+            <a:r>
+              <a:rPr lang="en-US" dirty="0" smtClean="0"/>
+              <a:t>Sequences of Maps</a:t>
+            </a:r>
+          </a:p>
+          <a:p>
+            <a:pPr lvl="1"/>
+            <a:r>
+              <a:rPr lang="en-US" dirty="0" smtClean="0"/>
+              <a:t>Code Fusion</a:t>
+            </a:r>
+          </a:p>
+          <a:p>
+            <a:pPr lvl="1"/>
+            <a:r>
+              <a:rPr lang="en-US" dirty="0" smtClean="0"/>
+              <a:t>Cache Fusion</a:t>
+            </a:r>
+          </a:p>
+          <a:p>
+            <a:r>
+              <a:rPr lang="en-US" dirty="0" smtClean="0"/>
+              <a:t>Related Patterns</a:t>
+            </a:r>
+            <a:endParaRPr lang="en-US" dirty="0"/>
           </a:p>
         </p:txBody>
       </p:sp>
@@ -4608,7 +9012,7 @@
     </p:spTree>
     <p:extLst>
       <p:ext uri="{BB962C8B-B14F-4D97-AF65-F5344CB8AC3E}">
-        <p14:creationId xmlns:p14="http://schemas.microsoft.com/office/powerpoint/2010/main" val="2323269314"/>
+        <p14:creationId xmlns:p14="http://schemas.microsoft.com/office/powerpoint/2010/main" val="880862496"/>
       </p:ext>
     </p:extLst>
   </p:cSld>
@@ -4652,31 +9056,312 @@
           <a:p>
             <a:r>
               <a:rPr lang="en-US" dirty="0" smtClean="0"/>
-              <a:t>Example Implementation</a:t>
+              <a:t>Mapping</a:t>
             </a:r>
             <a:endParaRPr lang="en-US" dirty="0"/>
           </a:p>
         </p:txBody>
       </p:sp>
-      <p:sp>
-        <p:nvSpPr>
-          <p:cNvPr id="3" name="Content Placeholder 2"/>
-          <p:cNvSpPr>
-            <a:spLocks noGrp="1"/>
-          </p:cNvSpPr>
-          <p:nvPr>
-            <p:ph idx="1"/>
-          </p:nvPr>
-        </p:nvSpPr>
-        <p:spPr/>
-        <p:txBody>
-          <a:bodyPr/>
-          <a:lstStyle/>
-          <a:p>
-            <a:endParaRPr lang="en-US"/>
-          </a:p>
-        </p:txBody>
-      </p:sp>
+      <mc:AlternateContent xmlns:mc="http://schemas.openxmlformats.org/markup-compatibility/2006">
+        <mc:Choice xmlns:a14="http://schemas.microsoft.com/office/drawing/2010/main" Requires="a14">
+          <p:sp>
+            <p:nvSpPr>
+              <p:cNvPr id="3" name="Content Placeholder 2"/>
+              <p:cNvSpPr>
+                <a:spLocks noGrp="1"/>
+              </p:cNvSpPr>
+              <p:nvPr>
+                <p:ph idx="1"/>
+              </p:nvPr>
+            </p:nvSpPr>
+            <p:spPr/>
+            <p:txBody>
+              <a:bodyPr/>
+              <a:lstStyle/>
+              <a:p>
+                <a:r>
+                  <a:rPr lang="en-US" dirty="0" smtClean="0"/>
+                  <a:t>“Do the same thing many time”</a:t>
+                </a:r>
+              </a:p>
+              <a:p>
+                <a:r>
+                  <a:rPr lang="en-US" dirty="0" err="1" smtClean="0">
+                    <a:latin typeface="Courier New" panose="02070309020205020404" pitchFamily="49" charset="0"/>
+                    <a:cs typeface="Courier New" panose="02070309020205020404" pitchFamily="49" charset="0"/>
+                  </a:rPr>
+                  <a:t>foreach</a:t>
+                </a:r>
+                <a:r>
+                  <a:rPr lang="en-US" dirty="0" smtClean="0">
+                    <a:latin typeface="Courier New" panose="02070309020205020404" pitchFamily="49" charset="0"/>
+                    <a:cs typeface="Courier New" panose="02070309020205020404" pitchFamily="49" charset="0"/>
+                  </a:rPr>
+                  <a:t> foo in Foo:</a:t>
+                </a:r>
+              </a:p>
+              <a:p>
+                <a:pPr marL="457200" lvl="1" indent="0">
+                  <a:buNone/>
+                </a:pPr>
+                <a:r>
+                  <a:rPr lang="en-US" dirty="0">
+                    <a:latin typeface="Courier New" panose="02070309020205020404" pitchFamily="49" charset="0"/>
+                    <a:cs typeface="Courier New" panose="02070309020205020404" pitchFamily="49" charset="0"/>
+                  </a:rPr>
+                  <a:t>	</a:t>
+                </a:r>
+                <a:r>
+                  <a:rPr lang="en-US" dirty="0" smtClean="0">
+                    <a:latin typeface="Courier New" panose="02070309020205020404" pitchFamily="49" charset="0"/>
+                    <a:cs typeface="Courier New" panose="02070309020205020404" pitchFamily="49" charset="0"/>
+                  </a:rPr>
+                  <a:t>do something</a:t>
+                </a:r>
+                <a:endParaRPr lang="en-US" dirty="0">
+                  <a:latin typeface="Courier New" panose="02070309020205020404" pitchFamily="49" charset="0"/>
+                  <a:cs typeface="Courier New" panose="02070309020205020404" pitchFamily="49" charset="0"/>
+                </a:endParaRPr>
+              </a:p>
+              <a:p>
+                <a:r>
+                  <a:rPr lang="en-US" dirty="0" smtClean="0">
+                    <a:latin typeface="Times New Roman" panose="02020603050405020304" pitchFamily="18" charset="0"/>
+                    <a:cs typeface="Times New Roman" panose="02020603050405020304" pitchFamily="18" charset="0"/>
+                  </a:rPr>
+                  <a:t>Well known higher order function in languages like ML, Haskell, Scala</a:t>
+                </a:r>
+              </a:p>
+              <a:p>
+                <a:pPr marL="0" indent="0">
+                  <a:buNone/>
+                </a:pPr>
+                <a:endParaRPr lang="en-US" sz="1200" dirty="0" smtClean="0">
+                  <a:latin typeface="Times New Roman" panose="02020603050405020304" pitchFamily="18" charset="0"/>
+                  <a:cs typeface="Times New Roman" panose="02020603050405020304" pitchFamily="18" charset="0"/>
+                </a:endParaRPr>
+              </a:p>
+              <a:p>
+                <a:pPr marL="457200" lvl="1" indent="0">
+                  <a:buNone/>
+                </a:pPr>
+                <a14:m>
+                  <m:oMathPara xmlns:m="http://schemas.openxmlformats.org/officeDocument/2006/math">
+                    <m:oMathParaPr>
+                      <m:jc m:val="centerGroup"/>
+                    </m:oMathParaPr>
+                    <m:oMath xmlns:m="http://schemas.openxmlformats.org/officeDocument/2006/math">
+                      <m:r>
+                        <a:rPr lang="en-US" b="0" i="1" smtClean="0">
+                          <a:latin typeface="Cambria Math"/>
+                          <a:cs typeface="Times New Roman" panose="02020603050405020304" pitchFamily="18" charset="0"/>
+                        </a:rPr>
+                        <m:t>𝑚𝑎𝑝</m:t>
+                      </m:r>
+                      <m:r>
+                        <a:rPr lang="en-US" b="0" i="1" smtClean="0">
+                          <a:latin typeface="Cambria Math"/>
+                          <a:cs typeface="Times New Roman" panose="02020603050405020304" pitchFamily="18" charset="0"/>
+                        </a:rPr>
+                        <m:t> : ∀</m:t>
+                      </m:r>
+                      <m:r>
+                        <a:rPr lang="en-US" b="0" i="1" smtClean="0">
+                          <a:latin typeface="Cambria Math"/>
+                          <a:ea typeface="Cambria Math"/>
+                          <a:cs typeface="Times New Roman" panose="02020603050405020304" pitchFamily="18" charset="0"/>
+                        </a:rPr>
+                        <m:t>𝑎𝑏</m:t>
+                      </m:r>
+                      <m:r>
+                        <a:rPr lang="en-US" b="0" i="1" smtClean="0">
+                          <a:latin typeface="Cambria Math"/>
+                          <a:ea typeface="Cambria Math"/>
+                          <a:cs typeface="Times New Roman" panose="02020603050405020304" pitchFamily="18" charset="0"/>
+                        </a:rPr>
+                        <m:t>.</m:t>
+                      </m:r>
+                      <m:d>
+                        <m:dPr>
+                          <m:ctrlPr>
+                            <a:rPr lang="en-US" b="0" i="1" smtClean="0">
+                              <a:latin typeface="Cambria Math"/>
+                              <a:ea typeface="Cambria Math"/>
+                              <a:cs typeface="Times New Roman" panose="02020603050405020304" pitchFamily="18" charset="0"/>
+                            </a:rPr>
+                          </m:ctrlPr>
+                        </m:dPr>
+                        <m:e>
+                          <m:r>
+                            <a:rPr lang="en-US" b="0" i="1" smtClean="0">
+                              <a:latin typeface="Cambria Math"/>
+                              <a:ea typeface="Cambria Math"/>
+                              <a:cs typeface="Times New Roman" panose="02020603050405020304" pitchFamily="18" charset="0"/>
+                            </a:rPr>
+                            <m:t>𝑎</m:t>
+                          </m:r>
+                          <m:r>
+                            <a:rPr lang="en-US" b="0" i="1" smtClean="0">
+                              <a:latin typeface="Cambria Math"/>
+                              <a:ea typeface="Cambria Math"/>
+                              <a:cs typeface="Times New Roman" panose="02020603050405020304" pitchFamily="18" charset="0"/>
+                            </a:rPr>
+                            <m:t>→</m:t>
+                          </m:r>
+                          <m:r>
+                            <a:rPr lang="en-US" b="0" i="1" smtClean="0">
+                              <a:latin typeface="Cambria Math"/>
+                              <a:ea typeface="Cambria Math"/>
+                              <a:cs typeface="Times New Roman" panose="02020603050405020304" pitchFamily="18" charset="0"/>
+                            </a:rPr>
+                            <m:t>𝑏</m:t>
+                          </m:r>
+                        </m:e>
+                      </m:d>
+                      <m:r>
+                        <a:rPr lang="en-US" b="0" i="1" smtClean="0">
+                          <a:latin typeface="Cambria Math"/>
+                          <a:ea typeface="Cambria Math"/>
+                          <a:cs typeface="Times New Roman" panose="02020603050405020304" pitchFamily="18" charset="0"/>
+                        </a:rPr>
+                        <m:t>→</m:t>
+                      </m:r>
+                      <m:r>
+                        <a:rPr lang="en-US" b="0" i="1" smtClean="0">
+                          <a:latin typeface="Cambria Math"/>
+                          <a:ea typeface="Cambria Math"/>
+                          <a:cs typeface="Times New Roman" panose="02020603050405020304" pitchFamily="18" charset="0"/>
+                        </a:rPr>
+                        <m:t>𝐿𝑖𝑠𝑡</m:t>
+                      </m:r>
+                      <m:d>
+                        <m:dPr>
+                          <m:begChr m:val="⟨"/>
+                          <m:endChr m:val="⟩"/>
+                          <m:ctrlPr>
+                            <a:rPr lang="en-US" b="0" i="1" smtClean="0">
+                              <a:latin typeface="Cambria Math"/>
+                              <a:ea typeface="Cambria Math"/>
+                              <a:cs typeface="Times New Roman" panose="02020603050405020304" pitchFamily="18" charset="0"/>
+                            </a:rPr>
+                          </m:ctrlPr>
+                        </m:dPr>
+                        <m:e>
+                          <m:r>
+                            <a:rPr lang="en-US" b="0" i="1" smtClean="0">
+                              <a:latin typeface="Cambria Math"/>
+                              <a:ea typeface="Cambria Math"/>
+                              <a:cs typeface="Times New Roman" panose="02020603050405020304" pitchFamily="18" charset="0"/>
+                            </a:rPr>
+                            <m:t>𝑎</m:t>
+                          </m:r>
+                        </m:e>
+                      </m:d>
+                      <m:r>
+                        <a:rPr lang="en-US" i="1">
+                          <a:latin typeface="Cambria Math"/>
+                          <a:ea typeface="Cambria Math"/>
+                          <a:cs typeface="Times New Roman" panose="02020603050405020304" pitchFamily="18" charset="0"/>
+                        </a:rPr>
+                        <m:t>→</m:t>
+                      </m:r>
+                      <m:r>
+                        <a:rPr lang="en-US" i="1">
+                          <a:latin typeface="Cambria Math"/>
+                          <a:ea typeface="Cambria Math"/>
+                          <a:cs typeface="Times New Roman" panose="02020603050405020304" pitchFamily="18" charset="0"/>
+                        </a:rPr>
+                        <m:t>𝐿𝑖𝑠𝑡</m:t>
+                      </m:r>
+                      <m:d>
+                        <m:dPr>
+                          <m:begChr m:val="⟨"/>
+                          <m:endChr m:val="⟩"/>
+                          <m:ctrlPr>
+                            <a:rPr lang="en-US" i="1">
+                              <a:latin typeface="Cambria Math"/>
+                              <a:ea typeface="Cambria Math"/>
+                              <a:cs typeface="Times New Roman" panose="02020603050405020304" pitchFamily="18" charset="0"/>
+                            </a:rPr>
+                          </m:ctrlPr>
+                        </m:dPr>
+                        <m:e>
+                          <m:r>
+                            <a:rPr lang="en-US" b="0" i="1" smtClean="0">
+                              <a:latin typeface="Cambria Math"/>
+                              <a:ea typeface="Cambria Math"/>
+                              <a:cs typeface="Times New Roman" panose="02020603050405020304" pitchFamily="18" charset="0"/>
+                            </a:rPr>
+                            <m:t>𝑏</m:t>
+                          </m:r>
+                        </m:e>
+                      </m:d>
+                    </m:oMath>
+                  </m:oMathPara>
+                </a14:m>
+                <a:endParaRPr lang="en-US" dirty="0" smtClean="0">
+                  <a:latin typeface="Times New Roman" panose="02020603050405020304" pitchFamily="18" charset="0"/>
+                  <a:cs typeface="Times New Roman" panose="02020603050405020304" pitchFamily="18" charset="0"/>
+                </a:endParaRPr>
+              </a:p>
+              <a:p>
+                <a:pPr marL="457200" lvl="1" indent="0">
+                  <a:buNone/>
+                </a:pPr>
+                <a:endParaRPr lang="en-US" sz="1200" dirty="0" smtClean="0">
+                  <a:latin typeface="Times New Roman" panose="02020603050405020304" pitchFamily="18" charset="0"/>
+                  <a:cs typeface="Times New Roman" panose="02020603050405020304" pitchFamily="18" charset="0"/>
+                </a:endParaRPr>
+              </a:p>
+              <a:p>
+                <a:pPr marL="457200" lvl="1" indent="0">
+                  <a:buNone/>
+                </a:pPr>
+                <a:r>
+                  <a:rPr lang="en-US" dirty="0" smtClean="0">
+                    <a:latin typeface="Times New Roman" panose="02020603050405020304" pitchFamily="18" charset="0"/>
+                    <a:cs typeface="Times New Roman" panose="02020603050405020304" pitchFamily="18" charset="0"/>
+                  </a:rPr>
+                  <a:t>applies a function to each element in a list and returns a list of results</a:t>
+                </a:r>
+              </a:p>
+            </p:txBody>
+          </p:sp>
+        </mc:Choice>
+        <mc:Fallback>
+          <p:sp>
+            <p:nvSpPr>
+              <p:cNvPr id="3" name="Content Placeholder 2"/>
+              <p:cNvSpPr>
+                <a:spLocks noGrp="1" noRot="1" noChangeAspect="1" noMove="1" noResize="1" noEditPoints="1" noAdjustHandles="1" noChangeArrowheads="1" noChangeShapeType="1" noTextEdit="1"/>
+              </p:cNvSpPr>
+              <p:nvPr>
+                <p:ph idx="1"/>
+              </p:nvPr>
+            </p:nvSpPr>
+            <p:spPr>
+              <a:blipFill rotWithShape="1">
+                <a:blip r:embed="rId2"/>
+                <a:stretch>
+                  <a:fillRect l="-616" t="-1557" r="-2875"/>
+                </a:stretch>
+              </a:blipFill>
+            </p:spPr>
+            <p:txBody>
+              <a:bodyPr/>
+              <a:lstStyle/>
+              <a:p>
+                <a:r>
+                  <a:rPr lang="en-US">
+                    <a:noFill/>
+                  </a:rPr>
+                  <a:t> </a:t>
+                </a:r>
+              </a:p>
+            </p:txBody>
+          </p:sp>
+        </mc:Fallback>
+      </mc:AlternateContent>
       <p:sp>
         <p:nvSpPr>
           <p:cNvPr id="4" name="Footer Placeholder 3"/>
@@ -4735,13 +9420,1820 @@
     </p:spTree>
     <p:extLst>
       <p:ext uri="{BB962C8B-B14F-4D97-AF65-F5344CB8AC3E}">
-        <p14:creationId xmlns:p14="http://schemas.microsoft.com/office/powerpoint/2010/main" val="3264597891"/>
+        <p14:creationId xmlns:p14="http://schemas.microsoft.com/office/powerpoint/2010/main" val="2323269314"/>
       </p:ext>
     </p:extLst>
   </p:cSld>
   <p:clrMapOvr>
     <a:masterClrMapping/>
   </p:clrMapOvr>
+</p:sld>
+</file>
+
+<file path=ppt/slides/slide5.xml><?xml version="1.0" encoding="utf-8"?>
+<p:sld xmlns:a="http://schemas.openxmlformats.org/drawingml/2006/main" xmlns:r="http://schemas.openxmlformats.org/officeDocument/2006/relationships" xmlns:p="http://schemas.openxmlformats.org/presentationml/2006/main">
+  <p:cSld>
+    <p:spTree>
+      <p:nvGrpSpPr>
+        <p:cNvPr id="1" name=""/>
+        <p:cNvGrpSpPr/>
+        <p:nvPr/>
+      </p:nvGrpSpPr>
+      <p:grpSpPr>
+        <a:xfrm>
+          <a:off x="0" y="0"/>
+          <a:ext cx="0" cy="0"/>
+          <a:chOff x="0" y="0"/>
+          <a:chExt cx="0" cy="0"/>
+        </a:xfrm>
+      </p:grpSpPr>
+      <p:sp>
+        <p:nvSpPr>
+          <p:cNvPr id="2" name="Title 1"/>
+          <p:cNvSpPr>
+            <a:spLocks noGrp="1"/>
+          </p:cNvSpPr>
+          <p:nvPr>
+            <p:ph type="title"/>
+          </p:nvPr>
+        </p:nvSpPr>
+        <p:spPr/>
+        <p:txBody>
+          <a:bodyPr/>
+          <a:lstStyle/>
+          <a:p>
+            <a:r>
+              <a:rPr lang="en-US" dirty="0" smtClean="0"/>
+              <a:t>Example Maps</a:t>
+            </a:r>
+            <a:endParaRPr lang="en-US" dirty="0"/>
+          </a:p>
+        </p:txBody>
+      </p:sp>
+      <p:sp>
+        <p:nvSpPr>
+          <p:cNvPr id="3" name="Content Placeholder 2"/>
+          <p:cNvSpPr>
+            <a:spLocks noGrp="1"/>
+          </p:cNvSpPr>
+          <p:nvPr>
+            <p:ph idx="1"/>
+          </p:nvPr>
+        </p:nvSpPr>
+        <p:spPr>
+          <a:xfrm>
+            <a:off x="238125" y="896553"/>
+            <a:ext cx="8905875" cy="3065847"/>
+          </a:xfrm>
+        </p:spPr>
+        <p:txBody>
+          <a:bodyPr>
+            <a:normAutofit fontScale="92500" lnSpcReduction="20000"/>
+          </a:bodyPr>
+          <a:lstStyle/>
+          <a:p>
+            <a:r>
+              <a:rPr lang="en-US" dirty="0" smtClean="0">
+                <a:latin typeface="Times New Roman" panose="02020603050405020304" pitchFamily="18" charset="0"/>
+                <a:cs typeface="Times New Roman" panose="02020603050405020304" pitchFamily="18" charset="0"/>
+              </a:rPr>
+              <a:t>Add 1 to every item in an array</a:t>
+            </a:r>
+          </a:p>
+          <a:p>
+            <a:r>
+              <a:rPr lang="en-US" dirty="0" smtClean="0">
+                <a:latin typeface="Times New Roman" panose="02020603050405020304" pitchFamily="18" charset="0"/>
+                <a:cs typeface="Times New Roman" panose="02020603050405020304" pitchFamily="18" charset="0"/>
+              </a:rPr>
+              <a:t>Double every item in an array</a:t>
+            </a:r>
+          </a:p>
+          <a:p>
+            <a:r>
+              <a:rPr lang="en-US" dirty="0" smtClean="0">
+                <a:latin typeface="Times New Roman" panose="02020603050405020304" pitchFamily="18" charset="0"/>
+                <a:cs typeface="Times New Roman" panose="02020603050405020304" pitchFamily="18" charset="0"/>
+              </a:rPr>
+              <a:t>Convert a list of temperatures from Celsius to Fahrenheit</a:t>
+            </a:r>
+          </a:p>
+          <a:p>
+            <a:r>
+              <a:rPr lang="en-US" dirty="0" smtClean="0">
+                <a:latin typeface="Times New Roman" panose="02020603050405020304" pitchFamily="18" charset="0"/>
+                <a:cs typeface="Times New Roman" panose="02020603050405020304" pitchFamily="18" charset="0"/>
+              </a:rPr>
+              <a:t>3D animation: render each frame in a sequence</a:t>
+            </a:r>
+          </a:p>
+          <a:p>
+            <a:r>
+              <a:rPr lang="en-US" dirty="0" smtClean="0">
+                <a:latin typeface="Times New Roman" panose="02020603050405020304" pitchFamily="18" charset="0"/>
+                <a:cs typeface="Times New Roman" panose="02020603050405020304" pitchFamily="18" charset="0"/>
+              </a:rPr>
+              <a:t>For each point on the complex plane, compute if in Mandelbrot set</a:t>
+            </a:r>
+          </a:p>
+        </p:txBody>
+      </p:sp>
+      <p:sp>
+        <p:nvSpPr>
+          <p:cNvPr id="4" name="Footer Placeholder 3"/>
+          <p:cNvSpPr>
+            <a:spLocks noGrp="1"/>
+          </p:cNvSpPr>
+          <p:nvPr>
+            <p:ph type="ftr" sz="quarter" idx="11"/>
+          </p:nvPr>
+        </p:nvSpPr>
+        <p:spPr/>
+        <p:txBody>
+          <a:bodyPr/>
+          <a:lstStyle/>
+          <a:p>
+            <a:pPr>
+              <a:defRPr/>
+            </a:pPr>
+            <a:r>
+              <a:rPr lang="en-US" smtClean="0"/>
+              <a:t>CIS 410/510: Parallel Computing, University of Oregon, Spring 2014</a:t>
+            </a:r>
+            <a:endParaRPr lang="en-US" dirty="0"/>
+          </a:p>
+        </p:txBody>
+      </p:sp>
+      <p:sp>
+        <p:nvSpPr>
+          <p:cNvPr id="5" name="Slide Number Placeholder 4"/>
+          <p:cNvSpPr>
+            <a:spLocks noGrp="1"/>
+          </p:cNvSpPr>
+          <p:nvPr>
+            <p:ph type="sldNum" sz="quarter" idx="12"/>
+          </p:nvPr>
+        </p:nvSpPr>
+        <p:spPr/>
+        <p:txBody>
+          <a:bodyPr/>
+          <a:lstStyle/>
+          <a:p>
+            <a:pPr>
+              <a:defRPr/>
+            </a:pPr>
+            <a:fld id="{F2F21A90-E327-C84D-81B5-071D4C5C9FC6}" type="slidenum">
+              <a:rPr lang="en-US" smtClean="0"/>
+              <a:pPr>
+                <a:defRPr/>
+              </a:pPr>
+              <a:t>5</a:t>
+            </a:fld>
+            <a:endParaRPr lang="en-US"/>
+          </a:p>
+        </p:txBody>
+      </p:sp>
+      <p:pic>
+        <p:nvPicPr>
+          <p:cNvPr id="1026" name="Picture 2" descr="C:\Users\Brandon\Dropbox\mapPics\Mandelset_hires.png"/>
+          <p:cNvPicPr>
+            <a:picLocks noChangeAspect="1" noChangeArrowheads="1"/>
+          </p:cNvPicPr>
+          <p:nvPr/>
+        </p:nvPicPr>
+        <p:blipFill>
+          <a:blip r:embed="rId2">
+            <a:extLst>
+              <a:ext uri="{28A0092B-C50C-407E-A947-70E740481C1C}">
+                <a14:useLocalDpi xmlns:a14="http://schemas.microsoft.com/office/drawing/2010/main" val="0"/>
+              </a:ext>
+            </a:extLst>
+          </a:blip>
+          <a:srcRect/>
+          <a:stretch>
+            <a:fillRect/>
+          </a:stretch>
+        </p:blipFill>
+        <p:spPr bwMode="auto">
+          <a:xfrm>
+            <a:off x="5334000" y="3687704"/>
+            <a:ext cx="3469482" cy="2543471"/>
+          </a:xfrm>
+          <a:prstGeom prst="rect">
+            <a:avLst/>
+          </a:prstGeom>
+          <a:noFill/>
+          <a:extLst>
+            <a:ext uri="{909E8E84-426E-40DD-AFC4-6F175D3DCCD1}">
+              <a14:hiddenFill xmlns:a14="http://schemas.microsoft.com/office/drawing/2010/main">
+                <a:solidFill>
+                  <a:srgbClr val="FFFFFF"/>
+                </a:solidFill>
+              </a14:hiddenFill>
+            </a:ext>
+          </a:extLst>
+        </p:spPr>
+      </p:pic>
+      <p:grpSp>
+        <p:nvGrpSpPr>
+          <p:cNvPr id="14" name="Group 13"/>
+          <p:cNvGrpSpPr/>
+          <p:nvPr/>
+        </p:nvGrpSpPr>
+        <p:grpSpPr>
+          <a:xfrm>
+            <a:off x="1137643" y="4191000"/>
+            <a:ext cx="3438525" cy="1814451"/>
+            <a:chOff x="638175" y="4370606"/>
+            <a:chExt cx="2895600" cy="1383863"/>
+          </a:xfrm>
+        </p:grpSpPr>
+        <p:sp>
+          <p:nvSpPr>
+            <p:cNvPr id="13" name="Rounded Rectangle 12"/>
+            <p:cNvSpPr/>
+            <p:nvPr/>
+          </p:nvSpPr>
+          <p:spPr>
+            <a:xfrm>
+              <a:off x="638175" y="4370606"/>
+              <a:ext cx="2895600" cy="1383863"/>
+            </a:xfrm>
+            <a:prstGeom prst="roundRect">
+              <a:avLst/>
+            </a:prstGeom>
+            <a:solidFill>
+              <a:srgbClr val="27632E">
+                <a:alpha val="15000"/>
+              </a:srgbClr>
+            </a:solidFill>
+          </p:spPr>
+          <p:style>
+            <a:lnRef idx="1">
+              <a:schemeClr val="accent1"/>
+            </a:lnRef>
+            <a:fillRef idx="3">
+              <a:schemeClr val="accent1"/>
+            </a:fillRef>
+            <a:effectRef idx="2">
+              <a:schemeClr val="accent1"/>
+            </a:effectRef>
+            <a:fontRef idx="minor">
+              <a:schemeClr val="lt1"/>
+            </a:fontRef>
+          </p:style>
+          <p:txBody>
+            <a:bodyPr rtlCol="0" anchor="ctr"/>
+            <a:lstStyle/>
+            <a:p>
+              <a:pPr algn="ctr"/>
+              <a:endParaRPr lang="en-US"/>
+            </a:p>
+          </p:txBody>
+        </p:sp>
+        <mc:AlternateContent xmlns:mc="http://schemas.openxmlformats.org/markup-compatibility/2006">
+          <mc:Choice xmlns:a14="http://schemas.microsoft.com/office/drawing/2010/main" Requires="a14">
+            <p:sp>
+              <p:nvSpPr>
+                <p:cNvPr id="6" name="TextBox 5"/>
+                <p:cNvSpPr txBox="1"/>
+                <p:nvPr/>
+              </p:nvSpPr>
+              <p:spPr>
+                <a:xfrm>
+                  <a:off x="714375" y="4827807"/>
+                  <a:ext cx="2638426" cy="915479"/>
+                </a:xfrm>
+                <a:prstGeom prst="rect">
+                  <a:avLst/>
+                </a:prstGeom>
+                <a:noFill/>
+              </p:spPr>
+              <p:txBody>
+                <a:bodyPr wrap="square" rtlCol="0">
+                  <a:spAutoFit/>
+                </a:bodyPr>
+                <a:lstStyle/>
+                <a:p>
+                  <a:r>
+                    <a:rPr lang="en-US" sz="2400" dirty="0" smtClean="0"/>
+                    <a:t>Point </a:t>
+                  </a:r>
+                  <a:r>
+                    <a:rPr lang="en-US" sz="2400" i="1" dirty="0" smtClean="0"/>
+                    <a:t>c</a:t>
+                  </a:r>
+                  <a:r>
+                    <a:rPr lang="en-US" sz="2400" dirty="0" smtClean="0"/>
+                    <a:t> if the sequence </a:t>
+                  </a:r>
+                  <a14:m>
+                    <m:oMath xmlns:m="http://schemas.openxmlformats.org/officeDocument/2006/math">
+                      <m:sSub>
+                        <m:sSubPr>
+                          <m:ctrlPr>
+                            <a:rPr lang="en-US" sz="2400" i="1" smtClean="0">
+                              <a:latin typeface="Cambria Math"/>
+                            </a:rPr>
+                          </m:ctrlPr>
+                        </m:sSubPr>
+                        <m:e>
+                          <m:r>
+                            <a:rPr lang="en-US" sz="2400" b="0" i="1" smtClean="0">
+                              <a:latin typeface="Cambria Math"/>
+                            </a:rPr>
+                            <m:t>𝑧</m:t>
+                          </m:r>
+                        </m:e>
+                        <m:sub>
+                          <m:r>
+                            <a:rPr lang="en-US" sz="2400" b="0" i="1" smtClean="0">
+                              <a:latin typeface="Cambria Math"/>
+                            </a:rPr>
+                            <m:t>𝑛</m:t>
+                          </m:r>
+                          <m:r>
+                            <a:rPr lang="en-US" sz="2400" b="0" i="1" smtClean="0">
+                              <a:latin typeface="Cambria Math"/>
+                            </a:rPr>
+                            <m:t>+1</m:t>
+                          </m:r>
+                        </m:sub>
+                      </m:sSub>
+                      <m:r>
+                        <a:rPr lang="en-US" sz="2400" b="0" i="1" smtClean="0">
+                          <a:latin typeface="Cambria Math"/>
+                        </a:rPr>
+                        <m:t>= </m:t>
+                      </m:r>
+                      <m:sSubSup>
+                        <m:sSubSupPr>
+                          <m:ctrlPr>
+                            <a:rPr lang="en-US" sz="2400" b="0" i="1" smtClean="0">
+                              <a:latin typeface="Cambria Math"/>
+                            </a:rPr>
+                          </m:ctrlPr>
+                        </m:sSubSupPr>
+                        <m:e>
+                          <m:r>
+                            <a:rPr lang="en-US" sz="2400" b="0" i="1" smtClean="0">
+                              <a:latin typeface="Cambria Math"/>
+                            </a:rPr>
+                            <m:t>𝑧</m:t>
+                          </m:r>
+                        </m:e>
+                        <m:sub>
+                          <m:r>
+                            <a:rPr lang="en-US" sz="2400" b="0" i="1" smtClean="0">
+                              <a:latin typeface="Cambria Math"/>
+                            </a:rPr>
+                            <m:t>𝑛</m:t>
+                          </m:r>
+                        </m:sub>
+                        <m:sup>
+                          <m:r>
+                            <a:rPr lang="en-US" sz="2400" b="0" i="1" smtClean="0">
+                              <a:latin typeface="Cambria Math"/>
+                            </a:rPr>
+                            <m:t>2</m:t>
+                          </m:r>
+                        </m:sup>
+                      </m:sSubSup>
+                      <m:r>
+                        <a:rPr lang="en-US" sz="2400" b="0" i="1" smtClean="0">
+                          <a:latin typeface="Cambria Math"/>
+                        </a:rPr>
+                        <m:t>+</m:t>
+                      </m:r>
+                      <m:r>
+                        <a:rPr lang="en-US" sz="2400" b="0" i="1" smtClean="0">
+                          <a:latin typeface="Cambria Math"/>
+                        </a:rPr>
+                        <m:t>𝑐</m:t>
+                      </m:r>
+                    </m:oMath>
+                  </a14:m>
+                  <a:r>
+                    <a:rPr lang="en-US" sz="2400" dirty="0" smtClean="0"/>
+                    <a:t> starting at zero is bounded</a:t>
+                  </a:r>
+                  <a:endParaRPr lang="en-US" sz="2400" dirty="0"/>
+                </a:p>
+              </p:txBody>
+            </p:sp>
+          </mc:Choice>
+          <mc:Fallback>
+            <p:sp>
+              <p:nvSpPr>
+                <p:cNvPr id="6" name="TextBox 5"/>
+                <p:cNvSpPr txBox="1">
+                  <a:spLocks noRot="1" noChangeAspect="1" noMove="1" noResize="1" noEditPoints="1" noAdjustHandles="1" noChangeArrowheads="1" noChangeShapeType="1" noTextEdit="1"/>
+                </p:cNvSpPr>
+                <p:nvPr/>
+              </p:nvSpPr>
+              <p:spPr>
+                <a:xfrm>
+                  <a:off x="714375" y="4827807"/>
+                  <a:ext cx="2638426" cy="915479"/>
+                </a:xfrm>
+                <a:prstGeom prst="rect">
+                  <a:avLst/>
+                </a:prstGeom>
+                <a:blipFill rotWithShape="1">
+                  <a:blip r:embed="rId3"/>
+                  <a:stretch>
+                    <a:fillRect l="-2918" t="-4061" r="-3113" b="-10660"/>
+                  </a:stretch>
+                </a:blipFill>
+              </p:spPr>
+              <p:txBody>
+                <a:bodyPr/>
+                <a:lstStyle/>
+                <a:p>
+                  <a:r>
+                    <a:rPr lang="en-US">
+                      <a:noFill/>
+                    </a:rPr>
+                    <a:t> </a:t>
+                  </a:r>
+                </a:p>
+              </p:txBody>
+            </p:sp>
+          </mc:Fallback>
+        </mc:AlternateContent>
+      </p:grpSp>
+      <p:grpSp>
+        <p:nvGrpSpPr>
+          <p:cNvPr id="9" name="Group 8"/>
+          <p:cNvGrpSpPr/>
+          <p:nvPr/>
+        </p:nvGrpSpPr>
+        <p:grpSpPr>
+          <a:xfrm>
+            <a:off x="1137643" y="4191000"/>
+            <a:ext cx="4267200" cy="627461"/>
+            <a:chOff x="1676400" y="4038600"/>
+            <a:chExt cx="4267200" cy="499765"/>
+          </a:xfrm>
+        </p:grpSpPr>
+        <p:sp>
+          <p:nvSpPr>
+            <p:cNvPr id="8" name="Rounded Rectangle 7"/>
+            <p:cNvSpPr/>
+            <p:nvPr/>
+          </p:nvSpPr>
+          <p:spPr>
+            <a:xfrm>
+              <a:off x="1676400" y="4038600"/>
+              <a:ext cx="3438524" cy="457200"/>
+            </a:xfrm>
+            <a:prstGeom prst="roundRect">
+              <a:avLst/>
+            </a:prstGeom>
+            <a:solidFill>
+              <a:srgbClr val="27632E"/>
+            </a:solidFill>
+          </p:spPr>
+          <p:style>
+            <a:lnRef idx="1">
+              <a:schemeClr val="accent1"/>
+            </a:lnRef>
+            <a:fillRef idx="3">
+              <a:schemeClr val="accent1"/>
+            </a:fillRef>
+            <a:effectRef idx="2">
+              <a:schemeClr val="accent1"/>
+            </a:effectRef>
+            <a:fontRef idx="minor">
+              <a:schemeClr val="lt1"/>
+            </a:fontRef>
+          </p:style>
+          <p:txBody>
+            <a:bodyPr rtlCol="0" anchor="ctr"/>
+            <a:lstStyle/>
+            <a:p>
+              <a:pPr algn="ctr"/>
+              <a:endParaRPr lang="en-US"/>
+            </a:p>
+          </p:txBody>
+        </p:sp>
+        <p:sp>
+          <p:nvSpPr>
+            <p:cNvPr id="7" name="TextBox 6"/>
+            <p:cNvSpPr txBox="1"/>
+            <p:nvPr/>
+          </p:nvSpPr>
+          <p:spPr>
+            <a:xfrm>
+              <a:off x="1752600" y="4076700"/>
+              <a:ext cx="4191000" cy="461665"/>
+            </a:xfrm>
+            <a:prstGeom prst="rect">
+              <a:avLst/>
+            </a:prstGeom>
+            <a:noFill/>
+          </p:spPr>
+          <p:txBody>
+            <a:bodyPr wrap="square" rtlCol="0">
+              <a:spAutoFit/>
+            </a:bodyPr>
+            <a:lstStyle/>
+            <a:p>
+              <a:r>
+                <a:rPr lang="en-US" sz="2400" dirty="0" smtClean="0">
+                  <a:solidFill>
+                    <a:schemeClr val="bg1"/>
+                  </a:solidFill>
+                </a:rPr>
+                <a:t>Famous Fractal</a:t>
+              </a:r>
+              <a:endParaRPr lang="en-US" sz="2400" dirty="0">
+                <a:solidFill>
+                  <a:schemeClr val="bg1"/>
+                </a:solidFill>
+              </a:endParaRPr>
+            </a:p>
+          </p:txBody>
+        </p:sp>
+      </p:grpSp>
+    </p:spTree>
+    <p:extLst>
+      <p:ext uri="{BB962C8B-B14F-4D97-AF65-F5344CB8AC3E}">
+        <p14:creationId xmlns:p14="http://schemas.microsoft.com/office/powerpoint/2010/main" val="2129032534"/>
+      </p:ext>
+    </p:extLst>
+  </p:cSld>
+  <p:clrMapOvr>
+    <a:masterClrMapping/>
+  </p:clrMapOvr>
+  <p:timing>
+    <p:tnLst>
+      <p:par>
+        <p:cTn id="1" dur="indefinite" restart="never" nodeType="tmRoot"/>
+      </p:par>
+    </p:tnLst>
+  </p:timing>
+</p:sld>
+</file>
+
+<file path=ppt/slides/slide6.xml><?xml version="1.0" encoding="utf-8"?>
+<p:sld xmlns:a="http://schemas.openxmlformats.org/drawingml/2006/main" xmlns:r="http://schemas.openxmlformats.org/officeDocument/2006/relationships" xmlns:p="http://schemas.openxmlformats.org/presentationml/2006/main">
+  <p:cSld>
+    <p:spTree>
+      <p:nvGrpSpPr>
+        <p:cNvPr id="1" name=""/>
+        <p:cNvGrpSpPr/>
+        <p:nvPr/>
+      </p:nvGrpSpPr>
+      <p:grpSpPr>
+        <a:xfrm>
+          <a:off x="0" y="0"/>
+          <a:ext cx="0" cy="0"/>
+          <a:chOff x="0" y="0"/>
+          <a:chExt cx="0" cy="0"/>
+        </a:xfrm>
+      </p:grpSpPr>
+      <p:sp>
+        <p:nvSpPr>
+          <p:cNvPr id="2" name="Title 1"/>
+          <p:cNvSpPr>
+            <a:spLocks noGrp="1"/>
+          </p:cNvSpPr>
+          <p:nvPr>
+            <p:ph type="title"/>
+          </p:nvPr>
+        </p:nvSpPr>
+        <p:spPr/>
+        <p:txBody>
+          <a:bodyPr/>
+          <a:lstStyle/>
+          <a:p>
+            <a:r>
+              <a:rPr lang="en-US" dirty="0" smtClean="0"/>
+              <a:t>Example Maps cont.</a:t>
+            </a:r>
+            <a:endParaRPr lang="en-US" dirty="0"/>
+          </a:p>
+        </p:txBody>
+      </p:sp>
+      <p:sp>
+        <p:nvSpPr>
+          <p:cNvPr id="3" name="Content Placeholder 2"/>
+          <p:cNvSpPr>
+            <a:spLocks noGrp="1"/>
+          </p:cNvSpPr>
+          <p:nvPr>
+            <p:ph idx="1"/>
+          </p:nvPr>
+        </p:nvSpPr>
+        <p:spPr>
+          <a:xfrm>
+            <a:off x="238125" y="896553"/>
+            <a:ext cx="8905875" cy="3599248"/>
+          </a:xfrm>
+        </p:spPr>
+        <p:txBody>
+          <a:bodyPr>
+            <a:normAutofit fontScale="92500" lnSpcReduction="20000"/>
+          </a:bodyPr>
+          <a:lstStyle/>
+          <a:p>
+            <a:r>
+              <a:rPr lang="en-US" dirty="0" smtClean="0"/>
+              <a:t>Some things might not look like maps at first, but can often be implemented as </a:t>
+            </a:r>
+            <a:r>
+              <a:rPr lang="en-US" dirty="0" err="1" smtClean="0"/>
+              <a:t>map+some</a:t>
+            </a:r>
+            <a:r>
+              <a:rPr lang="en-US" dirty="0" smtClean="0"/>
+              <a:t> pre and/or post processing</a:t>
+            </a:r>
+          </a:p>
+          <a:p>
+            <a:pPr lvl="1"/>
+            <a:r>
+              <a:rPr lang="en-US" dirty="0" smtClean="0"/>
+              <a:t>Password cracking</a:t>
+            </a:r>
+          </a:p>
+          <a:p>
+            <a:pPr lvl="1"/>
+            <a:r>
+              <a:rPr lang="en-US" dirty="0" err="1" smtClean="0"/>
+              <a:t>Bitcoin</a:t>
+            </a:r>
+            <a:r>
+              <a:rPr lang="en-US" dirty="0" smtClean="0"/>
+              <a:t> mining</a:t>
+            </a:r>
+          </a:p>
+          <a:p>
+            <a:pPr lvl="1"/>
+            <a:r>
+              <a:rPr lang="en-US" dirty="0" smtClean="0"/>
+              <a:t>Procedural Terrain </a:t>
+            </a:r>
+            <a:r>
+              <a:rPr lang="en-US" dirty="0" smtClean="0"/>
+              <a:t>Generation</a:t>
+            </a:r>
+          </a:p>
+          <a:p>
+            <a:pPr lvl="1"/>
+            <a:r>
+              <a:rPr lang="en-US" dirty="0" smtClean="0"/>
+              <a:t>Number Theoretic Problems (e.g. </a:t>
+            </a:r>
+            <a:r>
+              <a:rPr lang="en-US" dirty="0" smtClean="0"/>
+              <a:t>Quadratic Field Sieve used in fast factoring)</a:t>
+            </a:r>
+          </a:p>
+          <a:p>
+            <a:pPr lvl="1"/>
+            <a:r>
+              <a:rPr lang="en-US" dirty="0" smtClean="0"/>
+              <a:t>Parameter Estimation for scientific models</a:t>
+            </a:r>
+          </a:p>
+        </p:txBody>
+      </p:sp>
+      <p:sp>
+        <p:nvSpPr>
+          <p:cNvPr id="4" name="Footer Placeholder 3"/>
+          <p:cNvSpPr>
+            <a:spLocks noGrp="1"/>
+          </p:cNvSpPr>
+          <p:nvPr>
+            <p:ph type="ftr" sz="quarter" idx="11"/>
+          </p:nvPr>
+        </p:nvSpPr>
+        <p:spPr/>
+        <p:txBody>
+          <a:bodyPr/>
+          <a:lstStyle/>
+          <a:p>
+            <a:pPr>
+              <a:defRPr/>
+            </a:pPr>
+            <a:r>
+              <a:rPr lang="en-US" smtClean="0"/>
+              <a:t>CIS 410/510: Parallel Computing, University of Oregon, Spring 2014</a:t>
+            </a:r>
+            <a:endParaRPr lang="en-US" dirty="0"/>
+          </a:p>
+        </p:txBody>
+      </p:sp>
+      <p:sp>
+        <p:nvSpPr>
+          <p:cNvPr id="5" name="Slide Number Placeholder 4"/>
+          <p:cNvSpPr>
+            <a:spLocks noGrp="1"/>
+          </p:cNvSpPr>
+          <p:nvPr>
+            <p:ph type="sldNum" sz="quarter" idx="12"/>
+          </p:nvPr>
+        </p:nvSpPr>
+        <p:spPr/>
+        <p:txBody>
+          <a:bodyPr/>
+          <a:lstStyle/>
+          <a:p>
+            <a:pPr>
+              <a:defRPr/>
+            </a:pPr>
+            <a:fld id="{F2F21A90-E327-C84D-81B5-071D4C5C9FC6}" type="slidenum">
+              <a:rPr lang="en-US" smtClean="0"/>
+              <a:pPr>
+                <a:defRPr/>
+              </a:pPr>
+              <a:t>6</a:t>
+            </a:fld>
+            <a:endParaRPr lang="en-US"/>
+          </a:p>
+        </p:txBody>
+      </p:sp>
+      <p:grpSp>
+        <p:nvGrpSpPr>
+          <p:cNvPr id="6" name="Group 5"/>
+          <p:cNvGrpSpPr/>
+          <p:nvPr/>
+        </p:nvGrpSpPr>
+        <p:grpSpPr>
+          <a:xfrm>
+            <a:off x="1295400" y="4565304"/>
+            <a:ext cx="6454673" cy="1615121"/>
+            <a:chOff x="638175" y="4370607"/>
+            <a:chExt cx="2895600" cy="1231836"/>
+          </a:xfrm>
+        </p:grpSpPr>
+        <p:sp>
+          <p:nvSpPr>
+            <p:cNvPr id="7" name="Rounded Rectangle 6"/>
+            <p:cNvSpPr/>
+            <p:nvPr/>
+          </p:nvSpPr>
+          <p:spPr>
+            <a:xfrm>
+              <a:off x="638175" y="4370607"/>
+              <a:ext cx="2895600" cy="1214464"/>
+            </a:xfrm>
+            <a:prstGeom prst="roundRect">
+              <a:avLst/>
+            </a:prstGeom>
+            <a:solidFill>
+              <a:srgbClr val="27632E">
+                <a:alpha val="15000"/>
+              </a:srgbClr>
+            </a:solidFill>
+          </p:spPr>
+          <p:style>
+            <a:lnRef idx="1">
+              <a:schemeClr val="accent1"/>
+            </a:lnRef>
+            <a:fillRef idx="3">
+              <a:schemeClr val="accent1"/>
+            </a:fillRef>
+            <a:effectRef idx="2">
+              <a:schemeClr val="accent1"/>
+            </a:effectRef>
+            <a:fontRef idx="minor">
+              <a:schemeClr val="lt1"/>
+            </a:fontRef>
+          </p:style>
+          <p:txBody>
+            <a:bodyPr rtlCol="0" anchor="ctr"/>
+            <a:lstStyle/>
+            <a:p>
+              <a:pPr algn="ctr"/>
+              <a:endParaRPr lang="en-US"/>
+            </a:p>
+          </p:txBody>
+        </p:sp>
+        <p:sp>
+          <p:nvSpPr>
+            <p:cNvPr id="8" name="TextBox 7"/>
+            <p:cNvSpPr txBox="1"/>
+            <p:nvPr/>
+          </p:nvSpPr>
+          <p:spPr>
+            <a:xfrm>
+              <a:off x="638175" y="4827807"/>
+              <a:ext cx="2895599" cy="774636"/>
+            </a:xfrm>
+            <a:prstGeom prst="rect">
+              <a:avLst/>
+            </a:prstGeom>
+            <a:noFill/>
+          </p:spPr>
+          <p:txBody>
+            <a:bodyPr wrap="square" rtlCol="0">
+              <a:spAutoFit/>
+            </a:bodyPr>
+            <a:lstStyle/>
+            <a:p>
+              <a:r>
+                <a:rPr lang="en-US" sz="2000" dirty="0" smtClean="0"/>
+                <a:t>Map pattern is </a:t>
+              </a:r>
+              <a:r>
+                <a:rPr lang="en-US" sz="2000" dirty="0" err="1" smtClean="0"/>
+                <a:t>datatype</a:t>
+              </a:r>
+              <a:r>
+                <a:rPr lang="en-US" sz="2000" dirty="0" smtClean="0"/>
+                <a:t> independent. With various levels of efficiency we can map over lists, trees, graphs, etc. Even abstract “collection” like sequences of numbers. </a:t>
+              </a:r>
+              <a:endParaRPr lang="en-US" sz="2000" dirty="0"/>
+            </a:p>
+          </p:txBody>
+        </p:sp>
+      </p:grpSp>
+      <p:sp>
+        <p:nvSpPr>
+          <p:cNvPr id="10" name="Rounded Rectangle 9"/>
+          <p:cNvSpPr/>
+          <p:nvPr/>
+        </p:nvSpPr>
+        <p:spPr>
+          <a:xfrm>
+            <a:off x="1295400" y="4565302"/>
+            <a:ext cx="6454671" cy="574020"/>
+          </a:xfrm>
+          <a:prstGeom prst="roundRect">
+            <a:avLst/>
+          </a:prstGeom>
+          <a:solidFill>
+            <a:srgbClr val="27632E"/>
+          </a:solidFill>
+        </p:spPr>
+        <p:style>
+          <a:lnRef idx="1">
+            <a:schemeClr val="accent1"/>
+          </a:lnRef>
+          <a:fillRef idx="3">
+            <a:schemeClr val="accent1"/>
+          </a:fillRef>
+          <a:effectRef idx="2">
+            <a:schemeClr val="accent1"/>
+          </a:effectRef>
+          <a:fontRef idx="minor">
+            <a:schemeClr val="lt1"/>
+          </a:fontRef>
+        </p:style>
+        <p:txBody>
+          <a:bodyPr rtlCol="0" anchor="ctr"/>
+          <a:lstStyle/>
+          <a:p>
+            <a:pPr algn="ctr"/>
+            <a:endParaRPr lang="en-US"/>
+          </a:p>
+        </p:txBody>
+      </p:sp>
+      <p:sp>
+        <p:nvSpPr>
+          <p:cNvPr id="11" name="TextBox 10"/>
+          <p:cNvSpPr txBox="1"/>
+          <p:nvPr/>
+        </p:nvSpPr>
+        <p:spPr>
+          <a:xfrm>
+            <a:off x="1438440" y="4613137"/>
+            <a:ext cx="6311631" cy="461665"/>
+          </a:xfrm>
+          <a:prstGeom prst="rect">
+            <a:avLst/>
+          </a:prstGeom>
+          <a:noFill/>
+        </p:spPr>
+        <p:txBody>
+          <a:bodyPr wrap="square" rtlCol="0">
+            <a:spAutoFit/>
+          </a:bodyPr>
+          <a:lstStyle/>
+          <a:p>
+            <a:r>
+              <a:rPr lang="en-US" sz="2400" dirty="0" smtClean="0">
+                <a:solidFill>
+                  <a:schemeClr val="bg1"/>
+                </a:solidFill>
+              </a:rPr>
+              <a:t>Not Just Arrays</a:t>
+            </a:r>
+            <a:endParaRPr lang="en-US" sz="2400" dirty="0">
+              <a:solidFill>
+                <a:schemeClr val="bg1"/>
+              </a:solidFill>
+            </a:endParaRPr>
+          </a:p>
+        </p:txBody>
+      </p:sp>
+    </p:spTree>
+    <p:extLst>
+      <p:ext uri="{BB962C8B-B14F-4D97-AF65-F5344CB8AC3E}">
+        <p14:creationId xmlns:p14="http://schemas.microsoft.com/office/powerpoint/2010/main" val="325123407"/>
+      </p:ext>
+    </p:extLst>
+  </p:cSld>
+  <p:clrMapOvr>
+    <a:masterClrMapping/>
+  </p:clrMapOvr>
+  <p:timing>
+    <p:tnLst>
+      <p:par>
+        <p:cTn id="1" dur="indefinite" restart="never" nodeType="tmRoot"/>
+      </p:par>
+    </p:tnLst>
+  </p:timing>
+</p:sld>
+</file>
+
+<file path=ppt/slides/slide7.xml><?xml version="1.0" encoding="utf-8"?>
+<p:sld xmlns:a="http://schemas.openxmlformats.org/drawingml/2006/main" xmlns:r="http://schemas.openxmlformats.org/officeDocument/2006/relationships" xmlns:p="http://schemas.openxmlformats.org/presentationml/2006/main">
+  <p:cSld>
+    <p:spTree>
+      <p:nvGrpSpPr>
+        <p:cNvPr id="1" name=""/>
+        <p:cNvGrpSpPr/>
+        <p:nvPr/>
+      </p:nvGrpSpPr>
+      <p:grpSpPr>
+        <a:xfrm>
+          <a:off x="0" y="0"/>
+          <a:ext cx="0" cy="0"/>
+          <a:chOff x="0" y="0"/>
+          <a:chExt cx="0" cy="0"/>
+        </a:xfrm>
+      </p:grpSpPr>
+      <p:sp>
+        <p:nvSpPr>
+          <p:cNvPr id="2" name="Title 1"/>
+          <p:cNvSpPr>
+            <a:spLocks noGrp="1"/>
+          </p:cNvSpPr>
+          <p:nvPr>
+            <p:ph type="title"/>
+          </p:nvPr>
+        </p:nvSpPr>
+        <p:spPr/>
+        <p:txBody>
+          <a:bodyPr/>
+          <a:lstStyle/>
+          <a:p>
+            <a:r>
+              <a:rPr lang="en-US" dirty="0" smtClean="0"/>
+              <a:t>Key Idea</a:t>
+            </a:r>
+            <a:endParaRPr lang="en-US" dirty="0"/>
+          </a:p>
+        </p:txBody>
+      </p:sp>
+      <p:sp>
+        <p:nvSpPr>
+          <p:cNvPr id="3" name="Content Placeholder 2"/>
+          <p:cNvSpPr>
+            <a:spLocks noGrp="1"/>
+          </p:cNvSpPr>
+          <p:nvPr>
+            <p:ph idx="1"/>
+          </p:nvPr>
+        </p:nvSpPr>
+        <p:spPr/>
+        <p:txBody>
+          <a:bodyPr/>
+          <a:lstStyle/>
+          <a:p>
+            <a:r>
+              <a:rPr lang="en-US" dirty="0" smtClean="0"/>
+              <a:t>Map is a “</a:t>
+            </a:r>
+            <a:r>
+              <a:rPr lang="en-US" dirty="0" err="1" smtClean="0"/>
+              <a:t>foreach</a:t>
+            </a:r>
+            <a:r>
+              <a:rPr lang="en-US" dirty="0" smtClean="0"/>
+              <a:t> loop”</a:t>
+            </a:r>
+            <a:endParaRPr lang="en-US" dirty="0" smtClean="0"/>
+          </a:p>
+        </p:txBody>
+      </p:sp>
+      <p:sp>
+        <p:nvSpPr>
+          <p:cNvPr id="4" name="Footer Placeholder 3"/>
+          <p:cNvSpPr>
+            <a:spLocks noGrp="1"/>
+          </p:cNvSpPr>
+          <p:nvPr>
+            <p:ph type="ftr" sz="quarter" idx="11"/>
+          </p:nvPr>
+        </p:nvSpPr>
+        <p:spPr/>
+        <p:txBody>
+          <a:bodyPr/>
+          <a:lstStyle/>
+          <a:p>
+            <a:pPr>
+              <a:defRPr/>
+            </a:pPr>
+            <a:r>
+              <a:rPr lang="en-US" smtClean="0"/>
+              <a:t>CIS 410/510: Parallel Computing, University of Oregon, Spring 2014</a:t>
+            </a:r>
+            <a:endParaRPr lang="en-US" dirty="0"/>
+          </a:p>
+        </p:txBody>
+      </p:sp>
+      <p:sp>
+        <p:nvSpPr>
+          <p:cNvPr id="5" name="Slide Number Placeholder 4"/>
+          <p:cNvSpPr>
+            <a:spLocks noGrp="1"/>
+          </p:cNvSpPr>
+          <p:nvPr>
+            <p:ph type="sldNum" sz="quarter" idx="12"/>
+          </p:nvPr>
+        </p:nvSpPr>
+        <p:spPr/>
+        <p:txBody>
+          <a:bodyPr/>
+          <a:lstStyle/>
+          <a:p>
+            <a:pPr>
+              <a:defRPr/>
+            </a:pPr>
+            <a:fld id="{F2F21A90-E327-C84D-81B5-071D4C5C9FC6}" type="slidenum">
+              <a:rPr lang="en-US" smtClean="0"/>
+              <a:pPr>
+                <a:defRPr/>
+              </a:pPr>
+              <a:t>7</a:t>
+            </a:fld>
+            <a:endParaRPr lang="en-US"/>
+          </a:p>
+        </p:txBody>
+      </p:sp>
+    </p:spTree>
+    <p:extLst>
+      <p:ext uri="{BB962C8B-B14F-4D97-AF65-F5344CB8AC3E}">
+        <p14:creationId xmlns:p14="http://schemas.microsoft.com/office/powerpoint/2010/main" val="933380221"/>
+      </p:ext>
+    </p:extLst>
+  </p:cSld>
+  <p:clrMapOvr>
+    <a:masterClrMapping/>
+  </p:clrMapOvr>
+  <p:timing>
+    <p:tnLst>
+      <p:par>
+        <p:cTn id="1" dur="indefinite" restart="never" nodeType="tmRoot"/>
+      </p:par>
+    </p:tnLst>
+  </p:timing>
+</p:sld>
+</file>
+
+<file path=ppt/slides/slide8.xml><?xml version="1.0" encoding="utf-8"?>
+<p:sld xmlns:a="http://schemas.openxmlformats.org/drawingml/2006/main" xmlns:r="http://schemas.openxmlformats.org/officeDocument/2006/relationships" xmlns:p="http://schemas.openxmlformats.org/presentationml/2006/main">
+  <p:cSld>
+    <p:spTree>
+      <p:nvGrpSpPr>
+        <p:cNvPr id="1" name=""/>
+        <p:cNvGrpSpPr/>
+        <p:nvPr/>
+      </p:nvGrpSpPr>
+      <p:grpSpPr>
+        <a:xfrm>
+          <a:off x="0" y="0"/>
+          <a:ext cx="0" cy="0"/>
+          <a:chOff x="0" y="0"/>
+          <a:chExt cx="0" cy="0"/>
+        </a:xfrm>
+      </p:grpSpPr>
+      <p:sp>
+        <p:nvSpPr>
+          <p:cNvPr id="2" name="Title 1"/>
+          <p:cNvSpPr>
+            <a:spLocks noGrp="1"/>
+          </p:cNvSpPr>
+          <p:nvPr>
+            <p:ph type="title"/>
+          </p:nvPr>
+        </p:nvSpPr>
+        <p:spPr/>
+        <p:txBody>
+          <a:bodyPr/>
+          <a:lstStyle/>
+          <a:p>
+            <a:r>
+              <a:rPr lang="en-US" dirty="0" smtClean="0"/>
+              <a:t>Key Idea</a:t>
+            </a:r>
+            <a:endParaRPr lang="en-US" dirty="0"/>
+          </a:p>
+        </p:txBody>
+      </p:sp>
+      <p:sp>
+        <p:nvSpPr>
+          <p:cNvPr id="3" name="Content Placeholder 2"/>
+          <p:cNvSpPr>
+            <a:spLocks noGrp="1"/>
+          </p:cNvSpPr>
+          <p:nvPr>
+            <p:ph idx="1"/>
+          </p:nvPr>
+        </p:nvSpPr>
+        <p:spPr/>
+        <p:txBody>
+          <a:bodyPr/>
+          <a:lstStyle/>
+          <a:p>
+            <a:r>
+              <a:rPr lang="en-US" dirty="0" smtClean="0"/>
+              <a:t>Map is a “</a:t>
+            </a:r>
+            <a:r>
+              <a:rPr lang="en-US" dirty="0" err="1" smtClean="0"/>
+              <a:t>foreach</a:t>
+            </a:r>
+            <a:r>
+              <a:rPr lang="en-US" dirty="0" smtClean="0"/>
+              <a:t> loop” </a:t>
+            </a:r>
+            <a:r>
+              <a:rPr lang="en-US" dirty="0" smtClean="0">
+                <a:solidFill>
+                  <a:srgbClr val="FF0000"/>
+                </a:solidFill>
+              </a:rPr>
+              <a:t>where each iteration is independent</a:t>
+            </a:r>
+            <a:endParaRPr lang="en-US" dirty="0" smtClean="0"/>
+          </a:p>
+        </p:txBody>
+      </p:sp>
+      <p:sp>
+        <p:nvSpPr>
+          <p:cNvPr id="4" name="Footer Placeholder 3"/>
+          <p:cNvSpPr>
+            <a:spLocks noGrp="1"/>
+          </p:cNvSpPr>
+          <p:nvPr>
+            <p:ph type="ftr" sz="quarter" idx="11"/>
+          </p:nvPr>
+        </p:nvSpPr>
+        <p:spPr/>
+        <p:txBody>
+          <a:bodyPr/>
+          <a:lstStyle/>
+          <a:p>
+            <a:pPr>
+              <a:defRPr/>
+            </a:pPr>
+            <a:r>
+              <a:rPr lang="en-US" smtClean="0"/>
+              <a:t>CIS 410/510: Parallel Computing, University of Oregon, Spring 2014</a:t>
+            </a:r>
+            <a:endParaRPr lang="en-US" dirty="0"/>
+          </a:p>
+        </p:txBody>
+      </p:sp>
+      <p:sp>
+        <p:nvSpPr>
+          <p:cNvPr id="5" name="Slide Number Placeholder 4"/>
+          <p:cNvSpPr>
+            <a:spLocks noGrp="1"/>
+          </p:cNvSpPr>
+          <p:nvPr>
+            <p:ph type="sldNum" sz="quarter" idx="12"/>
+          </p:nvPr>
+        </p:nvSpPr>
+        <p:spPr/>
+        <p:txBody>
+          <a:bodyPr/>
+          <a:lstStyle/>
+          <a:p>
+            <a:pPr>
+              <a:defRPr/>
+            </a:pPr>
+            <a:fld id="{F2F21A90-E327-C84D-81B5-071D4C5C9FC6}" type="slidenum">
+              <a:rPr lang="en-US" smtClean="0"/>
+              <a:pPr>
+                <a:defRPr/>
+              </a:pPr>
+              <a:t>8</a:t>
+            </a:fld>
+            <a:endParaRPr lang="en-US"/>
+          </a:p>
+        </p:txBody>
+      </p:sp>
+    </p:spTree>
+    <p:extLst>
+      <p:ext uri="{BB962C8B-B14F-4D97-AF65-F5344CB8AC3E}">
+        <p14:creationId xmlns:p14="http://schemas.microsoft.com/office/powerpoint/2010/main" val="619126456"/>
+      </p:ext>
+    </p:extLst>
+  </p:cSld>
+  <p:clrMapOvr>
+    <a:masterClrMapping/>
+  </p:clrMapOvr>
+  <p:timing>
+    <p:tnLst>
+      <p:par>
+        <p:cTn id="1" dur="indefinite" restart="never" nodeType="tmRoot"/>
+      </p:par>
+    </p:tnLst>
+  </p:timing>
+</p:sld>
+</file>
+
+<file path=ppt/slides/slide9.xml><?xml version="1.0" encoding="utf-8"?>
+<p:sld xmlns:a="http://schemas.openxmlformats.org/drawingml/2006/main" xmlns:r="http://schemas.openxmlformats.org/officeDocument/2006/relationships" xmlns:p="http://schemas.openxmlformats.org/presentationml/2006/main">
+  <p:cSld>
+    <p:spTree>
+      <p:nvGrpSpPr>
+        <p:cNvPr id="1" name=""/>
+        <p:cNvGrpSpPr/>
+        <p:nvPr/>
+      </p:nvGrpSpPr>
+      <p:grpSpPr>
+        <a:xfrm>
+          <a:off x="0" y="0"/>
+          <a:ext cx="0" cy="0"/>
+          <a:chOff x="0" y="0"/>
+          <a:chExt cx="0" cy="0"/>
+        </a:xfrm>
+      </p:grpSpPr>
+      <p:sp>
+        <p:nvSpPr>
+          <p:cNvPr id="2" name="Title 1"/>
+          <p:cNvSpPr>
+            <a:spLocks noGrp="1"/>
+          </p:cNvSpPr>
+          <p:nvPr>
+            <p:ph type="title"/>
+          </p:nvPr>
+        </p:nvSpPr>
+        <p:spPr/>
+        <p:txBody>
+          <a:bodyPr/>
+          <a:lstStyle/>
+          <a:p>
+            <a:r>
+              <a:rPr lang="en-US" dirty="0" smtClean="0"/>
+              <a:t>Key Idea</a:t>
+            </a:r>
+            <a:endParaRPr lang="en-US" dirty="0"/>
+          </a:p>
+        </p:txBody>
+      </p:sp>
+      <p:sp>
+        <p:nvSpPr>
+          <p:cNvPr id="3" name="Content Placeholder 2"/>
+          <p:cNvSpPr>
+            <a:spLocks noGrp="1"/>
+          </p:cNvSpPr>
+          <p:nvPr>
+            <p:ph idx="1"/>
+          </p:nvPr>
+        </p:nvSpPr>
+        <p:spPr/>
+        <p:txBody>
+          <a:bodyPr/>
+          <a:lstStyle/>
+          <a:p>
+            <a:r>
+              <a:rPr lang="en-US" dirty="0"/>
+              <a:t>Map is a “</a:t>
+            </a:r>
+            <a:r>
+              <a:rPr lang="en-US" dirty="0" err="1"/>
+              <a:t>foreach</a:t>
+            </a:r>
+            <a:r>
+              <a:rPr lang="en-US" dirty="0"/>
+              <a:t> loop” </a:t>
+            </a:r>
+            <a:r>
+              <a:rPr lang="en-US" dirty="0">
+                <a:solidFill>
+                  <a:srgbClr val="FF0000"/>
+                </a:solidFill>
+              </a:rPr>
+              <a:t>where each iteration is independent</a:t>
+            </a:r>
+            <a:endParaRPr lang="en-US" dirty="0"/>
+          </a:p>
+        </p:txBody>
+      </p:sp>
+      <p:sp>
+        <p:nvSpPr>
+          <p:cNvPr id="4" name="Footer Placeholder 3"/>
+          <p:cNvSpPr>
+            <a:spLocks noGrp="1"/>
+          </p:cNvSpPr>
+          <p:nvPr>
+            <p:ph type="ftr" sz="quarter" idx="11"/>
+          </p:nvPr>
+        </p:nvSpPr>
+        <p:spPr/>
+        <p:txBody>
+          <a:bodyPr/>
+          <a:lstStyle/>
+          <a:p>
+            <a:pPr>
+              <a:defRPr/>
+            </a:pPr>
+            <a:r>
+              <a:rPr lang="en-US" smtClean="0"/>
+              <a:t>CIS 410/510: Parallel Computing, University of Oregon, Spring 2014</a:t>
+            </a:r>
+            <a:endParaRPr lang="en-US" dirty="0"/>
+          </a:p>
+        </p:txBody>
+      </p:sp>
+      <p:sp>
+        <p:nvSpPr>
+          <p:cNvPr id="5" name="Slide Number Placeholder 4"/>
+          <p:cNvSpPr>
+            <a:spLocks noGrp="1"/>
+          </p:cNvSpPr>
+          <p:nvPr>
+            <p:ph type="sldNum" sz="quarter" idx="12"/>
+          </p:nvPr>
+        </p:nvSpPr>
+        <p:spPr/>
+        <p:txBody>
+          <a:bodyPr/>
+          <a:lstStyle/>
+          <a:p>
+            <a:pPr>
+              <a:defRPr/>
+            </a:pPr>
+            <a:fld id="{F2F21A90-E327-C84D-81B5-071D4C5C9FC6}" type="slidenum">
+              <a:rPr lang="en-US" smtClean="0"/>
+              <a:pPr>
+                <a:defRPr/>
+              </a:pPr>
+              <a:t>9</a:t>
+            </a:fld>
+            <a:endParaRPr lang="en-US"/>
+          </a:p>
+        </p:txBody>
+      </p:sp>
+      <p:grpSp>
+        <p:nvGrpSpPr>
+          <p:cNvPr id="11" name="Group 10"/>
+          <p:cNvGrpSpPr/>
+          <p:nvPr/>
+        </p:nvGrpSpPr>
+        <p:grpSpPr>
+          <a:xfrm>
+            <a:off x="532804" y="2771565"/>
+            <a:ext cx="8153400" cy="2057402"/>
+            <a:chOff x="532804" y="2771565"/>
+            <a:chExt cx="8153400" cy="2057402"/>
+          </a:xfrm>
+        </p:grpSpPr>
+        <p:sp>
+          <p:nvSpPr>
+            <p:cNvPr id="7" name="Rounded Rectangle 6"/>
+            <p:cNvSpPr/>
+            <p:nvPr/>
+          </p:nvSpPr>
+          <p:spPr>
+            <a:xfrm>
+              <a:off x="532804" y="2771567"/>
+              <a:ext cx="8153400" cy="2057400"/>
+            </a:xfrm>
+            <a:prstGeom prst="roundRect">
+              <a:avLst/>
+            </a:prstGeom>
+            <a:solidFill>
+              <a:srgbClr val="27632E">
+                <a:alpha val="15000"/>
+              </a:srgbClr>
+            </a:solidFill>
+          </p:spPr>
+          <p:style>
+            <a:lnRef idx="1">
+              <a:schemeClr val="accent1"/>
+            </a:lnRef>
+            <a:fillRef idx="3">
+              <a:schemeClr val="accent1"/>
+            </a:fillRef>
+            <a:effectRef idx="2">
+              <a:schemeClr val="accent1"/>
+            </a:effectRef>
+            <a:fontRef idx="minor">
+              <a:schemeClr val="lt1"/>
+            </a:fontRef>
+          </p:style>
+          <p:txBody>
+            <a:bodyPr rtlCol="0" anchor="ctr"/>
+            <a:lstStyle/>
+            <a:p>
+              <a:pPr algn="ctr"/>
+              <a:endParaRPr lang="en-US"/>
+            </a:p>
+          </p:txBody>
+        </p:sp>
+        <mc:AlternateContent xmlns:mc="http://schemas.openxmlformats.org/markup-compatibility/2006">
+          <mc:Choice xmlns:a14="http://schemas.microsoft.com/office/drawing/2010/main" Requires="a14">
+            <p:sp>
+              <p:nvSpPr>
+                <p:cNvPr id="8" name="TextBox 7"/>
+                <p:cNvSpPr txBox="1"/>
+                <p:nvPr/>
+              </p:nvSpPr>
+              <p:spPr>
+                <a:xfrm>
+                  <a:off x="532805" y="3371024"/>
+                  <a:ext cx="8153396" cy="1323439"/>
+                </a:xfrm>
+                <a:prstGeom prst="rect">
+                  <a:avLst/>
+                </a:prstGeom>
+                <a:noFill/>
+              </p:spPr>
+              <p:txBody>
+                <a:bodyPr wrap="square" rtlCol="0">
+                  <a:spAutoFit/>
+                </a:bodyPr>
+                <a:lstStyle/>
+                <a:p>
+                  <a:r>
+                    <a:rPr lang="en-US" sz="2000" dirty="0" smtClean="0"/>
+                    <a:t>Independence is big win. We can run map completely in parallel. Significant speedups: </a:t>
+                  </a:r>
+                </a:p>
+                <a:p>
+                  <a:r>
+                    <a:rPr lang="en-US" sz="2000" dirty="0" smtClean="0"/>
+                    <a:t>More precisely: </a:t>
+                  </a:r>
+                  <a14:m>
+                    <m:oMath xmlns:m="http://schemas.openxmlformats.org/officeDocument/2006/math">
+                      <m:r>
+                        <a:rPr lang="en-US" sz="2000" b="0" i="1" smtClean="0">
+                          <a:latin typeface="Cambria Math"/>
+                        </a:rPr>
+                        <m:t>𝑇</m:t>
+                      </m:r>
+                      <m:d>
+                        <m:dPr>
+                          <m:ctrlPr>
+                            <a:rPr lang="en-US" sz="2000" b="0" i="1" smtClean="0">
+                              <a:latin typeface="Cambria Math"/>
+                            </a:rPr>
+                          </m:ctrlPr>
+                        </m:dPr>
+                        <m:e>
+                          <m:r>
+                            <a:rPr lang="en-US" sz="2000" b="0" i="1" smtClean="0">
+                              <a:latin typeface="Cambria Math"/>
+                              <a:ea typeface="Cambria Math"/>
+                            </a:rPr>
+                            <m:t>∞</m:t>
+                          </m:r>
+                        </m:e>
+                      </m:d>
+                    </m:oMath>
+                  </a14:m>
+                  <a:r>
+                    <a:rPr lang="en-US" sz="2000" dirty="0" smtClean="0"/>
+                    <a:t> is </a:t>
+                  </a:r>
+                  <a14:m>
+                    <m:oMath xmlns:m="http://schemas.openxmlformats.org/officeDocument/2006/math">
+                      <m:r>
+                        <a:rPr lang="en-US" sz="2000" b="0" i="1" smtClean="0">
+                          <a:latin typeface="Cambria Math"/>
+                        </a:rPr>
+                        <m:t>𝑂</m:t>
+                      </m:r>
+                      <m:r>
+                        <a:rPr lang="en-US" sz="2000" b="0" i="1" smtClean="0">
+                          <a:latin typeface="Cambria Math"/>
+                        </a:rPr>
+                        <m:t>(1)</m:t>
+                      </m:r>
+                    </m:oMath>
+                  </a14:m>
+                  <a:r>
+                    <a:rPr lang="en-US" sz="2000" dirty="0" smtClean="0"/>
+                    <a:t> plus implementation overhead that is </a:t>
+                  </a:r>
+                  <a14:m>
+                    <m:oMath xmlns:m="http://schemas.openxmlformats.org/officeDocument/2006/math">
+                      <m:r>
+                        <a:rPr lang="en-US" sz="2000" b="0" i="1" smtClean="0">
+                          <a:latin typeface="Cambria Math"/>
+                        </a:rPr>
+                        <m:t>𝑂</m:t>
+                      </m:r>
+                      <m:r>
+                        <a:rPr lang="en-US" sz="2000" b="0" i="1" smtClean="0">
+                          <a:latin typeface="Cambria Math"/>
+                        </a:rPr>
+                        <m:t>(</m:t>
+                      </m:r>
+                      <m:r>
+                        <a:rPr lang="en-US" sz="2000" b="0" i="1" smtClean="0">
+                          <a:latin typeface="Cambria Math"/>
+                        </a:rPr>
+                        <m:t>𝑙𝑜𝑔𝑛</m:t>
+                      </m:r>
+                      <m:r>
+                        <a:rPr lang="en-US" sz="2000" b="0" i="1" smtClean="0">
+                          <a:latin typeface="Cambria Math"/>
+                        </a:rPr>
+                        <m:t>)</m:t>
+                      </m:r>
+                    </m:oMath>
+                  </a14:m>
+                  <a:r>
+                    <a:rPr lang="en-US" sz="2000" dirty="0" smtClean="0"/>
+                    <a:t>… so </a:t>
+                  </a:r>
+                  <a14:m>
+                    <m:oMath xmlns:m="http://schemas.openxmlformats.org/officeDocument/2006/math">
+                      <m:r>
+                        <a:rPr lang="en-US" sz="2000" b="0" i="1" smtClean="0">
+                          <a:latin typeface="Cambria Math"/>
+                        </a:rPr>
+                        <m:t>𝑇</m:t>
+                      </m:r>
+                      <m:d>
+                        <m:dPr>
+                          <m:ctrlPr>
+                            <a:rPr lang="en-US" sz="2000" b="0" i="1" smtClean="0">
+                              <a:latin typeface="Cambria Math"/>
+                            </a:rPr>
+                          </m:ctrlPr>
+                        </m:dPr>
+                        <m:e>
+                          <m:r>
+                            <a:rPr lang="en-US" sz="2000" b="0" i="1" smtClean="0">
+                              <a:latin typeface="Cambria Math"/>
+                              <a:ea typeface="Cambria Math"/>
+                            </a:rPr>
+                            <m:t>∞</m:t>
+                          </m:r>
+                        </m:e>
+                      </m:d>
+                      <m:r>
+                        <a:rPr lang="en-US" sz="2000" b="0" i="1" smtClean="0">
+                          <a:latin typeface="Cambria Math"/>
+                          <a:ea typeface="Cambria Math"/>
+                        </a:rPr>
+                        <m:t>= ∈</m:t>
+                      </m:r>
+                      <m:r>
+                        <a:rPr lang="en-US" sz="2000" b="0" i="1" smtClean="0">
+                          <a:latin typeface="Cambria Math"/>
+                          <a:ea typeface="Cambria Math"/>
+                        </a:rPr>
+                        <m:t>𝑂</m:t>
+                      </m:r>
+                      <m:d>
+                        <m:dPr>
+                          <m:ctrlPr>
+                            <a:rPr lang="en-US" sz="2000" b="0" i="1" smtClean="0">
+                              <a:latin typeface="Cambria Math"/>
+                              <a:ea typeface="Cambria Math"/>
+                            </a:rPr>
+                          </m:ctrlPr>
+                        </m:dPr>
+                        <m:e>
+                          <m:r>
+                            <a:rPr lang="en-US" sz="2000" b="0" i="1" smtClean="0">
+                              <a:latin typeface="Cambria Math"/>
+                              <a:ea typeface="Cambria Math"/>
+                            </a:rPr>
+                            <m:t>𝑙𝑜𝑔𝑛</m:t>
+                          </m:r>
+                        </m:e>
+                      </m:d>
+                      <m:r>
+                        <a:rPr lang="en-US" sz="2000" b="0" i="0" smtClean="0">
+                          <a:latin typeface="Cambria Math"/>
+                          <a:ea typeface="Cambria Math"/>
+                        </a:rPr>
+                        <m:t>  </m:t>
+                      </m:r>
+                    </m:oMath>
+                  </a14:m>
+                  <a:r>
+                    <a:rPr lang="en-US" sz="2000" dirty="0" smtClean="0"/>
+                    <a:t>, </a:t>
+                  </a:r>
+                  <a14:m>
+                    <m:oMath xmlns:m="http://schemas.openxmlformats.org/officeDocument/2006/math">
+                      <m:r>
+                        <a:rPr lang="en-US" sz="2000" b="0" i="1" smtClean="0">
+                          <a:latin typeface="Cambria Math"/>
+                        </a:rPr>
+                        <m:t>𝑇</m:t>
+                      </m:r>
+                      <m:d>
+                        <m:dPr>
+                          <m:ctrlPr>
+                            <a:rPr lang="en-US" sz="2000" b="0" i="1" smtClean="0">
+                              <a:latin typeface="Cambria Math"/>
+                            </a:rPr>
+                          </m:ctrlPr>
+                        </m:dPr>
+                        <m:e>
+                          <m:r>
+                            <a:rPr lang="en-US" sz="2000" b="0" i="1" smtClean="0">
+                              <a:latin typeface="Cambria Math"/>
+                            </a:rPr>
+                            <m:t>1</m:t>
+                          </m:r>
+                        </m:e>
+                      </m:d>
+                      <m:r>
+                        <a:rPr lang="en-US" sz="2000" b="0" i="1" smtClean="0">
+                          <a:latin typeface="Cambria Math"/>
+                          <a:ea typeface="Cambria Math"/>
+                        </a:rPr>
+                        <m:t>∈</m:t>
+                      </m:r>
+                      <m:r>
+                        <a:rPr lang="en-US" sz="2000" b="0" i="1" smtClean="0">
+                          <a:latin typeface="Cambria Math"/>
+                          <a:ea typeface="Cambria Math"/>
+                        </a:rPr>
+                        <m:t>𝑂</m:t>
+                      </m:r>
+                      <m:r>
+                        <a:rPr lang="en-US" sz="2000" b="0" i="1" smtClean="0">
+                          <a:latin typeface="Cambria Math"/>
+                          <a:ea typeface="Cambria Math"/>
+                        </a:rPr>
+                        <m:t>(</m:t>
+                      </m:r>
+                      <m:r>
+                        <a:rPr lang="en-US" sz="2000" b="0" i="1" smtClean="0">
+                          <a:latin typeface="Cambria Math"/>
+                          <a:ea typeface="Cambria Math"/>
+                        </a:rPr>
+                        <m:t>𝑛</m:t>
+                      </m:r>
+                      <m:r>
+                        <a:rPr lang="en-US" sz="2000" b="0" i="1" smtClean="0">
+                          <a:latin typeface="Cambria Math"/>
+                          <a:ea typeface="Cambria Math"/>
+                        </a:rPr>
+                        <m:t>)</m:t>
+                      </m:r>
+                    </m:oMath>
+                  </a14:m>
+                  <a:endParaRPr lang="en-US" sz="2000" dirty="0"/>
+                </a:p>
+              </p:txBody>
+            </p:sp>
+          </mc:Choice>
+          <mc:Fallback>
+            <p:sp>
+              <p:nvSpPr>
+                <p:cNvPr id="8" name="TextBox 7"/>
+                <p:cNvSpPr txBox="1">
+                  <a:spLocks noRot="1" noChangeAspect="1" noMove="1" noResize="1" noEditPoints="1" noAdjustHandles="1" noChangeArrowheads="1" noChangeShapeType="1" noTextEdit="1"/>
+                </p:cNvSpPr>
+                <p:nvPr/>
+              </p:nvSpPr>
+              <p:spPr>
+                <a:xfrm>
+                  <a:off x="532805" y="3371024"/>
+                  <a:ext cx="8153396" cy="1323439"/>
+                </a:xfrm>
+                <a:prstGeom prst="rect">
+                  <a:avLst/>
+                </a:prstGeom>
+                <a:blipFill rotWithShape="1">
+                  <a:blip r:embed="rId2"/>
+                  <a:stretch>
+                    <a:fillRect l="-747" t="-2304" b="-7373"/>
+                  </a:stretch>
+                </a:blipFill>
+              </p:spPr>
+              <p:txBody>
+                <a:bodyPr/>
+                <a:lstStyle/>
+                <a:p>
+                  <a:r>
+                    <a:rPr lang="en-US">
+                      <a:noFill/>
+                    </a:rPr>
+                    <a:t> </a:t>
+                  </a:r>
+                </a:p>
+              </p:txBody>
+            </p:sp>
+          </mc:Fallback>
+        </mc:AlternateContent>
+        <p:sp>
+          <p:nvSpPr>
+            <p:cNvPr id="9" name="Rounded Rectangle 8"/>
+            <p:cNvSpPr/>
+            <p:nvPr/>
+          </p:nvSpPr>
+          <p:spPr>
+            <a:xfrm>
+              <a:off x="532804" y="2771565"/>
+              <a:ext cx="8153397" cy="574020"/>
+            </a:xfrm>
+            <a:prstGeom prst="roundRect">
+              <a:avLst/>
+            </a:prstGeom>
+            <a:solidFill>
+              <a:srgbClr val="27632E"/>
+            </a:solidFill>
+          </p:spPr>
+          <p:style>
+            <a:lnRef idx="1">
+              <a:schemeClr val="accent1"/>
+            </a:lnRef>
+            <a:fillRef idx="3">
+              <a:schemeClr val="accent1"/>
+            </a:fillRef>
+            <a:effectRef idx="2">
+              <a:schemeClr val="accent1"/>
+            </a:effectRef>
+            <a:fontRef idx="minor">
+              <a:schemeClr val="lt1"/>
+            </a:fontRef>
+          </p:style>
+          <p:txBody>
+            <a:bodyPr rtlCol="0" anchor="ctr"/>
+            <a:lstStyle/>
+            <a:p>
+              <a:pPr algn="ctr"/>
+              <a:endParaRPr lang="en-US"/>
+            </a:p>
+          </p:txBody>
+        </p:sp>
+        <p:sp>
+          <p:nvSpPr>
+            <p:cNvPr id="10" name="TextBox 9"/>
+            <p:cNvSpPr txBox="1"/>
+            <p:nvPr/>
+          </p:nvSpPr>
+          <p:spPr>
+            <a:xfrm>
+              <a:off x="675844" y="2819400"/>
+              <a:ext cx="7972713" cy="461665"/>
+            </a:xfrm>
+            <a:prstGeom prst="rect">
+              <a:avLst/>
+            </a:prstGeom>
+            <a:noFill/>
+          </p:spPr>
+          <p:txBody>
+            <a:bodyPr wrap="square" rtlCol="0">
+              <a:spAutoFit/>
+            </a:bodyPr>
+            <a:lstStyle/>
+            <a:p>
+              <a:r>
+                <a:rPr lang="en-US" sz="2400" dirty="0" smtClean="0">
+                  <a:solidFill>
+                    <a:schemeClr val="bg1"/>
+                  </a:solidFill>
+                </a:rPr>
+                <a:t>Embarrassingly Parallel</a:t>
+              </a:r>
+              <a:endParaRPr lang="en-US" sz="2400" dirty="0">
+                <a:solidFill>
+                  <a:schemeClr val="bg1"/>
+                </a:solidFill>
+              </a:endParaRPr>
+            </a:p>
+          </p:txBody>
+        </p:sp>
+      </p:grpSp>
+    </p:spTree>
+    <p:extLst>
+      <p:ext uri="{BB962C8B-B14F-4D97-AF65-F5344CB8AC3E}">
+        <p14:creationId xmlns:p14="http://schemas.microsoft.com/office/powerpoint/2010/main" val="619126456"/>
+      </p:ext>
+    </p:extLst>
+  </p:cSld>
+  <p:clrMapOvr>
+    <a:masterClrMapping/>
+  </p:clrMapOvr>
+  <p:timing>
+    <p:tnLst>
+      <p:par>
+        <p:cTn id="1" dur="indefinite" restart="never" nodeType="tmRoot"/>
+      </p:par>
+    </p:tnLst>
+  </p:timing>
 </p:sld>
 </file>
 
